--- a/thesisPresentation/Thesis.pptx
+++ b/thesisPresentation/Thesis.pptx
@@ -5,28 +5,33 @@
     <p:sldMasterId id="2147483648" r:id="rId1"/>
   </p:sldMasterIdLst>
   <p:notesMasterIdLst>
-    <p:notesMasterId r:id="rId21"/>
+    <p:notesMasterId r:id="rId26"/>
   </p:notesMasterIdLst>
   <p:sldIdLst>
     <p:sldId id="256" r:id="rId2"/>
     <p:sldId id="259" r:id="rId3"/>
-    <p:sldId id="258" r:id="rId4"/>
-    <p:sldId id="257" r:id="rId5"/>
-    <p:sldId id="260" r:id="rId6"/>
-    <p:sldId id="261" r:id="rId7"/>
-    <p:sldId id="262" r:id="rId8"/>
-    <p:sldId id="263" r:id="rId9"/>
-    <p:sldId id="264" r:id="rId10"/>
-    <p:sldId id="275" r:id="rId11"/>
-    <p:sldId id="265" r:id="rId12"/>
-    <p:sldId id="274" r:id="rId13"/>
-    <p:sldId id="268" r:id="rId14"/>
-    <p:sldId id="266" r:id="rId15"/>
-    <p:sldId id="269" r:id="rId16"/>
-    <p:sldId id="270" r:id="rId17"/>
-    <p:sldId id="271" r:id="rId18"/>
-    <p:sldId id="272" r:id="rId19"/>
-    <p:sldId id="273" r:id="rId20"/>
+    <p:sldId id="257" r:id="rId4"/>
+    <p:sldId id="260" r:id="rId5"/>
+    <p:sldId id="261" r:id="rId6"/>
+    <p:sldId id="262" r:id="rId7"/>
+    <p:sldId id="263" r:id="rId8"/>
+    <p:sldId id="264" r:id="rId9"/>
+    <p:sldId id="275" r:id="rId10"/>
+    <p:sldId id="265" r:id="rId11"/>
+    <p:sldId id="274" r:id="rId12"/>
+    <p:sldId id="268" r:id="rId13"/>
+    <p:sldId id="266" r:id="rId14"/>
+    <p:sldId id="269" r:id="rId15"/>
+    <p:sldId id="270" r:id="rId16"/>
+    <p:sldId id="271" r:id="rId17"/>
+    <p:sldId id="276" r:id="rId18"/>
+    <p:sldId id="277" r:id="rId19"/>
+    <p:sldId id="272" r:id="rId20"/>
+    <p:sldId id="273" r:id="rId21"/>
+    <p:sldId id="278" r:id="rId22"/>
+    <p:sldId id="279" r:id="rId23"/>
+    <p:sldId id="280" r:id="rId24"/>
+    <p:sldId id="281" r:id="rId25"/>
   </p:sldIdLst>
   <p:sldSz cx="12192000" cy="6858000"/>
   <p:notesSz cx="6858000" cy="9144000"/>
@@ -162,19 +167,10 @@
         <a:lstStyle/>
         <a:p>
           <a:pPr>
-            <a:defRPr sz="2128" b="1" i="0" u="none" strike="noStrike" kern="1200" spc="100" baseline="0">
+            <a:defRPr sz="2128" b="1" i="0" u="none" strike="noStrike" kern="1200" baseline="0">
               <a:solidFill>
-                <a:schemeClr val="lt1">
-                  <a:lumMod val="95000"/>
-                </a:schemeClr>
+                <a:schemeClr val="tx2"/>
               </a:solidFill>
-              <a:effectLst>
-                <a:outerShdw blurRad="50800" dist="38100" dir="5400000" algn="t" rotWithShape="0">
-                  <a:prstClr val="black">
-                    <a:alpha val="40000"/>
-                  </a:prstClr>
-                </a:outerShdw>
-              </a:effectLst>
               <a:latin typeface="+mn-lt"/>
               <a:ea typeface="+mn-ea"/>
               <a:cs typeface="+mn-cs"/>
@@ -236,13 +232,7 @@
               <a:ln>
                 <a:noFill/>
               </a:ln>
-              <a:effectLst>
-                <a:outerShdw blurRad="57150" dist="19050" dir="5400000" algn="ctr" rotWithShape="0">
-                  <a:srgbClr val="000000">
-                    <a:alpha val="63000"/>
-                  </a:srgbClr>
-                </a:outerShdw>
-              </a:effectLst>
+              <a:effectLst/>
             </c:spPr>
           </c:dPt>
           <c:dPt>
@@ -278,13 +268,7 @@
               <a:ln>
                 <a:noFill/>
               </a:ln>
-              <a:effectLst>
-                <a:outerShdw blurRad="57150" dist="19050" dir="5400000" algn="ctr" rotWithShape="0">
-                  <a:srgbClr val="000000">
-                    <a:alpha val="63000"/>
-                  </a:srgbClr>
-                </a:outerShdw>
-              </a:effectLst>
+              <a:effectLst/>
             </c:spPr>
           </c:dPt>
           <c:dPt>
@@ -320,13 +304,7 @@
               <a:ln>
                 <a:noFill/>
               </a:ln>
-              <a:effectLst>
-                <a:outerShdw blurRad="57150" dist="19050" dir="5400000" algn="ctr" rotWithShape="0">
-                  <a:srgbClr val="000000">
-                    <a:alpha val="63000"/>
-                  </a:srgbClr>
-                </a:outerShdw>
-              </a:effectLst>
+              <a:effectLst/>
             </c:spPr>
           </c:dPt>
           <c:dPt>
@@ -362,13 +340,7 @@
               <a:ln>
                 <a:noFill/>
               </a:ln>
-              <a:effectLst>
-                <a:outerShdw blurRad="57150" dist="19050" dir="5400000" algn="ctr" rotWithShape="0">
-                  <a:srgbClr val="000000">
-                    <a:alpha val="63000"/>
-                  </a:srgbClr>
-                </a:outerShdw>
-              </a:effectLst>
+              <a:effectLst/>
             </c:spPr>
           </c:dPt>
           <c:dPt>
@@ -404,13 +376,7 @@
               <a:ln>
                 <a:noFill/>
               </a:ln>
-              <a:effectLst>
-                <a:outerShdw blurRad="57150" dist="19050" dir="5400000" algn="ctr" rotWithShape="0">
-                  <a:srgbClr val="000000">
-                    <a:alpha val="63000"/>
-                  </a:srgbClr>
-                </a:outerShdw>
-              </a:effectLst>
+              <a:effectLst/>
             </c:spPr>
           </c:dPt>
           <c:dPt>
@@ -446,13 +412,7 @@
               <a:ln>
                 <a:noFill/>
               </a:ln>
-              <a:effectLst>
-                <a:outerShdw blurRad="57150" dist="19050" dir="5400000" algn="ctr" rotWithShape="0">
-                  <a:srgbClr val="000000">
-                    <a:alpha val="63000"/>
-                  </a:srgbClr>
-                </a:outerShdw>
-              </a:effectLst>
+              <a:effectLst/>
             </c:spPr>
           </c:dPt>
           <c:dLbls>
@@ -472,9 +432,7 @@
                 <a:pPr>
                   <a:defRPr sz="1197" b="0" i="0" u="none" strike="noStrike" kern="1200" baseline="0">
                     <a:solidFill>
-                      <a:schemeClr val="lt1">
-                        <a:lumMod val="85000"/>
-                      </a:schemeClr>
+                      <a:schemeClr val="tx2"/>
                     </a:solidFill>
                     <a:latin typeface="+mn-lt"/>
                     <a:ea typeface="+mn-ea"/>
@@ -496,9 +454,9 @@
               <c:spPr>
                 <a:ln w="9525">
                   <a:solidFill>
-                    <a:schemeClr val="lt1">
-                      <a:lumMod val="95000"/>
-                      <a:alpha val="54000"/>
+                    <a:schemeClr val="tx2">
+                      <a:lumMod val="35000"/>
+                      <a:lumOff val="65000"/>
                     </a:schemeClr>
                   </a:solidFill>
                 </a:ln>
@@ -603,9 +561,7 @@
           <a:pPr>
             <a:defRPr sz="1197" b="0" i="0" u="none" strike="noStrike" kern="1200" baseline="0">
               <a:solidFill>
-                <a:schemeClr val="lt1">
-                  <a:lumMod val="85000"/>
-                </a:schemeClr>
+                <a:schemeClr val="tx2"/>
               </a:solidFill>
               <a:latin typeface="+mn-lt"/>
               <a:ea typeface="+mn-ea"/>
@@ -621,26 +577,7 @@
     <c:showDLblsOverMax val="0"/>
   </c:chart>
   <c:spPr>
-    <a:gradFill flip="none" rotWithShape="1">
-      <a:gsLst>
-        <a:gs pos="0">
-          <a:schemeClr val="dk1">
-            <a:lumMod val="65000"/>
-            <a:lumOff val="35000"/>
-          </a:schemeClr>
-        </a:gs>
-        <a:gs pos="100000">
-          <a:schemeClr val="dk1">
-            <a:lumMod val="85000"/>
-            <a:lumOff val="15000"/>
-          </a:schemeClr>
-        </a:gs>
-      </a:gsLst>
-      <a:path path="circle">
-        <a:fillToRect l="50000" t="50000" r="50000" b="50000"/>
-      </a:path>
-      <a:tileRect/>
-    </a:gradFill>
+    <a:noFill/>
     <a:ln>
       <a:noFill/>
     </a:ln>
@@ -906,11 +843,11 @@
         </c:dLbls>
         <c:gapWidth val="150"/>
         <c:overlap val="100"/>
-        <c:axId val="1771974272"/>
-        <c:axId val="1771975904"/>
+        <c:axId val="-1301795728"/>
+        <c:axId val="-1301793552"/>
       </c:barChart>
       <c:catAx>
-        <c:axId val="1771974272"/>
+        <c:axId val="-1301795728"/>
         <c:scaling>
           <c:orientation val="minMax"/>
         </c:scaling>
@@ -953,7 +890,7 @@
             <a:endParaRPr lang="en-US"/>
           </a:p>
         </c:txPr>
-        <c:crossAx val="1771975904"/>
+        <c:crossAx val="-1301793552"/>
         <c:crosses val="autoZero"/>
         <c:auto val="1"/>
         <c:lblAlgn val="ctr"/>
@@ -961,7 +898,7 @@
         <c:noMultiLvlLbl val="0"/>
       </c:catAx>
       <c:valAx>
-        <c:axId val="1771975904"/>
+        <c:axId val="-1301793552"/>
         <c:scaling>
           <c:orientation val="minMax"/>
         </c:scaling>
@@ -1012,7 +949,7 @@
             <a:endParaRPr lang="en-US"/>
           </a:p>
         </c:txPr>
-        <c:crossAx val="1771974272"/>
+        <c:crossAx val="-1301795728"/>
         <c:crosses val="autoZero"/>
         <c:crossBetween val="between"/>
       </c:valAx>
@@ -1327,11 +1264,11 @@
         </c:dLbls>
         <c:gapWidth val="150"/>
         <c:overlap val="100"/>
-        <c:axId val="1765348880"/>
-        <c:axId val="1765348336"/>
+        <c:axId val="-1301793008"/>
+        <c:axId val="-1301789744"/>
       </c:barChart>
       <c:catAx>
-        <c:axId val="1765348880"/>
+        <c:axId val="-1301793008"/>
         <c:scaling>
           <c:orientation val="minMax"/>
         </c:scaling>
@@ -1374,7 +1311,7 @@
             <a:endParaRPr lang="en-US"/>
           </a:p>
         </c:txPr>
-        <c:crossAx val="1765348336"/>
+        <c:crossAx val="-1301789744"/>
         <c:crosses val="autoZero"/>
         <c:auto val="1"/>
         <c:lblAlgn val="ctr"/>
@@ -1382,7 +1319,7 @@
         <c:noMultiLvlLbl val="0"/>
       </c:catAx>
       <c:valAx>
-        <c:axId val="1765348336"/>
+        <c:axId val="-1301789744"/>
         <c:scaling>
           <c:orientation val="minMax"/>
         </c:scaling>
@@ -1433,7 +1370,7 @@
             <a:endParaRPr lang="en-US"/>
           </a:p>
         </c:txPr>
-        <c:crossAx val="1765348880"/>
+        <c:crossAx val="-1301793008"/>
         <c:crosses val="autoZero"/>
         <c:crossBetween val="between"/>
       </c:valAx>
@@ -1748,11 +1685,11 @@
         </c:dLbls>
         <c:gapWidth val="150"/>
         <c:overlap val="100"/>
-        <c:axId val="1765352144"/>
-        <c:axId val="1765343440"/>
+        <c:axId val="-1301792464"/>
+        <c:axId val="-1301796816"/>
       </c:barChart>
       <c:catAx>
-        <c:axId val="1765352144"/>
+        <c:axId val="-1301792464"/>
         <c:scaling>
           <c:orientation val="minMax"/>
         </c:scaling>
@@ -1795,7 +1732,7 @@
             <a:endParaRPr lang="en-US"/>
           </a:p>
         </c:txPr>
-        <c:crossAx val="1765343440"/>
+        <c:crossAx val="-1301796816"/>
         <c:crosses val="autoZero"/>
         <c:auto val="1"/>
         <c:lblAlgn val="ctr"/>
@@ -1803,7 +1740,7 @@
         <c:noMultiLvlLbl val="0"/>
       </c:catAx>
       <c:valAx>
-        <c:axId val="1765343440"/>
+        <c:axId val="-1301796816"/>
         <c:scaling>
           <c:orientation val="minMax"/>
         </c:scaling>
@@ -1854,7 +1791,7 @@
             <a:endParaRPr lang="en-US"/>
           </a:p>
         </c:txPr>
-        <c:crossAx val="1765352144"/>
+        <c:crossAx val="-1301792464"/>
         <c:crosses val="autoZero"/>
         <c:crossBetween val="between"/>
       </c:valAx>
@@ -2173,11 +2110,11 @@
         </c:dLbls>
         <c:gapWidth val="150"/>
         <c:overlap val="100"/>
-        <c:axId val="1843360384"/>
-        <c:axId val="1843359840"/>
+        <c:axId val="-1301804432"/>
+        <c:axId val="-1478656704"/>
       </c:barChart>
       <c:catAx>
-        <c:axId val="1843360384"/>
+        <c:axId val="-1301804432"/>
         <c:scaling>
           <c:orientation val="minMax"/>
         </c:scaling>
@@ -2220,7 +2157,7 @@
             <a:endParaRPr lang="en-US"/>
           </a:p>
         </c:txPr>
-        <c:crossAx val="1843359840"/>
+        <c:crossAx val="-1478656704"/>
         <c:crosses val="autoZero"/>
         <c:auto val="1"/>
         <c:lblAlgn val="ctr"/>
@@ -2228,7 +2165,7 @@
         <c:noMultiLvlLbl val="0"/>
       </c:catAx>
       <c:valAx>
-        <c:axId val="1843359840"/>
+        <c:axId val="-1478656704"/>
         <c:scaling>
           <c:orientation val="minMax"/>
         </c:scaling>
@@ -2279,7 +2216,7 @@
             <a:endParaRPr lang="en-US"/>
           </a:p>
         </c:txPr>
-        <c:crossAx val="1843360384"/>
+        <c:crossAx val="-1301804432"/>
         <c:crosses val="autoZero"/>
         <c:crossBetween val="between"/>
       </c:valAx>
@@ -2551,33 +2488,29 @@
 </file>
 
 <file path=ppt/charts/style1.xml><?xml version="1.0" encoding="utf-8"?>
-<cs:chartStyle xmlns:cs="http://schemas.microsoft.com/office/drawing/2012/chartStyle" xmlns:a="http://schemas.openxmlformats.org/drawingml/2006/main" id="257">
+<cs:chartStyle xmlns:cs="http://schemas.microsoft.com/office/drawing/2012/chartStyle" xmlns:a="http://schemas.openxmlformats.org/drawingml/2006/main" id="255">
   <cs:axisTitle>
     <cs:lnRef idx="0"/>
     <cs:fillRef idx="0"/>
     <cs:effectRef idx="0"/>
     <cs:fontRef idx="minor">
-      <a:schemeClr val="lt1">
-        <a:lumMod val="85000"/>
-      </a:schemeClr>
+      <a:schemeClr val="tx2"/>
     </cs:fontRef>
-    <cs:defRPr sz="1197" b="1" kern="1200" cap="all"/>
+    <cs:defRPr sz="1197" b="1" kern="1200"/>
   </cs:axisTitle>
   <cs:categoryAxis>
     <cs:lnRef idx="0"/>
     <cs:fillRef idx="0"/>
     <cs:effectRef idx="0"/>
     <cs:fontRef idx="minor">
-      <a:schemeClr val="lt1">
-        <a:lumMod val="85000"/>
-      </a:schemeClr>
+      <a:schemeClr val="tx2"/>
     </cs:fontRef>
     <cs:spPr>
-      <a:ln w="12700" cap="flat" cmpd="sng" algn="ctr">
+      <a:ln w="9525" cap="flat" cmpd="sng" algn="ctr">
         <a:solidFill>
-          <a:schemeClr val="lt1">
-            <a:lumMod val="95000"/>
-            <a:alpha val="54000"/>
+          <a:schemeClr val="tx2">
+            <a:lumMod val="15000"/>
+            <a:lumOff val="85000"/>
           </a:schemeClr>
         </a:solidFill>
         <a:round/>
@@ -2585,45 +2518,35 @@
     </cs:spPr>
     <cs:defRPr sz="1197" kern="1200"/>
   </cs:categoryAxis>
-  <cs:chartArea>
+  <cs:chartArea mods="allowNoFillOverride allowNoLineOverride">
     <cs:lnRef idx="0"/>
     <cs:fillRef idx="0"/>
     <cs:effectRef idx="0"/>
     <cs:fontRef idx="minor">
-      <a:schemeClr val="dk1"/>
+      <a:schemeClr val="tx2"/>
     </cs:fontRef>
     <cs:spPr>
-      <a:gradFill flip="none" rotWithShape="1">
-        <a:gsLst>
-          <a:gs pos="0">
-            <a:schemeClr val="dk1">
-              <a:lumMod val="65000"/>
-              <a:lumOff val="35000"/>
-            </a:schemeClr>
-          </a:gs>
-          <a:gs pos="100000">
-            <a:schemeClr val="dk1">
-              <a:lumMod val="85000"/>
-              <a:lumOff val="15000"/>
-            </a:schemeClr>
-          </a:gs>
-        </a:gsLst>
-        <a:path path="circle">
-          <a:fillToRect l="50000" t="50000" r="50000" b="50000"/>
-        </a:path>
-        <a:tileRect/>
-      </a:gradFill>
+      <a:solidFill>
+        <a:schemeClr val="bg1"/>
+      </a:solidFill>
+      <a:ln w="9525" cap="flat" cmpd="sng" algn="ctr">
+        <a:solidFill>
+          <a:schemeClr val="tx2">
+            <a:lumMod val="15000"/>
+            <a:lumOff val="85000"/>
+          </a:schemeClr>
+        </a:solidFill>
+        <a:round/>
+      </a:ln>
     </cs:spPr>
-    <cs:defRPr sz="1330" kern="1200"/>
+    <cs:defRPr sz="1197" kern="1200"/>
   </cs:chartArea>
   <cs:dataLabel>
     <cs:lnRef idx="0"/>
     <cs:fillRef idx="0"/>
     <cs:effectRef idx="0"/>
     <cs:fontRef idx="minor">
-      <a:schemeClr val="lt1">
-        <a:lumMod val="85000"/>
-      </a:schemeClr>
+      <a:schemeClr val="tx2"/>
     </cs:fontRef>
     <cs:defRPr sz="1197" kern="1200"/>
   </cs:dataLabel>
@@ -2632,15 +2555,22 @@
     <cs:fillRef idx="0"/>
     <cs:effectRef idx="0"/>
     <cs:fontRef idx="minor">
-      <a:schemeClr val="dk1">
-        <a:lumMod val="65000"/>
-        <a:lumOff val="35000"/>
+      <a:schemeClr val="dk2">
+        <a:lumMod val="75000"/>
       </a:schemeClr>
     </cs:fontRef>
     <cs:spPr>
       <a:solidFill>
         <a:schemeClr val="lt1"/>
       </a:solidFill>
+      <a:ln>
+        <a:solidFill>
+          <a:schemeClr val="dk1">
+            <a:lumMod val="25000"/>
+            <a:lumOff val="75000"/>
+          </a:schemeClr>
+        </a:solidFill>
+      </a:ln>
     </cs:spPr>
     <cs:defRPr sz="1197" kern="1200"/>
     <cs:bodyPr rot="0" spcFirstLastPara="1" vertOverflow="clip" horzOverflow="clip" vert="horz" wrap="square" lIns="36576" tIns="18288" rIns="36576" bIns="18288" anchor="ctr" anchorCtr="1">
@@ -2652,9 +2582,9 @@
     <cs:fillRef idx="3">
       <cs:styleClr val="auto"/>
     </cs:fillRef>
-    <cs:effectRef idx="3"/>
+    <cs:effectRef idx="2"/>
     <cs:fontRef idx="minor">
-      <a:schemeClr val="tx1"/>
+      <a:schemeClr val="tx2"/>
     </cs:fontRef>
   </cs:dataPoint>
   <cs:dataPoint3D>
@@ -2662,9 +2592,9 @@
     <cs:fillRef idx="3">
       <cs:styleClr val="auto"/>
     </cs:fillRef>
-    <cs:effectRef idx="3"/>
+    <cs:effectRef idx="2"/>
     <cs:fontRef idx="minor">
-      <a:schemeClr val="tx1"/>
+      <a:schemeClr val="tx2"/>
     </cs:fontRef>
   </cs:dataPoint3D>
   <cs:dataPointLine>
@@ -2672,12 +2602,12 @@
       <cs:styleClr val="auto"/>
     </cs:lnRef>
     <cs:fillRef idx="3"/>
-    <cs:effectRef idx="3"/>
+    <cs:effectRef idx="2"/>
     <cs:fontRef idx="minor">
-      <a:schemeClr val="tx1"/>
+      <a:schemeClr val="tx2"/>
     </cs:fontRef>
     <cs:spPr>
-      <a:ln w="34925" cap="rnd">
+      <a:ln w="31750" cap="rnd">
         <a:solidFill>
           <a:schemeClr val="phClr"/>
         </a:solidFill>
@@ -2686,20 +2616,18 @@
     </cs:spPr>
   </cs:dataPointLine>
   <cs:dataPointMarker>
-    <cs:lnRef idx="0">
-      <cs:styleClr val="auto"/>
-    </cs:lnRef>
+    <cs:lnRef idx="0"/>
     <cs:fillRef idx="3">
       <cs:styleClr val="auto"/>
     </cs:fillRef>
-    <cs:effectRef idx="3"/>
+    <cs:effectRef idx="2"/>
     <cs:fontRef idx="minor">
-      <a:schemeClr val="tx1"/>
+      <a:schemeClr val="tx2"/>
     </cs:fontRef>
     <cs:spPr>
-      <a:ln w="9525">
+      <a:ln w="12700">
         <a:solidFill>
-          <a:schemeClr val="phClr"/>
+          <a:schemeClr val="lt2"/>
         </a:solidFill>
         <a:round/>
       </a:ln>
@@ -2711,9 +2639,9 @@
       <cs:styleClr val="auto"/>
     </cs:lnRef>
     <cs:fillRef idx="3"/>
-    <cs:effectRef idx="3"/>
+    <cs:effectRef idx="2"/>
     <cs:fontRef idx="minor">
-      <a:schemeClr val="tx1"/>
+      <a:schemeClr val="tx2"/>
     </cs:fontRef>
     <cs:spPr>
       <a:ln w="9525" cap="rnd">
@@ -2729,16 +2657,14 @@
     <cs:fillRef idx="0"/>
     <cs:effectRef idx="0"/>
     <cs:fontRef idx="minor">
-      <a:schemeClr val="lt1">
-        <a:lumMod val="85000"/>
-      </a:schemeClr>
+      <a:schemeClr val="tx2"/>
     </cs:fontRef>
     <cs:spPr>
       <a:ln w="9525">
         <a:solidFill>
-          <a:schemeClr val="lt1">
-            <a:lumMod val="95000"/>
-            <a:alpha val="54000"/>
+          <a:schemeClr val="tx2">
+            <a:lumMod val="15000"/>
+            <a:lumOff val="85000"/>
           </a:schemeClr>
         </a:solidFill>
       </a:ln>
@@ -2750,20 +2676,20 @@
     <cs:fillRef idx="0"/>
     <cs:effectRef idx="0"/>
     <cs:fontRef idx="minor">
-      <a:schemeClr val="tx1"/>
+      <a:schemeClr val="dk1"/>
     </cs:fontRef>
     <cs:spPr>
       <a:solidFill>
         <a:schemeClr val="dk1">
-          <a:lumMod val="75000"/>
-          <a:lumOff val="25000"/>
+          <a:lumMod val="65000"/>
+          <a:lumOff val="35000"/>
         </a:schemeClr>
       </a:solidFill>
       <a:ln w="9525">
         <a:solidFill>
-          <a:schemeClr val="lt1">
-            <a:lumMod val="95000"/>
-            <a:alpha val="54000"/>
+          <a:schemeClr val="tx1">
+            <a:lumMod val="65000"/>
+            <a:lumOff val="35000"/>
           </a:schemeClr>
         </a:solidFill>
       </a:ln>
@@ -2774,14 +2700,14 @@
     <cs:fillRef idx="0"/>
     <cs:effectRef idx="0"/>
     <cs:fontRef idx="minor">
-      <a:schemeClr val="tx1"/>
+      <a:schemeClr val="tx2"/>
     </cs:fontRef>
     <cs:spPr>
       <a:ln w="9525">
         <a:solidFill>
-          <a:schemeClr val="lt1">
-            <a:lumMod val="95000"/>
-            <a:alpha val="54000"/>
+          <a:schemeClr val="tx2">
+            <a:lumMod val="60000"/>
+            <a:lumOff val="40000"/>
           </a:schemeClr>
         </a:solidFill>
         <a:prstDash val="dash"/>
@@ -2793,13 +2719,13 @@
     <cs:fillRef idx="0"/>
     <cs:effectRef idx="0"/>
     <cs:fontRef idx="minor">
-      <a:schemeClr val="tx1"/>
+      <a:schemeClr val="tx2"/>
     </cs:fontRef>
     <cs:spPr>
-      <a:ln w="9525" cap="flat" cmpd="sng" algn="ctr">
+      <a:ln w="9525">
         <a:solidFill>
-          <a:schemeClr val="lt1">
-            <a:lumMod val="95000"/>
+          <a:schemeClr val="tx2">
+            <a:lumMod val="75000"/>
           </a:schemeClr>
         </a:solidFill>
         <a:round/>
@@ -2811,7 +2737,7 @@
     <cs:fillRef idx="0"/>
     <cs:effectRef idx="0"/>
     <cs:fontRef idx="minor">
-      <a:schemeClr val="tx1"/>
+      <a:schemeClr val="tx2"/>
     </cs:fontRef>
   </cs:floor>
   <cs:gridlineMajor>
@@ -2819,14 +2745,14 @@
     <cs:fillRef idx="0"/>
     <cs:effectRef idx="0"/>
     <cs:fontRef idx="minor">
-      <a:schemeClr val="tx1"/>
+      <a:schemeClr val="tx2"/>
     </cs:fontRef>
     <cs:spPr>
       <a:ln w="9525" cap="flat" cmpd="sng" algn="ctr">
         <a:solidFill>
-          <a:schemeClr val="lt1">
-            <a:lumMod val="95000"/>
-            <a:alpha val="10000"/>
+          <a:schemeClr val="tx2">
+            <a:lumMod val="15000"/>
+            <a:lumOff val="85000"/>
           </a:schemeClr>
         </a:solidFill>
         <a:round/>
@@ -2838,14 +2764,14 @@
     <cs:fillRef idx="0"/>
     <cs:effectRef idx="0"/>
     <cs:fontRef idx="minor">
-      <a:schemeClr val="tx1"/>
+      <a:schemeClr val="tx2"/>
     </cs:fontRef>
     <cs:spPr>
       <a:ln>
         <a:solidFill>
-          <a:schemeClr val="lt1">
-            <a:lumMod val="95000"/>
-            <a:alpha val="5000"/>
+          <a:schemeClr val="tx2">
+            <a:lumMod val="5000"/>
+            <a:lumOff val="95000"/>
           </a:schemeClr>
         </a:solidFill>
       </a:ln>
@@ -2856,14 +2782,14 @@
     <cs:fillRef idx="0"/>
     <cs:effectRef idx="0"/>
     <cs:fontRef idx="minor">
-      <a:schemeClr val="tx1"/>
+      <a:schemeClr val="tx2"/>
     </cs:fontRef>
     <cs:spPr>
       <a:ln w="9525">
         <a:solidFill>
-          <a:schemeClr val="lt1">
-            <a:lumMod val="95000"/>
-            <a:alpha val="54000"/>
+          <a:schemeClr val="tx2">
+            <a:lumMod val="60000"/>
+            <a:lumOff val="40000"/>
           </a:schemeClr>
         </a:solidFill>
         <a:prstDash val="dash"/>
@@ -2875,14 +2801,14 @@
     <cs:fillRef idx="0"/>
     <cs:effectRef idx="0"/>
     <cs:fontRef idx="minor">
-      <a:schemeClr val="tx1"/>
+      <a:schemeClr val="tx2"/>
     </cs:fontRef>
     <cs:spPr>
       <a:ln w="9525">
         <a:solidFill>
-          <a:schemeClr val="lt1">
-            <a:lumMod val="95000"/>
-            <a:alpha val="54000"/>
+          <a:schemeClr val="tx2">
+            <a:lumMod val="35000"/>
+            <a:lumOff val="65000"/>
           </a:schemeClr>
         </a:solidFill>
       </a:ln>
@@ -2893,9 +2819,7 @@
     <cs:fillRef idx="0"/>
     <cs:effectRef idx="0"/>
     <cs:fontRef idx="minor">
-      <a:schemeClr val="lt1">
-        <a:lumMod val="85000"/>
-      </a:schemeClr>
+      <a:schemeClr val="tx2"/>
     </cs:fontRef>
     <cs:defRPr sz="1197" kern="1200"/>
   </cs:legend>
@@ -2904,7 +2828,7 @@
     <cs:fillRef idx="0"/>
     <cs:effectRef idx="0"/>
     <cs:fontRef idx="minor">
-      <a:schemeClr val="tx1"/>
+      <a:schemeClr val="tx2"/>
     </cs:fontRef>
   </cs:plotArea>
   <cs:plotArea3D>
@@ -2912,7 +2836,7 @@
     <cs:fillRef idx="0"/>
     <cs:effectRef idx="0"/>
     <cs:fontRef idx="minor">
-      <a:schemeClr val="tx1"/>
+      <a:schemeClr val="tx2"/>
     </cs:fontRef>
   </cs:plotArea3D>
   <cs:seriesAxis>
@@ -2920,16 +2844,14 @@
     <cs:fillRef idx="0"/>
     <cs:effectRef idx="0"/>
     <cs:fontRef idx="minor">
-      <a:schemeClr val="lt1">
-        <a:lumMod val="85000"/>
-      </a:schemeClr>
+      <a:schemeClr val="tx2"/>
     </cs:fontRef>
     <cs:spPr>
-      <a:ln w="12700" cap="flat" cmpd="sng" algn="ctr">
+      <a:ln w="9525" cap="flat" cmpd="sng" algn="ctr">
         <a:solidFill>
-          <a:schemeClr val="lt1">
-            <a:lumMod val="95000"/>
-            <a:alpha val="54000"/>
+          <a:schemeClr val="tx2">
+            <a:lumMod val="15000"/>
+            <a:lumOff val="85000"/>
           </a:schemeClr>
         </a:solidFill>
         <a:round/>
@@ -2942,17 +2864,17 @@
     <cs:fillRef idx="0"/>
     <cs:effectRef idx="0"/>
     <cs:fontRef idx="minor">
-      <a:schemeClr val="lt1"/>
+      <a:schemeClr val="tx2"/>
     </cs:fontRef>
     <cs:spPr>
-      <a:ln w="9525" cap="flat" cmpd="sng" algn="ctr">
+      <a:ln w="9525">
         <a:solidFill>
-          <a:schemeClr val="lt1">
-            <a:lumMod val="95000"/>
-            <a:alpha val="54000"/>
+          <a:schemeClr val="tx2">
+            <a:lumMod val="60000"/>
+            <a:lumOff val="40000"/>
           </a:schemeClr>
         </a:solidFill>
-        <a:round/>
+        <a:prstDash val="dash"/>
       </a:ln>
     </cs:spPr>
   </cs:seriesLine>
@@ -2961,19 +2883,9 @@
     <cs:fillRef idx="0"/>
     <cs:effectRef idx="0"/>
     <cs:fontRef idx="minor">
-      <a:schemeClr val="lt1">
-        <a:lumMod val="95000"/>
-      </a:schemeClr>
+      <a:schemeClr val="tx2"/>
     </cs:fontRef>
-    <cs:defRPr sz="2128" b="1" kern="1200" spc="100" baseline="0">
-      <a:effectLst>
-        <a:outerShdw blurRad="50800" dist="38100" dir="5400000" algn="t" rotWithShape="0">
-          <a:prstClr val="black">
-            <a:alpha val="40000"/>
-          </a:prstClr>
-        </a:outerShdw>
-      </a:effectLst>
-    </cs:defRPr>
+    <cs:defRPr sz="2128" b="1" kern="1200"/>
   </cs:title>
   <cs:trendline>
     <cs:lnRef idx="0">
@@ -2982,13 +2894,14 @@
     <cs:fillRef idx="0"/>
     <cs:effectRef idx="0"/>
     <cs:fontRef idx="minor">
-      <a:schemeClr val="tx1"/>
+      <a:schemeClr val="tx2"/>
     </cs:fontRef>
     <cs:spPr>
       <a:ln w="19050" cap="rnd">
         <a:solidFill>
           <a:schemeClr val="phClr"/>
         </a:solidFill>
+        <a:prstDash val="sysDash"/>
       </a:ln>
     </cs:spPr>
   </cs:trendline>
@@ -2997,9 +2910,7 @@
     <cs:fillRef idx="0"/>
     <cs:effectRef idx="0"/>
     <cs:fontRef idx="minor">
-      <a:schemeClr val="lt1">
-        <a:lumMod val="85000"/>
-      </a:schemeClr>
+      <a:schemeClr val="tx2"/>
     </cs:fontRef>
     <cs:defRPr sz="1197" kern="1200"/>
   </cs:trendlineLabel>
@@ -3008,7 +2919,7 @@
     <cs:fillRef idx="0"/>
     <cs:effectRef idx="0"/>
     <cs:fontRef idx="minor">
-      <a:schemeClr val="tx1"/>
+      <a:schemeClr val="tx2"/>
     </cs:fontRef>
     <cs:spPr>
       <a:solidFill>
@@ -3016,9 +2927,9 @@
       </a:solidFill>
       <a:ln w="9525">
         <a:solidFill>
-          <a:schemeClr val="lt1">
-            <a:lumMod val="95000"/>
-            <a:alpha val="54000"/>
+          <a:schemeClr val="tx1">
+            <a:lumMod val="15000"/>
+            <a:lumOff val="85000"/>
           </a:schemeClr>
         </a:solidFill>
       </a:ln>
@@ -3029,9 +2940,7 @@
     <cs:fillRef idx="0"/>
     <cs:effectRef idx="0"/>
     <cs:fontRef idx="minor">
-      <a:schemeClr val="lt1">
-        <a:lumMod val="85000"/>
-      </a:schemeClr>
+      <a:schemeClr val="tx2"/>
     </cs:fontRef>
     <cs:defRPr sz="1197" kern="1200"/>
   </cs:valueAxis>
@@ -3040,7 +2949,7 @@
     <cs:fillRef idx="0"/>
     <cs:effectRef idx="0"/>
     <cs:fontRef idx="minor">
-      <a:schemeClr val="tx1"/>
+      <a:schemeClr val="tx2"/>
     </cs:fontRef>
   </cs:wall>
 </cs:chartStyle>
@@ -5148,7 +5057,7 @@
           <a:p>
             <a:fld id="{390D5725-AFFE-4E56-89F4-AFE2BF45C137}" type="datetimeFigureOut">
               <a:rPr lang="en-US"/>
-              <a:t>6/27/2016</a:t>
+              <a:t>6/28/2016</a:t>
             </a:fld>
             <a:endParaRPr lang="en-US"/>
           </a:p>
@@ -5657,90 +5566,6 @@
     </p:spTree>
     <p:extLst>
       <p:ext uri="{BB962C8B-B14F-4D97-AF65-F5344CB8AC3E}">
-        <p14:creationId xmlns:p14="http://schemas.microsoft.com/office/powerpoint/2010/main" val="574733865"/>
-      </p:ext>
-    </p:extLst>
-  </p:cSld>
-  <p:clrMapOvr>
-    <a:masterClrMapping/>
-  </p:clrMapOvr>
-</p:notes>
-</file>
-
-<file path=ppt/notesSlides/notesSlide4.xml><?xml version="1.0" encoding="utf-8"?>
-<p:notes xmlns:a="http://schemas.openxmlformats.org/drawingml/2006/main" xmlns:r="http://schemas.openxmlformats.org/officeDocument/2006/relationships" xmlns:p="http://schemas.openxmlformats.org/presentationml/2006/main">
-  <p:cSld>
-    <p:spTree>
-      <p:nvGrpSpPr>
-        <p:cNvPr id="1" name=""/>
-        <p:cNvGrpSpPr/>
-        <p:nvPr/>
-      </p:nvGrpSpPr>
-      <p:grpSpPr>
-        <a:xfrm>
-          <a:off x="0" y="0"/>
-          <a:ext cx="0" cy="0"/>
-          <a:chOff x="0" y="0"/>
-          <a:chExt cx="0" cy="0"/>
-        </a:xfrm>
-      </p:grpSpPr>
-      <p:sp>
-        <p:nvSpPr>
-          <p:cNvPr id="2" name="Slide Image Placeholder 1"/>
-          <p:cNvSpPr>
-            <a:spLocks noGrp="1" noRot="1" noChangeAspect="1"/>
-          </p:cNvSpPr>
-          <p:nvPr>
-            <p:ph type="sldImg"/>
-          </p:nvPr>
-        </p:nvSpPr>
-        <p:spPr/>
-      </p:sp>
-      <p:sp>
-        <p:nvSpPr>
-          <p:cNvPr id="3" name="Notes Placeholder 2"/>
-          <p:cNvSpPr>
-            <a:spLocks noGrp="1"/>
-          </p:cNvSpPr>
-          <p:nvPr>
-            <p:ph type="body" idx="1"/>
-          </p:nvPr>
-        </p:nvSpPr>
-        <p:spPr/>
-        <p:txBody>
-          <a:bodyPr/>
-          <a:lstStyle/>
-          <a:p>
-            <a:endParaRPr lang="en-US"/>
-          </a:p>
-        </p:txBody>
-      </p:sp>
-      <p:sp>
-        <p:nvSpPr>
-          <p:cNvPr id="4" name="Slide Number Placeholder 3"/>
-          <p:cNvSpPr>
-            <a:spLocks noGrp="1"/>
-          </p:cNvSpPr>
-          <p:nvPr>
-            <p:ph type="sldNum" sz="quarter" idx="10"/>
-          </p:nvPr>
-        </p:nvSpPr>
-        <p:spPr/>
-        <p:txBody>
-          <a:bodyPr/>
-          <a:lstStyle/>
-          <a:p>
-            <a:fld id="{84BB825C-74CF-463F-A563-154F86AF803C}" type="slidenum">
-              <a:rPr lang="en-US"/>
-              <a:t>4</a:t>
-            </a:fld>
-            <a:endParaRPr lang="en-US"/>
-          </a:p>
-        </p:txBody>
-      </p:sp>
-    </p:spTree>
-    <p:extLst>
-      <p:ext uri="{BB962C8B-B14F-4D97-AF65-F5344CB8AC3E}">
         <p14:creationId xmlns:p14="http://schemas.microsoft.com/office/powerpoint/2010/main" val="3475772526"/>
       </p:ext>
     </p:extLst>
@@ -5880,7 +5705,7 @@
           <a:p>
             <a:fld id="{F1FA7AC5-6045-4418-8E60-F48788734473}" type="datetimeFigureOut">
               <a:rPr lang="en-US" smtClean="0"/>
-              <a:t>6/27/2016</a:t>
+              <a:t>6/28/2016</a:t>
             </a:fld>
             <a:endParaRPr lang="en-US"/>
           </a:p>
@@ -6048,7 +5873,7 @@
           <a:p>
             <a:fld id="{F1FA7AC5-6045-4418-8E60-F48788734473}" type="datetimeFigureOut">
               <a:rPr lang="en-US" smtClean="0"/>
-              <a:t>6/27/2016</a:t>
+              <a:t>6/28/2016</a:t>
             </a:fld>
             <a:endParaRPr lang="en-US"/>
           </a:p>
@@ -6226,7 +6051,7 @@
           <a:p>
             <a:fld id="{F1FA7AC5-6045-4418-8E60-F48788734473}" type="datetimeFigureOut">
               <a:rPr lang="en-US" smtClean="0"/>
-              <a:t>6/27/2016</a:t>
+              <a:t>6/28/2016</a:t>
             </a:fld>
             <a:endParaRPr lang="en-US"/>
           </a:p>
@@ -6394,7 +6219,7 @@
           <a:p>
             <a:fld id="{F1FA7AC5-6045-4418-8E60-F48788734473}" type="datetimeFigureOut">
               <a:rPr lang="en-US" smtClean="0"/>
-              <a:t>6/27/2016</a:t>
+              <a:t>6/28/2016</a:t>
             </a:fld>
             <a:endParaRPr lang="en-US"/>
           </a:p>
@@ -6639,7 +6464,7 @@
           <a:p>
             <a:fld id="{F1FA7AC5-6045-4418-8E60-F48788734473}" type="datetimeFigureOut">
               <a:rPr lang="en-US" smtClean="0"/>
-              <a:t>6/27/2016</a:t>
+              <a:t>6/28/2016</a:t>
             </a:fld>
             <a:endParaRPr lang="en-US"/>
           </a:p>
@@ -6868,7 +6693,7 @@
           <a:p>
             <a:fld id="{F1FA7AC5-6045-4418-8E60-F48788734473}" type="datetimeFigureOut">
               <a:rPr lang="en-US" smtClean="0"/>
-              <a:t>6/27/2016</a:t>
+              <a:t>6/28/2016</a:t>
             </a:fld>
             <a:endParaRPr lang="en-US"/>
           </a:p>
@@ -7232,7 +7057,7 @@
           <a:p>
             <a:fld id="{F1FA7AC5-6045-4418-8E60-F48788734473}" type="datetimeFigureOut">
               <a:rPr lang="en-US" smtClean="0"/>
-              <a:t>6/27/2016</a:t>
+              <a:t>6/28/2016</a:t>
             </a:fld>
             <a:endParaRPr lang="en-US"/>
           </a:p>
@@ -7349,7 +7174,7 @@
           <a:p>
             <a:fld id="{F1FA7AC5-6045-4418-8E60-F48788734473}" type="datetimeFigureOut">
               <a:rPr lang="en-US" smtClean="0"/>
-              <a:t>6/27/2016</a:t>
+              <a:t>6/28/2016</a:t>
             </a:fld>
             <a:endParaRPr lang="en-US"/>
           </a:p>
@@ -7444,7 +7269,7 @@
           <a:p>
             <a:fld id="{F1FA7AC5-6045-4418-8E60-F48788734473}" type="datetimeFigureOut">
               <a:rPr lang="en-US" smtClean="0"/>
-              <a:t>6/27/2016</a:t>
+              <a:t>6/28/2016</a:t>
             </a:fld>
             <a:endParaRPr lang="en-US"/>
           </a:p>
@@ -7719,7 +7544,7 @@
           <a:p>
             <a:fld id="{F1FA7AC5-6045-4418-8E60-F48788734473}" type="datetimeFigureOut">
               <a:rPr lang="en-US" smtClean="0"/>
-              <a:t>6/27/2016</a:t>
+              <a:t>6/28/2016</a:t>
             </a:fld>
             <a:endParaRPr lang="en-US"/>
           </a:p>
@@ -7971,7 +7796,7 @@
           <a:p>
             <a:fld id="{F1FA7AC5-6045-4418-8E60-F48788734473}" type="datetimeFigureOut">
               <a:rPr lang="en-US" smtClean="0"/>
-              <a:t>6/27/2016</a:t>
+              <a:t>6/28/2016</a:t>
             </a:fld>
             <a:endParaRPr lang="en-US"/>
           </a:p>
@@ -8182,7 +8007,7 @@
           <a:p>
             <a:fld id="{F1FA7AC5-6045-4418-8E60-F48788734473}" type="datetimeFigureOut">
               <a:rPr lang="en-US" smtClean="0"/>
-              <a:t>6/27/2016</a:t>
+              <a:t>6/28/2016</a:t>
             </a:fld>
             <a:endParaRPr lang="en-US"/>
           </a:p>
@@ -8600,27 +8425,19 @@
         <p:spPr/>
         <p:txBody>
           <a:bodyPr>
-            <a:normAutofit fontScale="90000"/>
+            <a:normAutofit/>
           </a:bodyPr>
           <a:lstStyle/>
           <a:p>
             <a:r>
-              <a:rPr lang="en-US" dirty="0">
+              <a:rPr lang="en-US" dirty="0" smtClean="0">
                 <a:latin typeface="Calibri Light" charset="0"/>
               </a:rPr>
-              <a:t>DATA ANALYSIS OF COMMODITY</a:t>
-            </a:r>
-            <a:br>
-              <a:rPr lang="en-US" dirty="0">
-                <a:latin typeface="Calibri Light" charset="0"/>
-              </a:rPr>
-            </a:br>
-            <a:r>
-              <a:rPr lang="en-US" dirty="0">
-                <a:latin typeface="Calibri Light" charset="0"/>
-              </a:rPr>
-              <a:t>PRICES</a:t>
-            </a:r>
+              <a:t>TIME SERIES ANALYSIS</a:t>
+            </a:r>
+            <a:endParaRPr lang="en-US" dirty="0">
+              <a:latin typeface="Calibri Light" charset="0"/>
+            </a:endParaRPr>
           </a:p>
         </p:txBody>
       </p:sp>
@@ -8692,683 +8509,6 @@
 </file>
 
 <file path=ppt/slides/slide10.xml><?xml version="1.0" encoding="utf-8"?>
-<p:sld xmlns:a="http://schemas.openxmlformats.org/drawingml/2006/main" xmlns:r="http://schemas.openxmlformats.org/officeDocument/2006/relationships" xmlns:p="http://schemas.openxmlformats.org/presentationml/2006/main">
-  <p:cSld>
-    <p:spTree>
-      <p:nvGrpSpPr>
-        <p:cNvPr id="1" name=""/>
-        <p:cNvGrpSpPr/>
-        <p:nvPr/>
-      </p:nvGrpSpPr>
-      <p:grpSpPr>
-        <a:xfrm>
-          <a:off x="0" y="0"/>
-          <a:ext cx="0" cy="0"/>
-          <a:chOff x="0" y="0"/>
-          <a:chExt cx="0" cy="0"/>
-        </a:xfrm>
-      </p:grpSpPr>
-      <p:sp>
-        <p:nvSpPr>
-          <p:cNvPr id="2" name="Title 1"/>
-          <p:cNvSpPr>
-            <a:spLocks noGrp="1"/>
-          </p:cNvSpPr>
-          <p:nvPr>
-            <p:ph type="title"/>
-          </p:nvPr>
-        </p:nvSpPr>
-        <p:spPr/>
-        <p:txBody>
-          <a:bodyPr/>
-          <a:lstStyle/>
-          <a:p>
-            <a:r>
-              <a:rPr lang="en-IN" dirty="0" smtClean="0"/>
-              <a:t>Anomaly Scenarios</a:t>
-            </a:r>
-            <a:endParaRPr lang="en-IN" dirty="0"/>
-          </a:p>
-        </p:txBody>
-      </p:sp>
-      <p:graphicFrame>
-        <p:nvGraphicFramePr>
-          <p:cNvPr id="4" name="Content Placeholder 3"/>
-          <p:cNvGraphicFramePr>
-            <a:graphicFrameLocks noGrp="1"/>
-          </p:cNvGraphicFramePr>
-          <p:nvPr>
-            <p:ph idx="1"/>
-            <p:extLst>
-              <p:ext uri="{D42A27DB-BD31-4B8C-83A1-F6EECF244321}">
-                <p14:modId xmlns:p14="http://schemas.microsoft.com/office/powerpoint/2010/main" val="3414958489"/>
-              </p:ext>
-            </p:extLst>
-          </p:nvPr>
-        </p:nvGraphicFramePr>
-        <p:xfrm>
-          <a:off x="838200" y="2095263"/>
-          <a:ext cx="3733800" cy="2215481"/>
-        </p:xfrm>
-        <a:graphic>
-          <a:graphicData uri="http://schemas.openxmlformats.org/drawingml/2006/table">
-            <a:tbl>
-              <a:tblPr firstRow="1" bandRow="1">
-                <a:tableStyleId>{5C22544A-7EE6-4342-B048-85BDC9FD1C3A}</a:tableStyleId>
-              </a:tblPr>
-              <a:tblGrid>
-                <a:gridCol w="1905726"/>
-                <a:gridCol w="547914"/>
-                <a:gridCol w="535577"/>
-                <a:gridCol w="744583"/>
-              </a:tblGrid>
-              <a:tr h="764960">
-                <a:tc>
-                  <a:txBody>
-                    <a:bodyPr/>
-                    <a:lstStyle/>
-                    <a:p>
-                      <a:pPr algn="ctr"/>
-                      <a:r>
-                        <a:rPr lang="en-IN" dirty="0" smtClean="0"/>
-                        <a:t>Retail\Wholesale</a:t>
-                      </a:r>
-                      <a:endParaRPr lang="en-IN" dirty="0"/>
-                    </a:p>
-                  </a:txBody>
-                  <a:tcPr/>
-                </a:tc>
-                <a:tc>
-                  <a:txBody>
-                    <a:bodyPr/>
-                    <a:lstStyle/>
-                    <a:p>
-                      <a:pPr algn="ctr"/>
-                      <a:r>
-                        <a:rPr lang="en-IN" dirty="0" smtClean="0"/>
-                        <a:t>↑</a:t>
-                      </a:r>
-                      <a:endParaRPr lang="en-IN" dirty="0"/>
-                    </a:p>
-                  </a:txBody>
-                  <a:tcPr/>
-                </a:tc>
-                <a:tc>
-                  <a:txBody>
-                    <a:bodyPr/>
-                    <a:lstStyle/>
-                    <a:p>
-                      <a:pPr algn="ctr"/>
-                      <a:r>
-                        <a:rPr lang="en-IN" dirty="0" smtClean="0"/>
-                        <a:t>↔</a:t>
-                      </a:r>
-                      <a:endParaRPr lang="en-IN" dirty="0"/>
-                    </a:p>
-                  </a:txBody>
-                  <a:tcPr/>
-                </a:tc>
-                <a:tc>
-                  <a:txBody>
-                    <a:bodyPr/>
-                    <a:lstStyle/>
-                    <a:p>
-                      <a:pPr algn="ctr"/>
-                      <a:r>
-                        <a:rPr lang="en-IN" dirty="0" smtClean="0"/>
-                        <a:t>↓</a:t>
-                      </a:r>
-                      <a:endParaRPr lang="en-IN" dirty="0"/>
-                    </a:p>
-                  </a:txBody>
-                  <a:tcPr/>
-                </a:tc>
-              </a:tr>
-              <a:tr h="483507">
-                <a:tc>
-                  <a:txBody>
-                    <a:bodyPr/>
-                    <a:lstStyle/>
-                    <a:p>
-                      <a:pPr algn="ctr"/>
-                      <a:r>
-                        <a:rPr lang="en-IN" dirty="0" smtClean="0"/>
-                        <a:t>↑</a:t>
-                      </a:r>
-                      <a:endParaRPr lang="en-IN" dirty="0"/>
-                    </a:p>
-                  </a:txBody>
-                  <a:tcPr/>
-                </a:tc>
-                <a:tc>
-                  <a:txBody>
-                    <a:bodyPr/>
-                    <a:lstStyle/>
-                    <a:p>
-                      <a:pPr algn="ctr"/>
-                      <a:r>
-                        <a:rPr lang="en-IN" dirty="0" smtClean="0"/>
-                        <a:t>-</a:t>
-                      </a:r>
-                      <a:endParaRPr lang="en-IN" dirty="0"/>
-                    </a:p>
-                  </a:txBody>
-                  <a:tcPr/>
-                </a:tc>
-                <a:tc>
-                  <a:txBody>
-                    <a:bodyPr/>
-                    <a:lstStyle/>
-                    <a:p>
-                      <a:pPr algn="ctr"/>
-                      <a:r>
-                        <a:rPr lang="en-IN" dirty="0" smtClean="0">
-                          <a:solidFill>
-                            <a:srgbClr val="FF0000"/>
-                          </a:solidFill>
-                        </a:rPr>
-                        <a:t>A</a:t>
-                      </a:r>
-                      <a:endParaRPr lang="en-IN" dirty="0">
-                        <a:solidFill>
-                          <a:srgbClr val="FF0000"/>
-                        </a:solidFill>
-                      </a:endParaRPr>
-                    </a:p>
-                  </a:txBody>
-                  <a:tcPr/>
-                </a:tc>
-                <a:tc>
-                  <a:txBody>
-                    <a:bodyPr/>
-                    <a:lstStyle/>
-                    <a:p>
-                      <a:pPr marL="0" marR="0" indent="0" algn="ctr" defTabSz="914400" rtl="0" eaLnBrk="1" fontAlgn="auto" latinLnBrk="0" hangingPunct="1">
-                        <a:lnSpc>
-                          <a:spcPct val="100000"/>
-                        </a:lnSpc>
-                        <a:spcBef>
-                          <a:spcPts val="0"/>
-                        </a:spcBef>
-                        <a:spcAft>
-                          <a:spcPts val="0"/>
-                        </a:spcAft>
-                        <a:buClrTx/>
-                        <a:buSzTx/>
-                        <a:buFontTx/>
-                        <a:buNone/>
-                        <a:tabLst/>
-                        <a:defRPr/>
-                      </a:pPr>
-                      <a:r>
-                        <a:rPr lang="en-IN" dirty="0" smtClean="0">
-                          <a:solidFill>
-                            <a:srgbClr val="FF0000"/>
-                          </a:solidFill>
-                        </a:rPr>
-                        <a:t>A</a:t>
-                      </a:r>
-                      <a:endParaRPr lang="en-IN" dirty="0"/>
-                    </a:p>
-                  </a:txBody>
-                  <a:tcPr/>
-                </a:tc>
-              </a:tr>
-              <a:tr h="483507">
-                <a:tc>
-                  <a:txBody>
-                    <a:bodyPr/>
-                    <a:lstStyle/>
-                    <a:p>
-                      <a:pPr algn="ctr"/>
-                      <a:r>
-                        <a:rPr lang="en-IN" dirty="0" smtClean="0"/>
-                        <a:t>↔</a:t>
-                      </a:r>
-                      <a:endParaRPr lang="en-IN" dirty="0"/>
-                    </a:p>
-                  </a:txBody>
-                  <a:tcPr/>
-                </a:tc>
-                <a:tc>
-                  <a:txBody>
-                    <a:bodyPr/>
-                    <a:lstStyle/>
-                    <a:p>
-                      <a:pPr algn="ctr"/>
-                      <a:r>
-                        <a:rPr lang="en-IN" dirty="0" smtClean="0"/>
-                        <a:t>-</a:t>
-                      </a:r>
-                      <a:endParaRPr lang="en-IN" dirty="0"/>
-                    </a:p>
-                  </a:txBody>
-                  <a:tcPr/>
-                </a:tc>
-                <a:tc>
-                  <a:txBody>
-                    <a:bodyPr/>
-                    <a:lstStyle/>
-                    <a:p>
-                      <a:pPr algn="ctr"/>
-                      <a:r>
-                        <a:rPr lang="en-IN" dirty="0" smtClean="0"/>
-                        <a:t>-</a:t>
-                      </a:r>
-                      <a:endParaRPr lang="en-IN" dirty="0"/>
-                    </a:p>
-                  </a:txBody>
-                  <a:tcPr/>
-                </a:tc>
-                <a:tc>
-                  <a:txBody>
-                    <a:bodyPr/>
-                    <a:lstStyle/>
-                    <a:p>
-                      <a:pPr marL="0" marR="0" indent="0" algn="ctr" defTabSz="914400" rtl="0" eaLnBrk="1" fontAlgn="auto" latinLnBrk="0" hangingPunct="1">
-                        <a:lnSpc>
-                          <a:spcPct val="100000"/>
-                        </a:lnSpc>
-                        <a:spcBef>
-                          <a:spcPts val="0"/>
-                        </a:spcBef>
-                        <a:spcAft>
-                          <a:spcPts val="0"/>
-                        </a:spcAft>
-                        <a:buClrTx/>
-                        <a:buSzTx/>
-                        <a:buFontTx/>
-                        <a:buNone/>
-                        <a:tabLst/>
-                        <a:defRPr/>
-                      </a:pPr>
-                      <a:r>
-                        <a:rPr lang="en-IN" dirty="0" smtClean="0">
-                          <a:solidFill>
-                            <a:srgbClr val="FF0000"/>
-                          </a:solidFill>
-                        </a:rPr>
-                        <a:t>A</a:t>
-                      </a:r>
-                    </a:p>
-                  </a:txBody>
-                  <a:tcPr/>
-                </a:tc>
-              </a:tr>
-              <a:tr h="483507">
-                <a:tc>
-                  <a:txBody>
-                    <a:bodyPr/>
-                    <a:lstStyle/>
-                    <a:p>
-                      <a:pPr algn="ctr"/>
-                      <a:r>
-                        <a:rPr lang="en-IN" dirty="0" smtClean="0"/>
-                        <a:t>↓</a:t>
-                      </a:r>
-                      <a:endParaRPr lang="en-IN" dirty="0"/>
-                    </a:p>
-                  </a:txBody>
-                  <a:tcPr/>
-                </a:tc>
-                <a:tc>
-                  <a:txBody>
-                    <a:bodyPr/>
-                    <a:lstStyle/>
-                    <a:p>
-                      <a:pPr algn="ctr"/>
-                      <a:r>
-                        <a:rPr lang="en-IN" dirty="0" smtClean="0"/>
-                        <a:t>-</a:t>
-                      </a:r>
-                      <a:endParaRPr lang="en-IN" dirty="0"/>
-                    </a:p>
-                  </a:txBody>
-                  <a:tcPr/>
-                </a:tc>
-                <a:tc>
-                  <a:txBody>
-                    <a:bodyPr/>
-                    <a:lstStyle/>
-                    <a:p>
-                      <a:pPr algn="ctr"/>
-                      <a:r>
-                        <a:rPr lang="en-IN" dirty="0" smtClean="0"/>
-                        <a:t>-</a:t>
-                      </a:r>
-                      <a:endParaRPr lang="en-IN" dirty="0"/>
-                    </a:p>
-                  </a:txBody>
-                  <a:tcPr/>
-                </a:tc>
-                <a:tc>
-                  <a:txBody>
-                    <a:bodyPr/>
-                    <a:lstStyle/>
-                    <a:p>
-                      <a:pPr algn="ctr"/>
-                      <a:r>
-                        <a:rPr lang="en-IN" dirty="0" smtClean="0"/>
-                        <a:t>-</a:t>
-                      </a:r>
-                      <a:endParaRPr lang="en-IN" dirty="0"/>
-                    </a:p>
-                  </a:txBody>
-                  <a:tcPr/>
-                </a:tc>
-              </a:tr>
-            </a:tbl>
-          </a:graphicData>
-        </a:graphic>
-      </p:graphicFrame>
-      <p:graphicFrame>
-        <p:nvGraphicFramePr>
-          <p:cNvPr id="5" name="Content Placeholder 3"/>
-          <p:cNvGraphicFramePr>
-            <a:graphicFrameLocks/>
-          </p:cNvGraphicFramePr>
-          <p:nvPr>
-            <p:extLst>
-              <p:ext uri="{D42A27DB-BD31-4B8C-83A1-F6EECF244321}">
-                <p14:modId xmlns:p14="http://schemas.microsoft.com/office/powerpoint/2010/main" val="2140875224"/>
-              </p:ext>
-            </p:extLst>
-          </p:nvPr>
-        </p:nvGraphicFramePr>
-        <p:xfrm>
-          <a:off x="6333309" y="2103972"/>
-          <a:ext cx="3733800" cy="2215481"/>
-        </p:xfrm>
-        <a:graphic>
-          <a:graphicData uri="http://schemas.openxmlformats.org/drawingml/2006/table">
-            <a:tbl>
-              <a:tblPr firstRow="1" bandRow="1">
-                <a:tableStyleId>{5C22544A-7EE6-4342-B048-85BDC9FD1C3A}</a:tableStyleId>
-              </a:tblPr>
-              <a:tblGrid>
-                <a:gridCol w="1905726"/>
-                <a:gridCol w="547914"/>
-                <a:gridCol w="535577"/>
-                <a:gridCol w="744583"/>
-              </a:tblGrid>
-              <a:tr h="764960">
-                <a:tc>
-                  <a:txBody>
-                    <a:bodyPr/>
-                    <a:lstStyle/>
-                    <a:p>
-                      <a:pPr algn="ctr"/>
-                      <a:r>
-                        <a:rPr lang="en-IN" dirty="0" smtClean="0"/>
-                        <a:t>Wholesale\Arrival</a:t>
-                      </a:r>
-                      <a:endParaRPr lang="en-IN" dirty="0"/>
-                    </a:p>
-                  </a:txBody>
-                  <a:tcPr/>
-                </a:tc>
-                <a:tc>
-                  <a:txBody>
-                    <a:bodyPr/>
-                    <a:lstStyle/>
-                    <a:p>
-                      <a:pPr algn="ctr"/>
-                      <a:r>
-                        <a:rPr lang="en-IN" dirty="0" smtClean="0"/>
-                        <a:t>↑</a:t>
-                      </a:r>
-                      <a:endParaRPr lang="en-IN" dirty="0"/>
-                    </a:p>
-                  </a:txBody>
-                  <a:tcPr/>
-                </a:tc>
-                <a:tc>
-                  <a:txBody>
-                    <a:bodyPr/>
-                    <a:lstStyle/>
-                    <a:p>
-                      <a:pPr algn="ctr"/>
-                      <a:r>
-                        <a:rPr lang="en-IN" dirty="0" smtClean="0"/>
-                        <a:t>↔</a:t>
-                      </a:r>
-                      <a:endParaRPr lang="en-IN" dirty="0"/>
-                    </a:p>
-                  </a:txBody>
-                  <a:tcPr/>
-                </a:tc>
-                <a:tc>
-                  <a:txBody>
-                    <a:bodyPr/>
-                    <a:lstStyle/>
-                    <a:p>
-                      <a:pPr algn="ctr"/>
-                      <a:r>
-                        <a:rPr lang="en-IN" dirty="0" smtClean="0"/>
-                        <a:t>↓</a:t>
-                      </a:r>
-                      <a:endParaRPr lang="en-IN" dirty="0"/>
-                    </a:p>
-                  </a:txBody>
-                  <a:tcPr/>
-                </a:tc>
-              </a:tr>
-              <a:tr h="483507">
-                <a:tc>
-                  <a:txBody>
-                    <a:bodyPr/>
-                    <a:lstStyle/>
-                    <a:p>
-                      <a:pPr algn="ctr"/>
-                      <a:r>
-                        <a:rPr lang="en-IN" dirty="0" smtClean="0"/>
-                        <a:t>↑</a:t>
-                      </a:r>
-                      <a:endParaRPr lang="en-IN" dirty="0"/>
-                    </a:p>
-                  </a:txBody>
-                  <a:tcPr/>
-                </a:tc>
-                <a:tc>
-                  <a:txBody>
-                    <a:bodyPr/>
-                    <a:lstStyle/>
-                    <a:p>
-                      <a:pPr algn="ctr"/>
-                      <a:r>
-                        <a:rPr lang="en-IN" dirty="0" smtClean="0">
-                          <a:solidFill>
-                            <a:srgbClr val="FF0000"/>
-                          </a:solidFill>
-                        </a:rPr>
-                        <a:t>A</a:t>
-                      </a:r>
-                      <a:endParaRPr lang="en-IN" dirty="0"/>
-                    </a:p>
-                  </a:txBody>
-                  <a:tcPr/>
-                </a:tc>
-                <a:tc>
-                  <a:txBody>
-                    <a:bodyPr/>
-                    <a:lstStyle/>
-                    <a:p>
-                      <a:pPr algn="ctr"/>
-                      <a:r>
-                        <a:rPr lang="en-IN" dirty="0" smtClean="0">
-                          <a:solidFill>
-                            <a:srgbClr val="FF0000"/>
-                          </a:solidFill>
-                        </a:rPr>
-                        <a:t>A</a:t>
-                      </a:r>
-                      <a:endParaRPr lang="en-IN" dirty="0"/>
-                    </a:p>
-                  </a:txBody>
-                  <a:tcPr/>
-                </a:tc>
-                <a:tc>
-                  <a:txBody>
-                    <a:bodyPr/>
-                    <a:lstStyle/>
-                    <a:p>
-                      <a:pPr algn="ctr"/>
-                      <a:r>
-                        <a:rPr lang="en-IN" dirty="0" smtClean="0"/>
-                        <a:t>-</a:t>
-                      </a:r>
-                      <a:endParaRPr lang="en-IN" dirty="0"/>
-                    </a:p>
-                  </a:txBody>
-                  <a:tcPr/>
-                </a:tc>
-              </a:tr>
-              <a:tr h="483507">
-                <a:tc>
-                  <a:txBody>
-                    <a:bodyPr/>
-                    <a:lstStyle/>
-                    <a:p>
-                      <a:pPr algn="ctr"/>
-                      <a:r>
-                        <a:rPr lang="en-IN" dirty="0" smtClean="0"/>
-                        <a:t>↔</a:t>
-                      </a:r>
-                      <a:endParaRPr lang="en-IN" dirty="0"/>
-                    </a:p>
-                  </a:txBody>
-                  <a:tcPr/>
-                </a:tc>
-                <a:tc>
-                  <a:txBody>
-                    <a:bodyPr/>
-                    <a:lstStyle/>
-                    <a:p>
-                      <a:pPr algn="ctr"/>
-                      <a:r>
-                        <a:rPr lang="en-IN" dirty="0" smtClean="0">
-                          <a:solidFill>
-                            <a:srgbClr val="FF0000"/>
-                          </a:solidFill>
-                        </a:rPr>
-                        <a:t>A</a:t>
-                      </a:r>
-                      <a:endParaRPr lang="en-IN" dirty="0"/>
-                    </a:p>
-                  </a:txBody>
-                  <a:tcPr/>
-                </a:tc>
-                <a:tc>
-                  <a:txBody>
-                    <a:bodyPr/>
-                    <a:lstStyle/>
-                    <a:p>
-                      <a:pPr algn="ctr"/>
-                      <a:r>
-                        <a:rPr lang="en-IN" dirty="0" smtClean="0"/>
-                        <a:t>-</a:t>
-                      </a:r>
-                      <a:endParaRPr lang="en-IN" dirty="0"/>
-                    </a:p>
-                  </a:txBody>
-                  <a:tcPr/>
-                </a:tc>
-                <a:tc>
-                  <a:txBody>
-                    <a:bodyPr/>
-                    <a:lstStyle/>
-                    <a:p>
-                      <a:pPr algn="ctr"/>
-                      <a:r>
-                        <a:rPr lang="en-IN" dirty="0" smtClean="0"/>
-                        <a:t>-</a:t>
-                      </a:r>
-                      <a:endParaRPr lang="en-IN" dirty="0"/>
-                    </a:p>
-                  </a:txBody>
-                  <a:tcPr/>
-                </a:tc>
-              </a:tr>
-              <a:tr h="483507">
-                <a:tc>
-                  <a:txBody>
-                    <a:bodyPr/>
-                    <a:lstStyle/>
-                    <a:p>
-                      <a:pPr algn="ctr"/>
-                      <a:r>
-                        <a:rPr lang="en-IN" dirty="0" smtClean="0"/>
-                        <a:t>↓</a:t>
-                      </a:r>
-                      <a:endParaRPr lang="en-IN" dirty="0"/>
-                    </a:p>
-                  </a:txBody>
-                  <a:tcPr/>
-                </a:tc>
-                <a:tc>
-                  <a:txBody>
-                    <a:bodyPr/>
-                    <a:lstStyle/>
-                    <a:p>
-                      <a:pPr algn="ctr"/>
-                      <a:r>
-                        <a:rPr lang="en-IN" dirty="0" smtClean="0"/>
-                        <a:t>-</a:t>
-                      </a:r>
-                      <a:endParaRPr lang="en-IN" dirty="0"/>
-                    </a:p>
-                  </a:txBody>
-                  <a:tcPr/>
-                </a:tc>
-                <a:tc>
-                  <a:txBody>
-                    <a:bodyPr/>
-                    <a:lstStyle/>
-                    <a:p>
-                      <a:pPr algn="ctr"/>
-                      <a:r>
-                        <a:rPr lang="en-IN" dirty="0" smtClean="0"/>
-                        <a:t>-</a:t>
-                      </a:r>
-                      <a:endParaRPr lang="en-IN" dirty="0"/>
-                    </a:p>
-                  </a:txBody>
-                  <a:tcPr/>
-                </a:tc>
-                <a:tc>
-                  <a:txBody>
-                    <a:bodyPr/>
-                    <a:lstStyle/>
-                    <a:p>
-                      <a:pPr algn="ctr"/>
-                      <a:r>
-                        <a:rPr lang="en-IN" dirty="0" smtClean="0"/>
-                        <a:t>-</a:t>
-                      </a:r>
-                      <a:endParaRPr lang="en-IN" dirty="0"/>
-                    </a:p>
-                  </a:txBody>
-                  <a:tcPr/>
-                </a:tc>
-              </a:tr>
-            </a:tbl>
-          </a:graphicData>
-        </a:graphic>
-      </p:graphicFrame>
-    </p:spTree>
-    <p:extLst>
-      <p:ext uri="{BB962C8B-B14F-4D97-AF65-F5344CB8AC3E}">
-        <p14:creationId xmlns:p14="http://schemas.microsoft.com/office/powerpoint/2010/main" val="749446485"/>
-      </p:ext>
-    </p:extLst>
-  </p:cSld>
-  <p:clrMapOvr>
-    <a:masterClrMapping/>
-  </p:clrMapOvr>
-</p:sld>
-</file>
-
-<file path=ppt/slides/slide11.xml><?xml version="1.0" encoding="utf-8"?>
 <p:sld xmlns:a="http://schemas.openxmlformats.org/drawingml/2006/main" xmlns:r="http://schemas.openxmlformats.org/officeDocument/2006/relationships" xmlns:p="http://schemas.openxmlformats.org/presentationml/2006/main">
   <p:cSld>
     <p:spTree>
@@ -9462,7 +8602,7 @@
 </p:sld>
 </file>
 
-<file path=ppt/slides/slide12.xml><?xml version="1.0" encoding="utf-8"?>
+<file path=ppt/slides/slide11.xml><?xml version="1.0" encoding="utf-8"?>
 <p:sld xmlns:a="http://schemas.openxmlformats.org/drawingml/2006/main" xmlns:r="http://schemas.openxmlformats.org/officeDocument/2006/relationships" xmlns:p="http://schemas.openxmlformats.org/presentationml/2006/main">
   <p:cSld>
     <p:spTree>
@@ -9589,7 +8729,6 @@
               <a:rPr lang="en-IN" dirty="0"/>
               <a:t>.</a:t>
             </a:r>
-            <a:endParaRPr lang="en-IN" dirty="0"/>
           </a:p>
           <a:p>
             <a:r>
@@ -9621,10 +8760,17 @@
   <p:clrMapOvr>
     <a:masterClrMapping/>
   </p:clrMapOvr>
+  <p:timing>
+    <p:tnLst>
+      <p:par>
+        <p:cTn id="1" dur="indefinite" restart="never" nodeType="tmRoot"/>
+      </p:par>
+    </p:tnLst>
+  </p:timing>
 </p:sld>
 </file>
 
-<file path=ppt/slides/slide13.xml><?xml version="1.0" encoding="utf-8"?>
+<file path=ppt/slides/slide12.xml><?xml version="1.0" encoding="utf-8"?>
 <p:sld xmlns:a="http://schemas.openxmlformats.org/drawingml/2006/main" xmlns:r="http://schemas.openxmlformats.org/officeDocument/2006/relationships" xmlns:p="http://schemas.openxmlformats.org/presentationml/2006/main">
   <p:cSld>
     <p:spTree>
@@ -10861,6 +10007,1332 @@
     <p:extLst>
       <p:ext uri="{BB962C8B-B14F-4D97-AF65-F5344CB8AC3E}">
         <p14:creationId xmlns:p14="http://schemas.microsoft.com/office/powerpoint/2010/main" val="3381712860"/>
+      </p:ext>
+    </p:extLst>
+  </p:cSld>
+  <p:clrMapOvr>
+    <a:masterClrMapping/>
+  </p:clrMapOvr>
+  <p:timing>
+    <p:tnLst>
+      <p:par>
+        <p:cTn id="1" dur="indefinite" restart="never" nodeType="tmRoot"/>
+      </p:par>
+    </p:tnLst>
+  </p:timing>
+</p:sld>
+</file>
+
+<file path=ppt/slides/slide13.xml><?xml version="1.0" encoding="utf-8"?>
+<p:sld xmlns:a="http://schemas.openxmlformats.org/drawingml/2006/main" xmlns:r="http://schemas.openxmlformats.org/officeDocument/2006/relationships" xmlns:p="http://schemas.openxmlformats.org/presentationml/2006/main">
+  <p:cSld>
+    <p:spTree>
+      <p:nvGrpSpPr>
+        <p:cNvPr id="1" name=""/>
+        <p:cNvGrpSpPr/>
+        <p:nvPr/>
+      </p:nvGrpSpPr>
+      <p:grpSpPr>
+        <a:xfrm>
+          <a:off x="0" y="0"/>
+          <a:ext cx="0" cy="0"/>
+          <a:chOff x="0" y="0"/>
+          <a:chExt cx="0" cy="0"/>
+        </a:xfrm>
+      </p:grpSpPr>
+      <p:sp>
+        <p:nvSpPr>
+          <p:cNvPr id="2" name="Title 1"/>
+          <p:cNvSpPr>
+            <a:spLocks noGrp="1"/>
+          </p:cNvSpPr>
+          <p:nvPr>
+            <p:ph type="title"/>
+          </p:nvPr>
+        </p:nvSpPr>
+        <p:spPr>
+          <a:xfrm>
+            <a:off x="400318" y="231820"/>
+            <a:ext cx="10515600" cy="1325563"/>
+          </a:xfrm>
+        </p:spPr>
+        <p:txBody>
+          <a:bodyPr/>
+          <a:lstStyle/>
+          <a:p>
+            <a:r>
+              <a:rPr lang="en-IN" dirty="0" smtClean="0"/>
+              <a:t>Detailed </a:t>
+            </a:r>
+            <a:r>
+              <a:rPr lang="en-IN" dirty="0"/>
+              <a:t>R</a:t>
+            </a:r>
+            <a:r>
+              <a:rPr lang="en-IN" dirty="0" smtClean="0"/>
+              <a:t>esults for Mumbai</a:t>
+            </a:r>
+            <a:endParaRPr lang="en-IN" dirty="0"/>
+          </a:p>
+        </p:txBody>
+      </p:sp>
+      <p:graphicFrame>
+        <p:nvGraphicFramePr>
+          <p:cNvPr id="4" name="Content Placeholder 3"/>
+          <p:cNvGraphicFramePr>
+            <a:graphicFrameLocks noGrp="1"/>
+          </p:cNvGraphicFramePr>
+          <p:nvPr>
+            <p:ph idx="1"/>
+            <p:extLst>
+              <p:ext uri="{D42A27DB-BD31-4B8C-83A1-F6EECF244321}">
+                <p14:modId xmlns:p14="http://schemas.microsoft.com/office/powerpoint/2010/main" val="2799144804"/>
+              </p:ext>
+            </p:extLst>
+          </p:nvPr>
+        </p:nvGraphicFramePr>
+        <p:xfrm>
+          <a:off x="388512" y="1503653"/>
+          <a:ext cx="11112322" cy="1981200"/>
+        </p:xfrm>
+        <a:graphic>
+          <a:graphicData uri="http://schemas.openxmlformats.org/drawingml/2006/table">
+            <a:tbl>
+              <a:tblPr firstRow="1" bandRow="1">
+                <a:tableStyleId>{5C22544A-7EE6-4342-B048-85BDC9FD1C3A}</a:tableStyleId>
+              </a:tblPr>
+              <a:tblGrid>
+                <a:gridCol w="1066801"/>
+                <a:gridCol w="1416676"/>
+                <a:gridCol w="926300"/>
+                <a:gridCol w="1148584"/>
+                <a:gridCol w="1131955"/>
+                <a:gridCol w="772733"/>
+                <a:gridCol w="811369"/>
+                <a:gridCol w="1352281"/>
+                <a:gridCol w="1326524"/>
+                <a:gridCol w="1159099"/>
+              </a:tblGrid>
+              <a:tr h="370840">
+                <a:tc>
+                  <a:txBody>
+                    <a:bodyPr/>
+                    <a:lstStyle/>
+                    <a:p>
+                      <a:pPr algn="ctr"/>
+                      <a:endParaRPr lang="en-IN" sz="1600" dirty="0"/>
+                    </a:p>
+                  </a:txBody>
+                  <a:tcPr/>
+                </a:tc>
+                <a:tc>
+                  <a:txBody>
+                    <a:bodyPr/>
+                    <a:lstStyle/>
+                    <a:p>
+                      <a:pPr algn="ctr"/>
+                      <a:r>
+                        <a:rPr lang="en-IN" sz="1600" dirty="0" smtClean="0"/>
+                        <a:t>Analysis</a:t>
+                      </a:r>
+                      <a:endParaRPr lang="en-IN" sz="1600" dirty="0"/>
+                    </a:p>
+                  </a:txBody>
+                  <a:tcPr/>
+                </a:tc>
+                <a:tc>
+                  <a:txBody>
+                    <a:bodyPr/>
+                    <a:lstStyle/>
+                    <a:p>
+                      <a:pPr algn="ctr"/>
+                      <a:r>
+                        <a:rPr lang="en-IN" sz="1600" dirty="0" smtClean="0"/>
+                        <a:t>Slope</a:t>
+                      </a:r>
+                    </a:p>
+                    <a:p>
+                      <a:pPr algn="ctr"/>
+                      <a:r>
+                        <a:rPr lang="en-IN" sz="1600" dirty="0" smtClean="0"/>
+                        <a:t>Based</a:t>
+                      </a:r>
+                    </a:p>
+                    <a:p>
+                      <a:pPr algn="ctr"/>
+                      <a:r>
+                        <a:rPr lang="en-IN" sz="1600" dirty="0" smtClean="0"/>
+                        <a:t>(1)</a:t>
+                      </a:r>
+                      <a:endParaRPr lang="en-IN" sz="1600" dirty="0"/>
+                    </a:p>
+                  </a:txBody>
+                  <a:tcPr/>
+                </a:tc>
+                <a:tc>
+                  <a:txBody>
+                    <a:bodyPr/>
+                    <a:lstStyle/>
+                    <a:p>
+                      <a:pPr algn="ctr"/>
+                      <a:r>
+                        <a:rPr lang="en-IN" sz="1600" dirty="0" smtClean="0"/>
+                        <a:t>Window</a:t>
+                      </a:r>
+                    </a:p>
+                    <a:p>
+                      <a:pPr algn="ctr"/>
+                      <a:r>
+                        <a:rPr lang="en-IN" sz="1600" dirty="0" smtClean="0"/>
+                        <a:t>Correlation</a:t>
+                      </a:r>
+                    </a:p>
+                    <a:p>
+                      <a:pPr algn="ctr"/>
+                      <a:r>
+                        <a:rPr lang="en-IN" sz="1600" dirty="0" smtClean="0"/>
+                        <a:t>(2)</a:t>
+                      </a:r>
+                      <a:endParaRPr lang="en-IN" sz="1600" dirty="0"/>
+                    </a:p>
+                  </a:txBody>
+                  <a:tcPr/>
+                </a:tc>
+                <a:tc>
+                  <a:txBody>
+                    <a:bodyPr/>
+                    <a:lstStyle/>
+                    <a:p>
+                      <a:pPr algn="ctr"/>
+                      <a:r>
+                        <a:rPr lang="en-IN" sz="1600" dirty="0" smtClean="0"/>
+                        <a:t>Linear</a:t>
+                      </a:r>
+                    </a:p>
+                    <a:p>
+                      <a:pPr algn="ctr"/>
+                      <a:r>
+                        <a:rPr lang="en-IN" sz="1600" dirty="0" smtClean="0"/>
+                        <a:t>Regression</a:t>
+                      </a:r>
+                    </a:p>
+                    <a:p>
+                      <a:pPr algn="ctr"/>
+                      <a:r>
+                        <a:rPr lang="en-IN" sz="1600" dirty="0" smtClean="0"/>
+                        <a:t>(3)</a:t>
+                      </a:r>
+                      <a:endParaRPr lang="en-IN" sz="1600" dirty="0"/>
+                    </a:p>
+                  </a:txBody>
+                  <a:tcPr/>
+                </a:tc>
+                <a:tc>
+                  <a:txBody>
+                    <a:bodyPr/>
+                    <a:lstStyle/>
+                    <a:p>
+                      <a:pPr algn="ctr"/>
+                      <a:r>
+                        <a:rPr lang="en-IN" sz="1600" dirty="0" smtClean="0"/>
+                        <a:t>Graph</a:t>
+                      </a:r>
+                    </a:p>
+                    <a:p>
+                      <a:pPr algn="ctr"/>
+                      <a:r>
+                        <a:rPr lang="en-IN" sz="1600" dirty="0" smtClean="0"/>
+                        <a:t>Based</a:t>
+                      </a:r>
+                    </a:p>
+                    <a:p>
+                      <a:pPr algn="ctr"/>
+                      <a:r>
+                        <a:rPr lang="en-IN" sz="1600" dirty="0" smtClean="0"/>
+                        <a:t>(4)</a:t>
+                      </a:r>
+                      <a:endParaRPr lang="en-IN" sz="1600" dirty="0"/>
+                    </a:p>
+                  </a:txBody>
+                  <a:tcPr/>
+                </a:tc>
+                <a:tc>
+                  <a:txBody>
+                    <a:bodyPr/>
+                    <a:lstStyle/>
+                    <a:p>
+                      <a:pPr algn="ctr"/>
+                      <a:r>
+                        <a:rPr lang="en-IN" sz="1600" dirty="0" smtClean="0"/>
+                        <a:t>Multi-</a:t>
+                      </a:r>
+                    </a:p>
+                    <a:p>
+                      <a:pPr algn="ctr"/>
+                      <a:r>
+                        <a:rPr lang="en-IN" sz="1600" dirty="0" smtClean="0"/>
+                        <a:t>Variate</a:t>
+                      </a:r>
+                    </a:p>
+                    <a:p>
+                      <a:pPr algn="ctr"/>
+                      <a:r>
+                        <a:rPr lang="en-IN" sz="1600" dirty="0" smtClean="0"/>
+                        <a:t>(5)</a:t>
+                      </a:r>
+                      <a:endParaRPr lang="en-IN" sz="1600" dirty="0"/>
+                    </a:p>
+                  </a:txBody>
+                  <a:tcPr/>
+                </a:tc>
+                <a:tc>
+                  <a:txBody>
+                    <a:bodyPr/>
+                    <a:lstStyle/>
+                    <a:p>
+                      <a:pPr algn="ctr"/>
+                      <a:r>
+                        <a:rPr lang="en-IN" sz="1600" dirty="0" smtClean="0"/>
+                        <a:t>Hypothesis 4</a:t>
+                      </a:r>
+                    </a:p>
+                    <a:p>
+                      <a:pPr algn="ctr"/>
+                      <a:r>
+                        <a:rPr lang="en-IN" sz="1600" dirty="0" smtClean="0"/>
+                        <a:t>{1 U 2 U 3}</a:t>
+                      </a:r>
+                    </a:p>
+                    <a:p>
+                      <a:pPr algn="ctr"/>
+                      <a:r>
+                        <a:rPr lang="en-IN" sz="1600" dirty="0" smtClean="0"/>
+                        <a:t>(6)</a:t>
+                      </a:r>
+                      <a:endParaRPr lang="en-IN" sz="1600" dirty="0"/>
+                    </a:p>
+                  </a:txBody>
+                  <a:tcPr/>
+                </a:tc>
+                <a:tc>
+                  <a:txBody>
+                    <a:bodyPr/>
+                    <a:lstStyle/>
+                    <a:p>
+                      <a:pPr algn="ctr"/>
+                      <a:r>
+                        <a:rPr lang="en-IN" sz="1600" dirty="0" smtClean="0"/>
+                        <a:t>Hypothesis 3</a:t>
+                      </a:r>
+                    </a:p>
+                    <a:p>
+                      <a:pPr algn="ctr"/>
+                      <a:r>
+                        <a:rPr lang="en-IN" sz="1600" dirty="0" smtClean="0"/>
+                        <a:t>{4 U 5}</a:t>
+                      </a:r>
+                    </a:p>
+                    <a:p>
+                      <a:pPr algn="ctr"/>
+                      <a:r>
+                        <a:rPr lang="en-IN" sz="1600" dirty="0" smtClean="0"/>
+                        <a:t>(7)</a:t>
+                      </a:r>
+                      <a:endParaRPr lang="en-IN" sz="1600" dirty="0"/>
+                    </a:p>
+                  </a:txBody>
+                  <a:tcPr/>
+                </a:tc>
+                <a:tc>
+                  <a:txBody>
+                    <a:bodyPr/>
+                    <a:lstStyle/>
+                    <a:p>
+                      <a:pPr algn="ctr"/>
+                      <a:r>
+                        <a:rPr lang="en-IN" sz="1600" dirty="0" smtClean="0"/>
+                        <a:t>Final</a:t>
+                      </a:r>
+                    </a:p>
+                    <a:p>
+                      <a:pPr algn="ctr"/>
+                      <a:r>
+                        <a:rPr lang="en-IN" sz="1600" dirty="0" smtClean="0"/>
+                        <a:t>Result</a:t>
+                      </a:r>
+                    </a:p>
+                    <a:p>
+                      <a:pPr algn="ctr"/>
+                      <a:r>
+                        <a:rPr lang="en-IN" sz="1600" dirty="0" smtClean="0"/>
+                        <a:t>{6 ∩</a:t>
+                      </a:r>
+                      <a:r>
+                        <a:rPr lang="en-IN" sz="1600" baseline="0" dirty="0" smtClean="0"/>
+                        <a:t> 7}</a:t>
+                      </a:r>
+                      <a:endParaRPr lang="en-IN" sz="1600" dirty="0"/>
+                    </a:p>
+                  </a:txBody>
+                  <a:tcPr/>
+                </a:tc>
+              </a:tr>
+              <a:tr h="370840">
+                <a:tc>
+                  <a:txBody>
+                    <a:bodyPr/>
+                    <a:lstStyle/>
+                    <a:p>
+                      <a:pPr algn="ctr"/>
+                      <a:r>
+                        <a:rPr lang="en-IN" sz="1600" dirty="0" smtClean="0"/>
+                        <a:t>Anomalies</a:t>
+                      </a:r>
+                    </a:p>
+                    <a:p>
+                      <a:pPr algn="ctr"/>
+                      <a:r>
+                        <a:rPr lang="en-IN" sz="1600" dirty="0" smtClean="0"/>
+                        <a:t>Reported</a:t>
+                      </a:r>
+                    </a:p>
+                  </a:txBody>
+                  <a:tcPr/>
+                </a:tc>
+                <a:tc>
+                  <a:txBody>
+                    <a:bodyPr/>
+                    <a:lstStyle/>
+                    <a:p>
+                      <a:pPr algn="ctr"/>
+                      <a:r>
+                        <a:rPr lang="en-IN" sz="1600" dirty="0" smtClean="0"/>
+                        <a:t>Retail Vs</a:t>
+                      </a:r>
+                    </a:p>
+                    <a:p>
+                      <a:pPr algn="ctr"/>
+                      <a:r>
+                        <a:rPr lang="en-IN" sz="1600" dirty="0" smtClean="0"/>
+                        <a:t>Average Retail</a:t>
+                      </a:r>
+                    </a:p>
+                  </a:txBody>
+                  <a:tcPr/>
+                </a:tc>
+                <a:tc>
+                  <a:txBody>
+                    <a:bodyPr/>
+                    <a:lstStyle/>
+                    <a:p>
+                      <a:pPr algn="ctr"/>
+                      <a:r>
+                        <a:rPr lang="en-IN" sz="1600" dirty="0" smtClean="0"/>
+                        <a:t>471</a:t>
+                      </a:r>
+                      <a:endParaRPr lang="en-IN" sz="1600" dirty="0"/>
+                    </a:p>
+                  </a:txBody>
+                  <a:tcPr/>
+                </a:tc>
+                <a:tc>
+                  <a:txBody>
+                    <a:bodyPr/>
+                    <a:lstStyle/>
+                    <a:p>
+                      <a:pPr algn="ctr"/>
+                      <a:r>
+                        <a:rPr lang="en-IN" sz="1600" dirty="0" smtClean="0"/>
+                        <a:t>180</a:t>
+                      </a:r>
+                      <a:endParaRPr lang="en-IN" sz="1600" dirty="0"/>
+                    </a:p>
+                  </a:txBody>
+                  <a:tcPr/>
+                </a:tc>
+                <a:tc>
+                  <a:txBody>
+                    <a:bodyPr/>
+                    <a:lstStyle/>
+                    <a:p>
+                      <a:pPr algn="ctr"/>
+                      <a:r>
+                        <a:rPr lang="en-IN" sz="1600" dirty="0" smtClean="0"/>
+                        <a:t>258</a:t>
+                      </a:r>
+                      <a:endParaRPr lang="en-IN" sz="1600" dirty="0"/>
+                    </a:p>
+                  </a:txBody>
+                  <a:tcPr/>
+                </a:tc>
+                <a:tc>
+                  <a:txBody>
+                    <a:bodyPr/>
+                    <a:lstStyle/>
+                    <a:p>
+                      <a:pPr algn="ctr"/>
+                      <a:r>
+                        <a:rPr lang="en-IN" sz="1600" dirty="0" smtClean="0"/>
+                        <a:t>300</a:t>
+                      </a:r>
+                      <a:endParaRPr lang="en-IN" sz="1600" dirty="0"/>
+                    </a:p>
+                  </a:txBody>
+                  <a:tcPr/>
+                </a:tc>
+                <a:tc>
+                  <a:txBody>
+                    <a:bodyPr/>
+                    <a:lstStyle/>
+                    <a:p>
+                      <a:pPr algn="ctr"/>
+                      <a:r>
+                        <a:rPr lang="en-IN" sz="1600" dirty="0" smtClean="0"/>
+                        <a:t>177</a:t>
+                      </a:r>
+                      <a:endParaRPr lang="en-IN" sz="1600" dirty="0"/>
+                    </a:p>
+                  </a:txBody>
+                  <a:tcPr/>
+                </a:tc>
+                <a:tc>
+                  <a:txBody>
+                    <a:bodyPr/>
+                    <a:lstStyle/>
+                    <a:p>
+                      <a:pPr algn="ctr"/>
+                      <a:r>
+                        <a:rPr lang="en-IN" sz="1600" dirty="0" smtClean="0"/>
+                        <a:t>806</a:t>
+                      </a:r>
+                      <a:endParaRPr lang="en-IN" sz="1600" dirty="0"/>
+                    </a:p>
+                  </a:txBody>
+                  <a:tcPr/>
+                </a:tc>
+                <a:tc>
+                  <a:txBody>
+                    <a:bodyPr/>
+                    <a:lstStyle/>
+                    <a:p>
+                      <a:pPr algn="ctr"/>
+                      <a:r>
+                        <a:rPr lang="en-IN" sz="1600" dirty="0" smtClean="0"/>
+                        <a:t>362</a:t>
+                      </a:r>
+                      <a:endParaRPr lang="en-IN" sz="1600" dirty="0"/>
+                    </a:p>
+                  </a:txBody>
+                  <a:tcPr/>
+                </a:tc>
+                <a:tc>
+                  <a:txBody>
+                    <a:bodyPr/>
+                    <a:lstStyle/>
+                    <a:p>
+                      <a:pPr algn="ctr"/>
+                      <a:r>
+                        <a:rPr lang="en-IN" sz="1600" dirty="0" smtClean="0"/>
+                        <a:t>125</a:t>
+                      </a:r>
+                      <a:endParaRPr lang="en-IN" sz="1600" dirty="0"/>
+                    </a:p>
+                  </a:txBody>
+                  <a:tcPr/>
+                </a:tc>
+              </a:tr>
+              <a:tr h="370840">
+                <a:tc>
+                  <a:txBody>
+                    <a:bodyPr/>
+                    <a:lstStyle/>
+                    <a:p>
+                      <a:pPr algn="ctr"/>
+                      <a:r>
+                        <a:rPr lang="en-IN" sz="1600" dirty="0" smtClean="0"/>
+                        <a:t>Anomalies Matched</a:t>
+                      </a:r>
+                      <a:endParaRPr lang="en-IN" sz="1600" dirty="0"/>
+                    </a:p>
+                  </a:txBody>
+                  <a:tcPr/>
+                </a:tc>
+                <a:tc>
+                  <a:txBody>
+                    <a:bodyPr/>
+                    <a:lstStyle/>
+                    <a:p>
+                      <a:pPr algn="ctr"/>
+                      <a:r>
+                        <a:rPr lang="en-IN" sz="1600" dirty="0" smtClean="0"/>
+                        <a:t>Retail Vs</a:t>
+                      </a:r>
+                    </a:p>
+                    <a:p>
+                      <a:pPr algn="ctr"/>
+                      <a:r>
+                        <a:rPr lang="en-IN" sz="1600" dirty="0" smtClean="0"/>
+                        <a:t>Average Retail</a:t>
+                      </a:r>
+                    </a:p>
+                  </a:txBody>
+                  <a:tcPr/>
+                </a:tc>
+                <a:tc>
+                  <a:txBody>
+                    <a:bodyPr/>
+                    <a:lstStyle/>
+                    <a:p>
+                      <a:pPr algn="ctr"/>
+                      <a:r>
+                        <a:rPr lang="en-IN" sz="1600" dirty="0" smtClean="0"/>
+                        <a:t>67</a:t>
+                      </a:r>
+                      <a:endParaRPr lang="en-IN" sz="1600" dirty="0"/>
+                    </a:p>
+                  </a:txBody>
+                  <a:tcPr/>
+                </a:tc>
+                <a:tc>
+                  <a:txBody>
+                    <a:bodyPr/>
+                    <a:lstStyle/>
+                    <a:p>
+                      <a:pPr algn="ctr"/>
+                      <a:r>
+                        <a:rPr lang="en-IN" sz="1600" dirty="0" smtClean="0"/>
+                        <a:t>47</a:t>
+                      </a:r>
+                      <a:endParaRPr lang="en-IN" sz="1600" dirty="0"/>
+                    </a:p>
+                  </a:txBody>
+                  <a:tcPr/>
+                </a:tc>
+                <a:tc>
+                  <a:txBody>
+                    <a:bodyPr/>
+                    <a:lstStyle/>
+                    <a:p>
+                      <a:pPr algn="ctr"/>
+                      <a:r>
+                        <a:rPr lang="en-IN" sz="1600" dirty="0" smtClean="0"/>
+                        <a:t>50</a:t>
+                      </a:r>
+                      <a:endParaRPr lang="en-IN" sz="1600" dirty="0"/>
+                    </a:p>
+                  </a:txBody>
+                  <a:tcPr/>
+                </a:tc>
+                <a:tc>
+                  <a:txBody>
+                    <a:bodyPr/>
+                    <a:lstStyle/>
+                    <a:p>
+                      <a:pPr algn="ctr"/>
+                      <a:r>
+                        <a:rPr lang="en-IN" sz="1600" dirty="0" smtClean="0"/>
+                        <a:t>122</a:t>
+                      </a:r>
+                      <a:endParaRPr lang="en-IN" sz="1600" dirty="0"/>
+                    </a:p>
+                  </a:txBody>
+                  <a:tcPr/>
+                </a:tc>
+                <a:tc>
+                  <a:txBody>
+                    <a:bodyPr/>
+                    <a:lstStyle/>
+                    <a:p>
+                      <a:pPr algn="ctr"/>
+                      <a:r>
+                        <a:rPr lang="en-IN" sz="1600" dirty="0" smtClean="0"/>
+                        <a:t>122</a:t>
+                      </a:r>
+                      <a:endParaRPr lang="en-IN" sz="1600" dirty="0"/>
+                    </a:p>
+                  </a:txBody>
+                  <a:tcPr/>
+                </a:tc>
+                <a:tc>
+                  <a:txBody>
+                    <a:bodyPr/>
+                    <a:lstStyle/>
+                    <a:p>
+                      <a:pPr algn="ctr"/>
+                      <a:r>
+                        <a:rPr lang="en-IN" sz="1600" dirty="0" smtClean="0"/>
+                        <a:t>142</a:t>
+                      </a:r>
+                      <a:endParaRPr lang="en-IN" sz="1600" dirty="0"/>
+                    </a:p>
+                  </a:txBody>
+                  <a:tcPr/>
+                </a:tc>
+                <a:tc>
+                  <a:txBody>
+                    <a:bodyPr/>
+                    <a:lstStyle/>
+                    <a:p>
+                      <a:pPr algn="ctr"/>
+                      <a:r>
+                        <a:rPr lang="en-IN" sz="1600" dirty="0" smtClean="0"/>
+                        <a:t>162</a:t>
+                      </a:r>
+                      <a:endParaRPr lang="en-IN" sz="1600" dirty="0"/>
+                    </a:p>
+                  </a:txBody>
+                  <a:tcPr/>
+                </a:tc>
+                <a:tc>
+                  <a:txBody>
+                    <a:bodyPr/>
+                    <a:lstStyle/>
+                    <a:p>
+                      <a:pPr algn="ctr"/>
+                      <a:r>
+                        <a:rPr lang="en-IN" sz="1600" dirty="0" smtClean="0"/>
+                        <a:t>64</a:t>
+                      </a:r>
+                      <a:endParaRPr lang="en-IN" sz="1600" dirty="0"/>
+                    </a:p>
+                  </a:txBody>
+                  <a:tcPr/>
+                </a:tc>
+              </a:tr>
+            </a:tbl>
+          </a:graphicData>
+        </a:graphic>
+      </p:graphicFrame>
+      <p:graphicFrame>
+        <p:nvGraphicFramePr>
+          <p:cNvPr id="8" name="Content Placeholder 3"/>
+          <p:cNvGraphicFramePr>
+            <a:graphicFrameLocks/>
+          </p:cNvGraphicFramePr>
+          <p:nvPr>
+            <p:extLst>
+              <p:ext uri="{D42A27DB-BD31-4B8C-83A1-F6EECF244321}">
+                <p14:modId xmlns:p14="http://schemas.microsoft.com/office/powerpoint/2010/main" val="928344898"/>
+              </p:ext>
+            </p:extLst>
+          </p:nvPr>
+        </p:nvGraphicFramePr>
+        <p:xfrm>
+          <a:off x="400318" y="3806824"/>
+          <a:ext cx="11112322" cy="1981200"/>
+        </p:xfrm>
+        <a:graphic>
+          <a:graphicData uri="http://schemas.openxmlformats.org/drawingml/2006/table">
+            <a:tbl>
+              <a:tblPr firstRow="1" bandRow="1">
+                <a:tableStyleId>{5C22544A-7EE6-4342-B048-85BDC9FD1C3A}</a:tableStyleId>
+              </a:tblPr>
+              <a:tblGrid>
+                <a:gridCol w="1066801"/>
+                <a:gridCol w="1416676"/>
+                <a:gridCol w="926300"/>
+                <a:gridCol w="1148584"/>
+                <a:gridCol w="1131955"/>
+                <a:gridCol w="772733"/>
+                <a:gridCol w="811369"/>
+                <a:gridCol w="1352281"/>
+                <a:gridCol w="1326524"/>
+                <a:gridCol w="1159099"/>
+              </a:tblGrid>
+              <a:tr h="370840">
+                <a:tc>
+                  <a:txBody>
+                    <a:bodyPr/>
+                    <a:lstStyle/>
+                    <a:p>
+                      <a:pPr algn="ctr"/>
+                      <a:endParaRPr lang="en-IN" sz="1600" dirty="0"/>
+                    </a:p>
+                  </a:txBody>
+                  <a:tcPr/>
+                </a:tc>
+                <a:tc>
+                  <a:txBody>
+                    <a:bodyPr/>
+                    <a:lstStyle/>
+                    <a:p>
+                      <a:pPr algn="ctr"/>
+                      <a:r>
+                        <a:rPr lang="en-IN" sz="1600" dirty="0" smtClean="0"/>
+                        <a:t>Analysis</a:t>
+                      </a:r>
+                      <a:endParaRPr lang="en-IN" sz="1600" dirty="0"/>
+                    </a:p>
+                  </a:txBody>
+                  <a:tcPr/>
+                </a:tc>
+                <a:tc>
+                  <a:txBody>
+                    <a:bodyPr/>
+                    <a:lstStyle/>
+                    <a:p>
+                      <a:pPr algn="ctr"/>
+                      <a:r>
+                        <a:rPr lang="en-IN" sz="1600" dirty="0" smtClean="0"/>
+                        <a:t>Slope</a:t>
+                      </a:r>
+                    </a:p>
+                    <a:p>
+                      <a:pPr algn="ctr"/>
+                      <a:r>
+                        <a:rPr lang="en-IN" sz="1600" dirty="0" smtClean="0"/>
+                        <a:t>Based</a:t>
+                      </a:r>
+                    </a:p>
+                    <a:p>
+                      <a:pPr algn="ctr"/>
+                      <a:r>
+                        <a:rPr lang="en-IN" sz="1600" dirty="0" smtClean="0"/>
+                        <a:t>(1)</a:t>
+                      </a:r>
+                      <a:endParaRPr lang="en-IN" sz="1600" dirty="0"/>
+                    </a:p>
+                  </a:txBody>
+                  <a:tcPr/>
+                </a:tc>
+                <a:tc>
+                  <a:txBody>
+                    <a:bodyPr/>
+                    <a:lstStyle/>
+                    <a:p>
+                      <a:pPr algn="ctr"/>
+                      <a:r>
+                        <a:rPr lang="en-IN" sz="1600" dirty="0" smtClean="0"/>
+                        <a:t>Window</a:t>
+                      </a:r>
+                    </a:p>
+                    <a:p>
+                      <a:pPr algn="ctr"/>
+                      <a:r>
+                        <a:rPr lang="en-IN" sz="1600" dirty="0" smtClean="0"/>
+                        <a:t>Correlation</a:t>
+                      </a:r>
+                    </a:p>
+                    <a:p>
+                      <a:pPr algn="ctr"/>
+                      <a:r>
+                        <a:rPr lang="en-IN" sz="1600" dirty="0" smtClean="0"/>
+                        <a:t>(2)</a:t>
+                      </a:r>
+                      <a:endParaRPr lang="en-IN" sz="1600" dirty="0"/>
+                    </a:p>
+                  </a:txBody>
+                  <a:tcPr/>
+                </a:tc>
+                <a:tc>
+                  <a:txBody>
+                    <a:bodyPr/>
+                    <a:lstStyle/>
+                    <a:p>
+                      <a:pPr algn="ctr"/>
+                      <a:r>
+                        <a:rPr lang="en-IN" sz="1600" dirty="0" smtClean="0"/>
+                        <a:t>Linear</a:t>
+                      </a:r>
+                    </a:p>
+                    <a:p>
+                      <a:pPr algn="ctr"/>
+                      <a:r>
+                        <a:rPr lang="en-IN" sz="1600" dirty="0" smtClean="0"/>
+                        <a:t>Regression</a:t>
+                      </a:r>
+                    </a:p>
+                    <a:p>
+                      <a:pPr algn="ctr"/>
+                      <a:r>
+                        <a:rPr lang="en-IN" sz="1600" dirty="0" smtClean="0"/>
+                        <a:t>(3)</a:t>
+                      </a:r>
+                      <a:endParaRPr lang="en-IN" sz="1600" dirty="0"/>
+                    </a:p>
+                  </a:txBody>
+                  <a:tcPr/>
+                </a:tc>
+                <a:tc>
+                  <a:txBody>
+                    <a:bodyPr/>
+                    <a:lstStyle/>
+                    <a:p>
+                      <a:pPr algn="ctr"/>
+                      <a:r>
+                        <a:rPr lang="en-IN" sz="1600" dirty="0" smtClean="0"/>
+                        <a:t>Graph</a:t>
+                      </a:r>
+                    </a:p>
+                    <a:p>
+                      <a:pPr algn="ctr"/>
+                      <a:r>
+                        <a:rPr lang="en-IN" sz="1600" dirty="0" smtClean="0"/>
+                        <a:t>Based</a:t>
+                      </a:r>
+                    </a:p>
+                    <a:p>
+                      <a:pPr algn="ctr"/>
+                      <a:r>
+                        <a:rPr lang="en-IN" sz="1600" dirty="0" smtClean="0"/>
+                        <a:t>(4)</a:t>
+                      </a:r>
+                      <a:endParaRPr lang="en-IN" sz="1600" dirty="0"/>
+                    </a:p>
+                  </a:txBody>
+                  <a:tcPr/>
+                </a:tc>
+                <a:tc>
+                  <a:txBody>
+                    <a:bodyPr/>
+                    <a:lstStyle/>
+                    <a:p>
+                      <a:pPr algn="ctr"/>
+                      <a:r>
+                        <a:rPr lang="en-IN" sz="1600" dirty="0" smtClean="0"/>
+                        <a:t>Multi-</a:t>
+                      </a:r>
+                    </a:p>
+                    <a:p>
+                      <a:pPr algn="ctr"/>
+                      <a:r>
+                        <a:rPr lang="en-IN" sz="1600" dirty="0" smtClean="0"/>
+                        <a:t>Variate</a:t>
+                      </a:r>
+                    </a:p>
+                    <a:p>
+                      <a:pPr algn="ctr"/>
+                      <a:r>
+                        <a:rPr lang="en-IN" sz="1600" dirty="0" smtClean="0"/>
+                        <a:t>(5)</a:t>
+                      </a:r>
+                      <a:endParaRPr lang="en-IN" sz="1600" dirty="0"/>
+                    </a:p>
+                  </a:txBody>
+                  <a:tcPr/>
+                </a:tc>
+                <a:tc>
+                  <a:txBody>
+                    <a:bodyPr/>
+                    <a:lstStyle/>
+                    <a:p>
+                      <a:pPr algn="ctr"/>
+                      <a:r>
+                        <a:rPr lang="en-IN" sz="1600" dirty="0" smtClean="0"/>
+                        <a:t>Hypothesis 2</a:t>
+                      </a:r>
+                    </a:p>
+                    <a:p>
+                      <a:pPr algn="ctr"/>
+                      <a:r>
+                        <a:rPr lang="en-IN" sz="1600" dirty="0" smtClean="0"/>
+                        <a:t>{1 U 2 U 3}</a:t>
+                      </a:r>
+                    </a:p>
+                    <a:p>
+                      <a:pPr algn="ctr"/>
+                      <a:r>
+                        <a:rPr lang="en-IN" sz="1600" dirty="0" smtClean="0"/>
+                        <a:t>(6)</a:t>
+                      </a:r>
+                      <a:endParaRPr lang="en-IN" sz="1600" dirty="0"/>
+                    </a:p>
+                  </a:txBody>
+                  <a:tcPr/>
+                </a:tc>
+                <a:tc>
+                  <a:txBody>
+                    <a:bodyPr/>
+                    <a:lstStyle/>
+                    <a:p>
+                      <a:pPr algn="ctr"/>
+                      <a:r>
+                        <a:rPr lang="en-IN" sz="1600" dirty="0" smtClean="0"/>
+                        <a:t>Hypothesis 3</a:t>
+                      </a:r>
+                    </a:p>
+                    <a:p>
+                      <a:pPr algn="ctr"/>
+                      <a:r>
+                        <a:rPr lang="en-IN" sz="1600" dirty="0" smtClean="0"/>
+                        <a:t>{4 U 5}</a:t>
+                      </a:r>
+                    </a:p>
+                    <a:p>
+                      <a:pPr algn="ctr"/>
+                      <a:r>
+                        <a:rPr lang="en-IN" sz="1600" dirty="0" smtClean="0"/>
+                        <a:t>(7)</a:t>
+                      </a:r>
+                      <a:endParaRPr lang="en-IN" sz="1600" dirty="0"/>
+                    </a:p>
+                  </a:txBody>
+                  <a:tcPr/>
+                </a:tc>
+                <a:tc>
+                  <a:txBody>
+                    <a:bodyPr/>
+                    <a:lstStyle/>
+                    <a:p>
+                      <a:pPr algn="ctr"/>
+                      <a:r>
+                        <a:rPr lang="en-IN" sz="1600" dirty="0" smtClean="0"/>
+                        <a:t>Final</a:t>
+                      </a:r>
+                    </a:p>
+                    <a:p>
+                      <a:pPr algn="ctr"/>
+                      <a:r>
+                        <a:rPr lang="en-IN" sz="1600" dirty="0" smtClean="0"/>
+                        <a:t>Result</a:t>
+                      </a:r>
+                    </a:p>
+                    <a:p>
+                      <a:pPr algn="ctr"/>
+                      <a:r>
+                        <a:rPr lang="en-IN" sz="1600" dirty="0" smtClean="0"/>
+                        <a:t>{6 ∩</a:t>
+                      </a:r>
+                      <a:r>
+                        <a:rPr lang="en-IN" sz="1600" baseline="0" dirty="0" smtClean="0"/>
+                        <a:t> 7}</a:t>
+                      </a:r>
+                      <a:endParaRPr lang="en-IN" sz="1600" dirty="0"/>
+                    </a:p>
+                  </a:txBody>
+                  <a:tcPr/>
+                </a:tc>
+              </a:tr>
+              <a:tr h="370840">
+                <a:tc>
+                  <a:txBody>
+                    <a:bodyPr/>
+                    <a:lstStyle/>
+                    <a:p>
+                      <a:pPr algn="ctr"/>
+                      <a:r>
+                        <a:rPr lang="en-IN" sz="1600" dirty="0" smtClean="0"/>
+                        <a:t>Anomalies</a:t>
+                      </a:r>
+                    </a:p>
+                    <a:p>
+                      <a:pPr algn="ctr"/>
+                      <a:r>
+                        <a:rPr lang="en-IN" sz="1600" dirty="0" smtClean="0"/>
+                        <a:t>Reported</a:t>
+                      </a:r>
+                    </a:p>
+                  </a:txBody>
+                  <a:tcPr/>
+                </a:tc>
+                <a:tc>
+                  <a:txBody>
+                    <a:bodyPr/>
+                    <a:lstStyle/>
+                    <a:p>
+                      <a:pPr algn="ctr"/>
+                      <a:r>
+                        <a:rPr lang="en-IN" sz="1600" dirty="0" smtClean="0"/>
+                        <a:t>Retail Vs</a:t>
+                      </a:r>
+                    </a:p>
+                    <a:p>
+                      <a:pPr algn="ctr"/>
+                      <a:r>
+                        <a:rPr lang="en-IN" sz="1600" dirty="0" smtClean="0"/>
+                        <a:t>Wholesale</a:t>
+                      </a:r>
+                    </a:p>
+                  </a:txBody>
+                  <a:tcPr/>
+                </a:tc>
+                <a:tc>
+                  <a:txBody>
+                    <a:bodyPr/>
+                    <a:lstStyle/>
+                    <a:p>
+                      <a:pPr algn="ctr"/>
+                      <a:r>
+                        <a:rPr lang="en-IN" sz="1600" dirty="0" smtClean="0"/>
+                        <a:t>322</a:t>
+                      </a:r>
+                      <a:endParaRPr lang="en-IN" sz="1600" dirty="0"/>
+                    </a:p>
+                  </a:txBody>
+                  <a:tcPr/>
+                </a:tc>
+                <a:tc>
+                  <a:txBody>
+                    <a:bodyPr/>
+                    <a:lstStyle/>
+                    <a:p>
+                      <a:pPr algn="ctr"/>
+                      <a:r>
+                        <a:rPr lang="en-IN" sz="1600" dirty="0" smtClean="0"/>
+                        <a:t>300</a:t>
+                      </a:r>
+                      <a:endParaRPr lang="en-IN" sz="1600" dirty="0"/>
+                    </a:p>
+                  </a:txBody>
+                  <a:tcPr/>
+                </a:tc>
+                <a:tc>
+                  <a:txBody>
+                    <a:bodyPr/>
+                    <a:lstStyle/>
+                    <a:p>
+                      <a:pPr algn="ctr"/>
+                      <a:r>
+                        <a:rPr lang="en-IN" sz="1600" dirty="0" smtClean="0"/>
+                        <a:t>310</a:t>
+                      </a:r>
+                      <a:endParaRPr lang="en-IN" sz="1600" dirty="0"/>
+                    </a:p>
+                  </a:txBody>
+                  <a:tcPr/>
+                </a:tc>
+                <a:tc>
+                  <a:txBody>
+                    <a:bodyPr/>
+                    <a:lstStyle/>
+                    <a:p>
+                      <a:pPr algn="ctr"/>
+                      <a:r>
+                        <a:rPr lang="en-IN" sz="1600" dirty="0" smtClean="0"/>
+                        <a:t>300</a:t>
+                      </a:r>
+                      <a:endParaRPr lang="en-IN" sz="1600" dirty="0"/>
+                    </a:p>
+                  </a:txBody>
+                  <a:tcPr/>
+                </a:tc>
+                <a:tc>
+                  <a:txBody>
+                    <a:bodyPr/>
+                    <a:lstStyle/>
+                    <a:p>
+                      <a:pPr algn="ctr"/>
+                      <a:r>
+                        <a:rPr lang="en-IN" sz="1600" dirty="0" smtClean="0"/>
+                        <a:t>167</a:t>
+                      </a:r>
+                      <a:endParaRPr lang="en-IN" sz="1600" dirty="0"/>
+                    </a:p>
+                  </a:txBody>
+                  <a:tcPr/>
+                </a:tc>
+                <a:tc>
+                  <a:txBody>
+                    <a:bodyPr/>
+                    <a:lstStyle/>
+                    <a:p>
+                      <a:pPr algn="ctr"/>
+                      <a:r>
+                        <a:rPr lang="en-IN" sz="1600" dirty="0" smtClean="0"/>
+                        <a:t>799</a:t>
+                      </a:r>
+                      <a:endParaRPr lang="en-IN" sz="1600" dirty="0"/>
+                    </a:p>
+                  </a:txBody>
+                  <a:tcPr/>
+                </a:tc>
+                <a:tc>
+                  <a:txBody>
+                    <a:bodyPr/>
+                    <a:lstStyle/>
+                    <a:p>
+                      <a:pPr algn="ctr"/>
+                      <a:r>
+                        <a:rPr lang="en-IN" sz="1600" dirty="0" smtClean="0"/>
+                        <a:t>367</a:t>
+                      </a:r>
+                      <a:endParaRPr lang="en-IN" sz="1600" dirty="0"/>
+                    </a:p>
+                  </a:txBody>
+                  <a:tcPr/>
+                </a:tc>
+                <a:tc>
+                  <a:txBody>
+                    <a:bodyPr/>
+                    <a:lstStyle/>
+                    <a:p>
+                      <a:pPr algn="ctr"/>
+                      <a:r>
+                        <a:rPr lang="en-IN" sz="1600" dirty="0" smtClean="0"/>
+                        <a:t>160</a:t>
+                      </a:r>
+                      <a:endParaRPr lang="en-IN" sz="1600" dirty="0"/>
+                    </a:p>
+                  </a:txBody>
+                  <a:tcPr/>
+                </a:tc>
+              </a:tr>
+              <a:tr h="370840">
+                <a:tc>
+                  <a:txBody>
+                    <a:bodyPr/>
+                    <a:lstStyle/>
+                    <a:p>
+                      <a:pPr algn="ctr"/>
+                      <a:r>
+                        <a:rPr lang="en-IN" sz="1600" dirty="0" smtClean="0"/>
+                        <a:t>Anomalies Matched</a:t>
+                      </a:r>
+                      <a:endParaRPr lang="en-IN" sz="1600" dirty="0"/>
+                    </a:p>
+                  </a:txBody>
+                  <a:tcPr/>
+                </a:tc>
+                <a:tc>
+                  <a:txBody>
+                    <a:bodyPr/>
+                    <a:lstStyle/>
+                    <a:p>
+                      <a:pPr algn="ctr"/>
+                      <a:r>
+                        <a:rPr lang="en-IN" sz="1600" dirty="0" smtClean="0"/>
+                        <a:t>Retail Vs</a:t>
+                      </a:r>
+                    </a:p>
+                    <a:p>
+                      <a:pPr algn="ctr"/>
+                      <a:r>
+                        <a:rPr lang="en-IN" sz="1600" dirty="0" smtClean="0"/>
+                        <a:t>Wholesale</a:t>
+                      </a:r>
+                    </a:p>
+                  </a:txBody>
+                  <a:tcPr/>
+                </a:tc>
+                <a:tc>
+                  <a:txBody>
+                    <a:bodyPr/>
+                    <a:lstStyle/>
+                    <a:p>
+                      <a:pPr algn="ctr"/>
+                      <a:r>
+                        <a:rPr lang="en-IN" sz="1600" dirty="0" smtClean="0"/>
+                        <a:t>30</a:t>
+                      </a:r>
+                      <a:endParaRPr lang="en-IN" sz="1600" dirty="0"/>
+                    </a:p>
+                  </a:txBody>
+                  <a:tcPr/>
+                </a:tc>
+                <a:tc>
+                  <a:txBody>
+                    <a:bodyPr/>
+                    <a:lstStyle/>
+                    <a:p>
+                      <a:pPr algn="ctr"/>
+                      <a:r>
+                        <a:rPr lang="en-IN" sz="1600" dirty="0" smtClean="0"/>
+                        <a:t>55</a:t>
+                      </a:r>
+                      <a:endParaRPr lang="en-IN" sz="1600" dirty="0"/>
+                    </a:p>
+                  </a:txBody>
+                  <a:tcPr/>
+                </a:tc>
+                <a:tc>
+                  <a:txBody>
+                    <a:bodyPr/>
+                    <a:lstStyle/>
+                    <a:p>
+                      <a:pPr algn="ctr"/>
+                      <a:r>
+                        <a:rPr lang="en-IN" sz="1600" dirty="0" smtClean="0"/>
+                        <a:t>40</a:t>
+                      </a:r>
+                      <a:endParaRPr lang="en-IN" sz="1600" dirty="0"/>
+                    </a:p>
+                  </a:txBody>
+                  <a:tcPr/>
+                </a:tc>
+                <a:tc>
+                  <a:txBody>
+                    <a:bodyPr/>
+                    <a:lstStyle/>
+                    <a:p>
+                      <a:pPr algn="ctr"/>
+                      <a:r>
+                        <a:rPr lang="en-IN" sz="1600" dirty="0" smtClean="0"/>
+                        <a:t>117</a:t>
+                      </a:r>
+                      <a:endParaRPr lang="en-IN" sz="1600" dirty="0"/>
+                    </a:p>
+                  </a:txBody>
+                  <a:tcPr/>
+                </a:tc>
+                <a:tc>
+                  <a:txBody>
+                    <a:bodyPr/>
+                    <a:lstStyle/>
+                    <a:p>
+                      <a:pPr algn="ctr"/>
+                      <a:r>
+                        <a:rPr lang="en-IN" sz="1600" dirty="0" smtClean="0"/>
+                        <a:t>119</a:t>
+                      </a:r>
+                      <a:endParaRPr lang="en-IN" sz="1600" dirty="0"/>
+                    </a:p>
+                  </a:txBody>
+                  <a:tcPr/>
+                </a:tc>
+                <a:tc>
+                  <a:txBody>
+                    <a:bodyPr/>
+                    <a:lstStyle/>
+                    <a:p>
+                      <a:pPr algn="ctr"/>
+                      <a:r>
+                        <a:rPr lang="en-IN" sz="1600" dirty="0" smtClean="0"/>
+                        <a:t>107</a:t>
+                      </a:r>
+                      <a:endParaRPr lang="en-IN" sz="1600" dirty="0"/>
+                    </a:p>
+                  </a:txBody>
+                  <a:tcPr/>
+                </a:tc>
+                <a:tc>
+                  <a:txBody>
+                    <a:bodyPr/>
+                    <a:lstStyle/>
+                    <a:p>
+                      <a:pPr algn="ctr"/>
+                      <a:r>
+                        <a:rPr lang="en-IN" sz="1600" dirty="0" smtClean="0"/>
+                        <a:t>150</a:t>
+                      </a:r>
+                      <a:endParaRPr lang="en-IN" sz="1600" dirty="0"/>
+                    </a:p>
+                  </a:txBody>
+                  <a:tcPr/>
+                </a:tc>
+                <a:tc>
+                  <a:txBody>
+                    <a:bodyPr/>
+                    <a:lstStyle/>
+                    <a:p>
+                      <a:pPr algn="ctr"/>
+                      <a:r>
+                        <a:rPr lang="en-IN" sz="1600" dirty="0" smtClean="0"/>
+                        <a:t>52</a:t>
+                      </a:r>
+                      <a:endParaRPr lang="en-IN" sz="1600" dirty="0"/>
+                    </a:p>
+                  </a:txBody>
+                  <a:tcPr/>
+                </a:tc>
+              </a:tr>
+            </a:tbl>
+          </a:graphicData>
+        </a:graphic>
+      </p:graphicFrame>
+    </p:spTree>
+    <p:extLst>
+      <p:ext uri="{BB962C8B-B14F-4D97-AF65-F5344CB8AC3E}">
+        <p14:creationId xmlns:p14="http://schemas.microsoft.com/office/powerpoint/2010/main" val="3509574214"/>
       </p:ext>
     </p:extLst>
   </p:cSld>
@@ -10932,7 +11404,7 @@
       </p:sp>
       <p:graphicFrame>
         <p:nvGraphicFramePr>
-          <p:cNvPr id="4" name="Content Placeholder 3"/>
+          <p:cNvPr id="5" name="Content Placeholder 4"/>
           <p:cNvGraphicFramePr>
             <a:graphicFrameLocks noGrp="1"/>
           </p:cNvGraphicFramePr>
@@ -10940,14 +11412,14 @@
             <p:ph idx="1"/>
             <p:extLst>
               <p:ext uri="{D42A27DB-BD31-4B8C-83A1-F6EECF244321}">
-                <p14:modId xmlns:p14="http://schemas.microsoft.com/office/powerpoint/2010/main" val="2799144804"/>
+                <p14:modId xmlns:p14="http://schemas.microsoft.com/office/powerpoint/2010/main" val="505772239"/>
               </p:ext>
             </p:extLst>
           </p:nvPr>
         </p:nvGraphicFramePr>
         <p:xfrm>
-          <a:off x="388512" y="1503653"/>
-          <a:ext cx="11112322" cy="1981200"/>
+          <a:off x="838200" y="1825625"/>
+          <a:ext cx="10515600" cy="3479800"/>
         </p:xfrm>
         <a:graphic>
           <a:graphicData uri="http://schemas.openxmlformats.org/drawingml/2006/table">
@@ -10956,16 +11428,12 @@
                 <a:tableStyleId>{5C22544A-7EE6-4342-B048-85BDC9FD1C3A}</a:tableStyleId>
               </a:tblPr>
               <a:tblGrid>
-                <a:gridCol w="1066801"/>
-                <a:gridCol w="1416676"/>
-                <a:gridCol w="926300"/>
-                <a:gridCol w="1148584"/>
-                <a:gridCol w="1131955"/>
-                <a:gridCol w="772733"/>
-                <a:gridCol w="811369"/>
-                <a:gridCol w="1352281"/>
-                <a:gridCol w="1326524"/>
-                <a:gridCol w="1159099"/>
+                <a:gridCol w="1752600"/>
+                <a:gridCol w="1752600"/>
+                <a:gridCol w="1752600"/>
+                <a:gridCol w="1752600"/>
+                <a:gridCol w="1752600"/>
+                <a:gridCol w="1752600"/>
               </a:tblGrid>
               <a:tr h="370840">
                 <a:tc>
@@ -10974,258 +11442,131 @@
                     <a:lstStyle/>
                     <a:p>
                       <a:pPr algn="ctr"/>
-                      <a:endParaRPr lang="en-IN" sz="1600" dirty="0"/>
-                    </a:p>
-                  </a:txBody>
-                  <a:tcPr/>
-                </a:tc>
-                <a:tc>
-                  <a:txBody>
-                    <a:bodyPr/>
-                    <a:lstStyle/>
-                    <a:p>
-                      <a:pPr algn="ctr"/>
-                      <a:r>
-                        <a:rPr lang="en-IN" sz="1600" dirty="0" smtClean="0"/>
-                        <a:t>Analysis</a:t>
-                      </a:r>
-                      <a:endParaRPr lang="en-IN" sz="1600" dirty="0"/>
-                    </a:p>
-                  </a:txBody>
-                  <a:tcPr/>
-                </a:tc>
-                <a:tc>
-                  <a:txBody>
-                    <a:bodyPr/>
-                    <a:lstStyle/>
-                    <a:p>
-                      <a:pPr algn="ctr"/>
-                      <a:r>
-                        <a:rPr lang="en-IN" sz="1600" dirty="0" smtClean="0"/>
-                        <a:t>Slope</a:t>
-                      </a:r>
-                    </a:p>
-                    <a:p>
-                      <a:pPr algn="ctr"/>
-                      <a:r>
-                        <a:rPr lang="en-IN" sz="1600" dirty="0" smtClean="0"/>
-                        <a:t>Based</a:t>
-                      </a:r>
-                    </a:p>
-                    <a:p>
-                      <a:pPr algn="ctr"/>
-                      <a:r>
-                        <a:rPr lang="en-IN" sz="1600" dirty="0" smtClean="0"/>
-                        <a:t>(1)</a:t>
-                      </a:r>
-                      <a:endParaRPr lang="en-IN" sz="1600" dirty="0"/>
-                    </a:p>
-                  </a:txBody>
-                  <a:tcPr/>
-                </a:tc>
-                <a:tc>
-                  <a:txBody>
-                    <a:bodyPr/>
-                    <a:lstStyle/>
-                    <a:p>
-                      <a:pPr algn="ctr"/>
-                      <a:r>
-                        <a:rPr lang="en-IN" sz="1600" dirty="0" smtClean="0"/>
-                        <a:t>Window</a:t>
-                      </a:r>
-                    </a:p>
-                    <a:p>
-                      <a:pPr algn="ctr"/>
-                      <a:r>
-                        <a:rPr lang="en-IN" sz="1600" dirty="0" smtClean="0"/>
-                        <a:t>Correlation</a:t>
-                      </a:r>
-                    </a:p>
-                    <a:p>
-                      <a:pPr algn="ctr"/>
-                      <a:r>
-                        <a:rPr lang="en-IN" sz="1600" dirty="0" smtClean="0"/>
-                        <a:t>(2)</a:t>
-                      </a:r>
-                      <a:endParaRPr lang="en-IN" sz="1600" dirty="0"/>
-                    </a:p>
-                  </a:txBody>
-                  <a:tcPr/>
-                </a:tc>
-                <a:tc>
-                  <a:txBody>
-                    <a:bodyPr/>
-                    <a:lstStyle/>
-                    <a:p>
-                      <a:pPr algn="ctr"/>
-                      <a:r>
-                        <a:rPr lang="en-IN" sz="1600" dirty="0" smtClean="0"/>
-                        <a:t>Linear</a:t>
-                      </a:r>
-                    </a:p>
-                    <a:p>
-                      <a:pPr algn="ctr"/>
-                      <a:r>
-                        <a:rPr lang="en-IN" sz="1600" dirty="0" smtClean="0"/>
-                        <a:t>Regression</a:t>
-                      </a:r>
-                    </a:p>
-                    <a:p>
-                      <a:pPr algn="ctr"/>
-                      <a:r>
-                        <a:rPr lang="en-IN" sz="1600" dirty="0" smtClean="0"/>
-                        <a:t>(3)</a:t>
-                      </a:r>
-                      <a:endParaRPr lang="en-IN" sz="1600" dirty="0"/>
-                    </a:p>
-                  </a:txBody>
-                  <a:tcPr/>
-                </a:tc>
-                <a:tc>
-                  <a:txBody>
-                    <a:bodyPr/>
-                    <a:lstStyle/>
-                    <a:p>
-                      <a:pPr algn="ctr"/>
-                      <a:r>
-                        <a:rPr lang="en-IN" sz="1600" dirty="0" smtClean="0"/>
-                        <a:t>Graph</a:t>
-                      </a:r>
-                    </a:p>
-                    <a:p>
-                      <a:pPr algn="ctr"/>
-                      <a:r>
-                        <a:rPr lang="en-IN" sz="1600" dirty="0" smtClean="0"/>
-                        <a:t>Based</a:t>
-                      </a:r>
-                    </a:p>
-                    <a:p>
-                      <a:pPr algn="ctr"/>
-                      <a:r>
-                        <a:rPr lang="en-IN" sz="1600" dirty="0" smtClean="0"/>
-                        <a:t>(4)</a:t>
-                      </a:r>
-                      <a:endParaRPr lang="en-IN" sz="1600" dirty="0"/>
-                    </a:p>
-                  </a:txBody>
-                  <a:tcPr/>
-                </a:tc>
-                <a:tc>
-                  <a:txBody>
-                    <a:bodyPr/>
-                    <a:lstStyle/>
-                    <a:p>
-                      <a:pPr algn="ctr"/>
-                      <a:r>
-                        <a:rPr lang="en-IN" sz="1600" dirty="0" smtClean="0"/>
-                        <a:t>Multi-</a:t>
-                      </a:r>
-                    </a:p>
-                    <a:p>
-                      <a:pPr algn="ctr"/>
-                      <a:r>
-                        <a:rPr lang="en-IN" sz="1600" dirty="0" smtClean="0"/>
-                        <a:t>Variate</a:t>
-                      </a:r>
-                    </a:p>
-                    <a:p>
-                      <a:pPr algn="ctr"/>
-                      <a:r>
-                        <a:rPr lang="en-IN" sz="1600" dirty="0" smtClean="0"/>
-                        <a:t>(5)</a:t>
-                      </a:r>
-                      <a:endParaRPr lang="en-IN" sz="1600" dirty="0"/>
-                    </a:p>
-                  </a:txBody>
-                  <a:tcPr/>
-                </a:tc>
-                <a:tc>
-                  <a:txBody>
-                    <a:bodyPr/>
-                    <a:lstStyle/>
-                    <a:p>
-                      <a:pPr algn="ctr"/>
-                      <a:r>
-                        <a:rPr lang="en-IN" sz="1600" dirty="0" smtClean="0"/>
-                        <a:t>Hypothesis 4</a:t>
-                      </a:r>
-                    </a:p>
-                    <a:p>
-                      <a:pPr algn="ctr"/>
-                      <a:r>
-                        <a:rPr lang="en-IN" sz="1600" dirty="0" smtClean="0"/>
-                        <a:t>{1 U 2 U 3}</a:t>
-                      </a:r>
-                    </a:p>
-                    <a:p>
-                      <a:pPr algn="ctr"/>
-                      <a:r>
-                        <a:rPr lang="en-IN" sz="1600" dirty="0" smtClean="0"/>
-                        <a:t>(6)</a:t>
-                      </a:r>
-                      <a:endParaRPr lang="en-IN" sz="1600" dirty="0"/>
-                    </a:p>
-                  </a:txBody>
-                  <a:tcPr/>
-                </a:tc>
-                <a:tc>
-                  <a:txBody>
-                    <a:bodyPr/>
-                    <a:lstStyle/>
-                    <a:p>
-                      <a:pPr algn="ctr"/>
-                      <a:r>
-                        <a:rPr lang="en-IN" sz="1600" dirty="0" smtClean="0"/>
-                        <a:t>Hypothesis 3</a:t>
-                      </a:r>
-                    </a:p>
-                    <a:p>
-                      <a:pPr algn="ctr"/>
-                      <a:r>
-                        <a:rPr lang="en-IN" sz="1600" dirty="0" smtClean="0"/>
-                        <a:t>{4 U 5}</a:t>
-                      </a:r>
-                    </a:p>
-                    <a:p>
-                      <a:pPr algn="ctr"/>
-                      <a:r>
-                        <a:rPr lang="en-IN" sz="1600" dirty="0" smtClean="0"/>
-                        <a:t>(7)</a:t>
-                      </a:r>
-                      <a:endParaRPr lang="en-IN" sz="1600" dirty="0"/>
-                    </a:p>
-                  </a:txBody>
-                  <a:tcPr/>
-                </a:tc>
-                <a:tc>
-                  <a:txBody>
-                    <a:bodyPr/>
-                    <a:lstStyle/>
-                    <a:p>
-                      <a:pPr algn="ctr"/>
-                      <a:r>
-                        <a:rPr lang="en-IN" sz="1600" dirty="0" smtClean="0"/>
-                        <a:t>Final</a:t>
-                      </a:r>
-                    </a:p>
-                    <a:p>
-                      <a:pPr algn="ctr"/>
-                      <a:r>
-                        <a:rPr lang="en-IN" sz="1600" dirty="0" smtClean="0"/>
-                        <a:t>Result</a:t>
-                      </a:r>
-                    </a:p>
-                    <a:p>
-                      <a:pPr algn="ctr"/>
-                      <a:r>
-                        <a:rPr lang="en-IN" sz="1600" dirty="0" smtClean="0"/>
-                        <a:t>{6 ∩</a:t>
-                      </a:r>
-                      <a:r>
-                        <a:rPr lang="en-IN" sz="1600" baseline="0" dirty="0" smtClean="0"/>
-                        <a:t> 7}</a:t>
-                      </a:r>
-                      <a:endParaRPr lang="en-IN" sz="1600" dirty="0"/>
+                      <a:endParaRPr lang="en-IN" dirty="0"/>
+                    </a:p>
+                  </a:txBody>
+                  <a:tcPr/>
+                </a:tc>
+                <a:tc>
+                  <a:txBody>
+                    <a:bodyPr/>
+                    <a:lstStyle/>
+                    <a:p>
+                      <a:pPr algn="ctr"/>
+                      <a:r>
+                        <a:rPr lang="en-IN" dirty="0" smtClean="0"/>
+                        <a:t>Anomalies</a:t>
+                      </a:r>
+                    </a:p>
+                    <a:p>
+                      <a:pPr algn="ctr"/>
+                      <a:r>
+                        <a:rPr lang="en-IN" dirty="0" smtClean="0"/>
+                        <a:t>Reported</a:t>
+                      </a:r>
+                      <a:endParaRPr lang="en-IN" dirty="0"/>
+                    </a:p>
+                  </a:txBody>
+                  <a:tcPr/>
+                </a:tc>
+                <a:tc>
+                  <a:txBody>
+                    <a:bodyPr/>
+                    <a:lstStyle/>
+                    <a:p>
+                      <a:pPr algn="ctr"/>
+                      <a:r>
+                        <a:rPr lang="en-IN" dirty="0" smtClean="0"/>
+                        <a:t>Anomalies </a:t>
+                      </a:r>
+                    </a:p>
+                    <a:p>
+                      <a:pPr algn="ctr"/>
+                      <a:r>
+                        <a:rPr lang="en-IN" dirty="0" smtClean="0"/>
+                        <a:t>Matched</a:t>
+                      </a:r>
+                      <a:endParaRPr lang="en-IN" dirty="0"/>
+                    </a:p>
+                  </a:txBody>
+                  <a:tcPr/>
+                </a:tc>
+                <a:tc>
+                  <a:txBody>
+                    <a:bodyPr/>
+                    <a:lstStyle/>
+                    <a:p>
+                      <a:pPr algn="ctr"/>
+                      <a:r>
+                        <a:rPr lang="en-IN" dirty="0" smtClean="0"/>
+                        <a:t>Anomalies</a:t>
+                      </a:r>
+                    </a:p>
+                    <a:p>
+                      <a:pPr algn="ctr"/>
+                      <a:r>
+                        <a:rPr lang="en-IN" dirty="0" smtClean="0"/>
+                        <a:t>Not</a:t>
+                      </a:r>
+                      <a:r>
+                        <a:rPr lang="en-IN" baseline="0" dirty="0" smtClean="0"/>
+                        <a:t> Matched</a:t>
+                      </a:r>
+                    </a:p>
+                    <a:p>
+                      <a:pPr algn="ctr"/>
+                      <a:r>
+                        <a:rPr lang="en-IN" baseline="0" dirty="0" smtClean="0"/>
+                        <a:t>With Any Article</a:t>
+                      </a:r>
+                      <a:endParaRPr lang="en-IN" dirty="0"/>
+                    </a:p>
+                  </a:txBody>
+                  <a:tcPr/>
+                </a:tc>
+                <a:tc>
+                  <a:txBody>
+                    <a:bodyPr/>
+                    <a:lstStyle/>
+                    <a:p>
+                      <a:pPr algn="ctr"/>
+                      <a:r>
+                        <a:rPr lang="en-IN" dirty="0" smtClean="0"/>
+                        <a:t>Articles </a:t>
+                      </a:r>
+                    </a:p>
+                    <a:p>
+                      <a:pPr algn="ctr"/>
+                      <a:r>
+                        <a:rPr lang="en-IN" dirty="0" smtClean="0"/>
+                        <a:t>Not</a:t>
+                      </a:r>
+                    </a:p>
+                    <a:p>
+                      <a:pPr algn="ctr"/>
+                      <a:r>
+                        <a:rPr lang="en-IN" dirty="0" smtClean="0"/>
+                        <a:t>Matched</a:t>
+                      </a:r>
+                      <a:endParaRPr lang="en-IN" dirty="0"/>
+                    </a:p>
+                  </a:txBody>
+                  <a:tcPr/>
+                </a:tc>
+                <a:tc>
+                  <a:txBody>
+                    <a:bodyPr/>
+                    <a:lstStyle/>
+                    <a:p>
+                      <a:r>
+                        <a:rPr lang="en-IN" dirty="0" smtClean="0"/>
+                        <a:t>Articles not matched</a:t>
+                      </a:r>
+                      <a:r>
+                        <a:rPr lang="en-IN" baseline="0" dirty="0" smtClean="0"/>
+                        <a:t> which stated traders’ nexus as reason</a:t>
+                      </a:r>
+                      <a:endParaRPr lang="en-IN" dirty="0" smtClean="0"/>
                     </a:p>
                   </a:txBody>
                   <a:tcPr/>
@@ -11239,157 +11580,85 @@
                     <a:p>
                       <a:pPr algn="ctr"/>
                       <a:r>
-                        <a:rPr lang="en-IN" sz="1600" dirty="0" smtClean="0"/>
-                        <a:t>Anomalies</a:t>
-                      </a:r>
-                    </a:p>
-                    <a:p>
-                      <a:pPr algn="ctr"/>
-                      <a:r>
-                        <a:rPr lang="en-IN" sz="1600" dirty="0" smtClean="0"/>
-                        <a:t>Reported</a:t>
-                      </a:r>
-                    </a:p>
-                  </a:txBody>
-                  <a:tcPr/>
-                </a:tc>
-                <a:tc>
-                  <a:txBody>
-                    <a:bodyPr/>
-                    <a:lstStyle/>
-                    <a:p>
-                      <a:pPr algn="ctr"/>
-                      <a:r>
-                        <a:rPr lang="en-IN" sz="1600" dirty="0" smtClean="0"/>
-                        <a:t>Retail Vs</a:t>
-                      </a:r>
-                    </a:p>
-                    <a:p>
-                      <a:pPr algn="ctr"/>
-                      <a:r>
-                        <a:rPr lang="en-IN" sz="1600" dirty="0" smtClean="0"/>
-                        <a:t>Average Retail</a:t>
-                      </a:r>
-                    </a:p>
-                  </a:txBody>
-                  <a:tcPr/>
-                </a:tc>
-                <a:tc>
-                  <a:txBody>
-                    <a:bodyPr/>
-                    <a:lstStyle/>
-                    <a:p>
-                      <a:pPr algn="ctr"/>
-                      <a:r>
-                        <a:rPr lang="en-IN" sz="1600" dirty="0" smtClean="0"/>
-                        <a:t>471</a:t>
-                      </a:r>
-                      <a:endParaRPr lang="en-IN" sz="1600" dirty="0"/>
-                    </a:p>
-                  </a:txBody>
-                  <a:tcPr/>
-                </a:tc>
-                <a:tc>
-                  <a:txBody>
-                    <a:bodyPr/>
-                    <a:lstStyle/>
-                    <a:p>
-                      <a:pPr algn="ctr"/>
-                      <a:r>
-                        <a:rPr lang="en-IN" sz="1600" dirty="0" smtClean="0"/>
-                        <a:t>180</a:t>
-                      </a:r>
-                      <a:endParaRPr lang="en-IN" sz="1600" dirty="0"/>
-                    </a:p>
-                  </a:txBody>
-                  <a:tcPr/>
-                </a:tc>
-                <a:tc>
-                  <a:txBody>
-                    <a:bodyPr/>
-                    <a:lstStyle/>
-                    <a:p>
-                      <a:pPr algn="ctr"/>
-                      <a:r>
-                        <a:rPr lang="en-IN" sz="1600" dirty="0" smtClean="0"/>
-                        <a:t>258</a:t>
-                      </a:r>
-                      <a:endParaRPr lang="en-IN" sz="1600" dirty="0"/>
-                    </a:p>
-                  </a:txBody>
-                  <a:tcPr/>
-                </a:tc>
-                <a:tc>
-                  <a:txBody>
-                    <a:bodyPr/>
-                    <a:lstStyle/>
-                    <a:p>
-                      <a:pPr algn="ctr"/>
-                      <a:r>
-                        <a:rPr lang="en-IN" sz="1600" dirty="0" smtClean="0"/>
-                        <a:t>300</a:t>
-                      </a:r>
-                      <a:endParaRPr lang="en-IN" sz="1600" dirty="0"/>
-                    </a:p>
-                  </a:txBody>
-                  <a:tcPr/>
-                </a:tc>
-                <a:tc>
-                  <a:txBody>
-                    <a:bodyPr/>
-                    <a:lstStyle/>
-                    <a:p>
-                      <a:pPr algn="ctr"/>
-                      <a:r>
-                        <a:rPr lang="en-IN" sz="1600" dirty="0" smtClean="0"/>
-                        <a:t>177</a:t>
-                      </a:r>
-                      <a:endParaRPr lang="en-IN" sz="1600" dirty="0"/>
-                    </a:p>
-                  </a:txBody>
-                  <a:tcPr/>
-                </a:tc>
-                <a:tc>
-                  <a:txBody>
-                    <a:bodyPr/>
-                    <a:lstStyle/>
-                    <a:p>
-                      <a:pPr algn="ctr"/>
-                      <a:r>
-                        <a:rPr lang="en-IN" sz="1600" dirty="0" smtClean="0"/>
-                        <a:t>806</a:t>
-                      </a:r>
-                      <a:endParaRPr lang="en-IN" sz="1600" dirty="0"/>
-                    </a:p>
-                  </a:txBody>
-                  <a:tcPr/>
-                </a:tc>
-                <a:tc>
-                  <a:txBody>
-                    <a:bodyPr/>
-                    <a:lstStyle/>
-                    <a:p>
-                      <a:pPr algn="ctr"/>
-                      <a:r>
-                        <a:rPr lang="en-IN" sz="1600" dirty="0" smtClean="0"/>
-                        <a:t>362</a:t>
-                      </a:r>
-                      <a:endParaRPr lang="en-IN" sz="1600" dirty="0"/>
-                    </a:p>
-                  </a:txBody>
-                  <a:tcPr/>
-                </a:tc>
-                <a:tc>
-                  <a:txBody>
-                    <a:bodyPr/>
-                    <a:lstStyle/>
-                    <a:p>
-                      <a:pPr algn="ctr"/>
-                      <a:r>
-                        <a:rPr lang="en-IN" sz="1600" dirty="0" smtClean="0"/>
+                        <a:rPr lang="en-IN" dirty="0" smtClean="0"/>
+                        <a:t>Retail vs Average Retail</a:t>
+                      </a:r>
+                      <a:endParaRPr lang="en-IN" dirty="0"/>
+                    </a:p>
+                  </a:txBody>
+                  <a:tcPr/>
+                </a:tc>
+                <a:tc>
+                  <a:txBody>
+                    <a:bodyPr/>
+                    <a:lstStyle/>
+                    <a:p>
+                      <a:pPr algn="ctr"/>
+                      <a:r>
+                        <a:rPr lang="en-IN" dirty="0" smtClean="0"/>
                         <a:t>125</a:t>
                       </a:r>
-                      <a:endParaRPr lang="en-IN" sz="1600" dirty="0"/>
+                      <a:endParaRPr lang="en-IN" dirty="0"/>
+                    </a:p>
+                  </a:txBody>
+                  <a:tcPr/>
+                </a:tc>
+                <a:tc>
+                  <a:txBody>
+                    <a:bodyPr/>
+                    <a:lstStyle/>
+                    <a:p>
+                      <a:pPr algn="ctr"/>
+                      <a:r>
+                        <a:rPr lang="en-IN" dirty="0" smtClean="0"/>
+                        <a:t>64</a:t>
+                      </a:r>
+                      <a:endParaRPr lang="en-IN" dirty="0"/>
+                    </a:p>
+                  </a:txBody>
+                  <a:tcPr/>
+                </a:tc>
+                <a:tc>
+                  <a:txBody>
+                    <a:bodyPr/>
+                    <a:lstStyle/>
+                    <a:p>
+                      <a:pPr algn="ctr"/>
+                      <a:r>
+                        <a:rPr lang="en-IN" dirty="0" smtClean="0"/>
+                        <a:t>61</a:t>
+                      </a:r>
+                      <a:endParaRPr lang="en-IN" dirty="0"/>
+                    </a:p>
+                  </a:txBody>
+                  <a:tcPr/>
+                </a:tc>
+                <a:tc>
+                  <a:txBody>
+                    <a:bodyPr/>
+                    <a:lstStyle/>
+                    <a:p>
+                      <a:pPr algn="ctr"/>
+                      <a:r>
+                        <a:rPr lang="en-IN" dirty="0" smtClean="0"/>
+                        <a:t>49</a:t>
+                      </a:r>
+                      <a:endParaRPr lang="en-IN" dirty="0"/>
+                    </a:p>
+                  </a:txBody>
+                  <a:tcPr/>
+                </a:tc>
+                <a:tc>
+                  <a:txBody>
+                    <a:bodyPr/>
+                    <a:lstStyle/>
+                    <a:p>
+                      <a:pPr algn="ctr"/>
+                      <a:r>
+                        <a:rPr lang="en-IN" dirty="0" smtClean="0"/>
+                        <a:t>12 (24.49%)</a:t>
+                      </a:r>
+                      <a:endParaRPr lang="en-IN" dirty="0"/>
                     </a:p>
                   </a:txBody>
                   <a:tcPr/>
@@ -11403,456 +11672,85 @@
                     <a:p>
                       <a:pPr algn="ctr"/>
                       <a:r>
-                        <a:rPr lang="en-IN" sz="1600" dirty="0" smtClean="0"/>
-                        <a:t>Anomalies Matched</a:t>
-                      </a:r>
-                      <a:endParaRPr lang="en-IN" sz="1600" dirty="0"/>
-                    </a:p>
-                  </a:txBody>
-                  <a:tcPr/>
-                </a:tc>
-                <a:tc>
-                  <a:txBody>
-                    <a:bodyPr/>
-                    <a:lstStyle/>
-                    <a:p>
-                      <a:pPr algn="ctr"/>
-                      <a:r>
-                        <a:rPr lang="en-IN" sz="1600" dirty="0" smtClean="0"/>
-                        <a:t>Retail Vs</a:t>
-                      </a:r>
-                    </a:p>
-                    <a:p>
-                      <a:pPr algn="ctr"/>
-                      <a:r>
-                        <a:rPr lang="en-IN" sz="1600" dirty="0" smtClean="0"/>
-                        <a:t>Average Retail</a:t>
-                      </a:r>
-                      <a:endParaRPr lang="en-IN" sz="1600" dirty="0" smtClean="0"/>
-                    </a:p>
-                  </a:txBody>
-                  <a:tcPr/>
-                </a:tc>
-                <a:tc>
-                  <a:txBody>
-                    <a:bodyPr/>
-                    <a:lstStyle/>
-                    <a:p>
-                      <a:pPr algn="ctr"/>
-                      <a:r>
-                        <a:rPr lang="en-IN" sz="1600" dirty="0" smtClean="0"/>
-                        <a:t>67</a:t>
-                      </a:r>
-                      <a:endParaRPr lang="en-IN" sz="1600" dirty="0"/>
-                    </a:p>
-                  </a:txBody>
-                  <a:tcPr/>
-                </a:tc>
-                <a:tc>
-                  <a:txBody>
-                    <a:bodyPr/>
-                    <a:lstStyle/>
-                    <a:p>
-                      <a:pPr algn="ctr"/>
-                      <a:r>
-                        <a:rPr lang="en-IN" sz="1600" dirty="0" smtClean="0"/>
-                        <a:t>47</a:t>
-                      </a:r>
-                      <a:endParaRPr lang="en-IN" sz="1600" dirty="0"/>
-                    </a:p>
-                  </a:txBody>
-                  <a:tcPr/>
-                </a:tc>
-                <a:tc>
-                  <a:txBody>
-                    <a:bodyPr/>
-                    <a:lstStyle/>
-                    <a:p>
-                      <a:pPr algn="ctr"/>
-                      <a:r>
-                        <a:rPr lang="en-IN" sz="1600" dirty="0" smtClean="0"/>
-                        <a:t>50</a:t>
-                      </a:r>
-                      <a:endParaRPr lang="en-IN" sz="1600" dirty="0"/>
-                    </a:p>
-                  </a:txBody>
-                  <a:tcPr/>
-                </a:tc>
-                <a:tc>
-                  <a:txBody>
-                    <a:bodyPr/>
-                    <a:lstStyle/>
-                    <a:p>
-                      <a:pPr algn="ctr"/>
-                      <a:r>
-                        <a:rPr lang="en-IN" sz="1600" dirty="0" smtClean="0"/>
-                        <a:t>122</a:t>
-                      </a:r>
-                      <a:endParaRPr lang="en-IN" sz="1600" dirty="0"/>
-                    </a:p>
-                  </a:txBody>
-                  <a:tcPr/>
-                </a:tc>
-                <a:tc>
-                  <a:txBody>
-                    <a:bodyPr/>
-                    <a:lstStyle/>
-                    <a:p>
-                      <a:pPr algn="ctr"/>
-                      <a:r>
-                        <a:rPr lang="en-IN" sz="1600" dirty="0" smtClean="0"/>
-                        <a:t>122</a:t>
-                      </a:r>
-                      <a:endParaRPr lang="en-IN" sz="1600" dirty="0"/>
-                    </a:p>
-                  </a:txBody>
-                  <a:tcPr/>
-                </a:tc>
-                <a:tc>
-                  <a:txBody>
-                    <a:bodyPr/>
-                    <a:lstStyle/>
-                    <a:p>
-                      <a:pPr algn="ctr"/>
-                      <a:r>
-                        <a:rPr lang="en-IN" sz="1600" dirty="0" smtClean="0"/>
-                        <a:t>142</a:t>
-                      </a:r>
-                      <a:endParaRPr lang="en-IN" sz="1600" dirty="0"/>
-                    </a:p>
-                  </a:txBody>
-                  <a:tcPr/>
-                </a:tc>
-                <a:tc>
-                  <a:txBody>
-                    <a:bodyPr/>
-                    <a:lstStyle/>
-                    <a:p>
-                      <a:pPr algn="ctr"/>
-                      <a:r>
-                        <a:rPr lang="en-IN" sz="1600" dirty="0" smtClean="0"/>
-                        <a:t>162</a:t>
-                      </a:r>
-                      <a:endParaRPr lang="en-IN" sz="1600" dirty="0"/>
-                    </a:p>
-                  </a:txBody>
-                  <a:tcPr/>
-                </a:tc>
-                <a:tc>
-                  <a:txBody>
-                    <a:bodyPr/>
-                    <a:lstStyle/>
-                    <a:p>
-                      <a:pPr algn="ctr"/>
-                      <a:r>
-                        <a:rPr lang="en-IN" sz="1600" dirty="0" smtClean="0"/>
-                        <a:t>64</a:t>
-                      </a:r>
-                      <a:endParaRPr lang="en-IN" sz="1600" dirty="0"/>
-                    </a:p>
-                  </a:txBody>
-                  <a:tcPr/>
-                </a:tc>
-              </a:tr>
-            </a:tbl>
-          </a:graphicData>
-        </a:graphic>
-      </p:graphicFrame>
-      <p:graphicFrame>
-        <p:nvGraphicFramePr>
-          <p:cNvPr id="8" name="Content Placeholder 3"/>
-          <p:cNvGraphicFramePr>
-            <a:graphicFrameLocks/>
-          </p:cNvGraphicFramePr>
-          <p:nvPr>
-            <p:extLst>
-              <p:ext uri="{D42A27DB-BD31-4B8C-83A1-F6EECF244321}">
-                <p14:modId xmlns:p14="http://schemas.microsoft.com/office/powerpoint/2010/main" val="928344898"/>
-              </p:ext>
-            </p:extLst>
-          </p:nvPr>
-        </p:nvGraphicFramePr>
-        <p:xfrm>
-          <a:off x="400318" y="3806824"/>
-          <a:ext cx="11112322" cy="1981200"/>
-        </p:xfrm>
-        <a:graphic>
-          <a:graphicData uri="http://schemas.openxmlformats.org/drawingml/2006/table">
-            <a:tbl>
-              <a:tblPr firstRow="1" bandRow="1">
-                <a:tableStyleId>{5C22544A-7EE6-4342-B048-85BDC9FD1C3A}</a:tableStyleId>
-              </a:tblPr>
-              <a:tblGrid>
-                <a:gridCol w="1066801"/>
-                <a:gridCol w="1416676"/>
-                <a:gridCol w="926300"/>
-                <a:gridCol w="1148584"/>
-                <a:gridCol w="1131955"/>
-                <a:gridCol w="772733"/>
-                <a:gridCol w="811369"/>
-                <a:gridCol w="1352281"/>
-                <a:gridCol w="1326524"/>
-                <a:gridCol w="1159099"/>
-              </a:tblGrid>
-              <a:tr h="370840">
-                <a:tc>
-                  <a:txBody>
-                    <a:bodyPr/>
-                    <a:lstStyle/>
-                    <a:p>
-                      <a:pPr algn="ctr"/>
-                      <a:endParaRPr lang="en-IN" sz="1600" dirty="0"/>
-                    </a:p>
-                  </a:txBody>
-                  <a:tcPr/>
-                </a:tc>
-                <a:tc>
-                  <a:txBody>
-                    <a:bodyPr/>
-                    <a:lstStyle/>
-                    <a:p>
-                      <a:pPr algn="ctr"/>
-                      <a:r>
-                        <a:rPr lang="en-IN" sz="1600" dirty="0" smtClean="0"/>
-                        <a:t>Analysis</a:t>
-                      </a:r>
-                      <a:endParaRPr lang="en-IN" sz="1600" dirty="0"/>
-                    </a:p>
-                  </a:txBody>
-                  <a:tcPr/>
-                </a:tc>
-                <a:tc>
-                  <a:txBody>
-                    <a:bodyPr/>
-                    <a:lstStyle/>
-                    <a:p>
-                      <a:pPr algn="ctr"/>
-                      <a:r>
-                        <a:rPr lang="en-IN" sz="1600" dirty="0" smtClean="0"/>
-                        <a:t>Slope</a:t>
-                      </a:r>
-                    </a:p>
-                    <a:p>
-                      <a:pPr algn="ctr"/>
-                      <a:r>
-                        <a:rPr lang="en-IN" sz="1600" dirty="0" smtClean="0"/>
-                        <a:t>Based</a:t>
-                      </a:r>
-                    </a:p>
-                    <a:p>
-                      <a:pPr algn="ctr"/>
-                      <a:r>
-                        <a:rPr lang="en-IN" sz="1600" dirty="0" smtClean="0"/>
-                        <a:t>(1)</a:t>
-                      </a:r>
-                      <a:endParaRPr lang="en-IN" sz="1600" dirty="0"/>
-                    </a:p>
-                  </a:txBody>
-                  <a:tcPr/>
-                </a:tc>
-                <a:tc>
-                  <a:txBody>
-                    <a:bodyPr/>
-                    <a:lstStyle/>
-                    <a:p>
-                      <a:pPr algn="ctr"/>
-                      <a:r>
-                        <a:rPr lang="en-IN" sz="1600" dirty="0" smtClean="0"/>
-                        <a:t>Window</a:t>
-                      </a:r>
-                    </a:p>
-                    <a:p>
-                      <a:pPr algn="ctr"/>
-                      <a:r>
-                        <a:rPr lang="en-IN" sz="1600" dirty="0" smtClean="0"/>
-                        <a:t>Correlation</a:t>
-                      </a:r>
-                    </a:p>
-                    <a:p>
-                      <a:pPr algn="ctr"/>
-                      <a:r>
-                        <a:rPr lang="en-IN" sz="1600" dirty="0" smtClean="0"/>
-                        <a:t>(2)</a:t>
-                      </a:r>
-                      <a:endParaRPr lang="en-IN" sz="1600" dirty="0"/>
-                    </a:p>
-                  </a:txBody>
-                  <a:tcPr/>
-                </a:tc>
-                <a:tc>
-                  <a:txBody>
-                    <a:bodyPr/>
-                    <a:lstStyle/>
-                    <a:p>
-                      <a:pPr algn="ctr"/>
-                      <a:r>
-                        <a:rPr lang="en-IN" sz="1600" dirty="0" smtClean="0"/>
-                        <a:t>Linear</a:t>
-                      </a:r>
-                    </a:p>
-                    <a:p>
-                      <a:pPr algn="ctr"/>
-                      <a:r>
-                        <a:rPr lang="en-IN" sz="1600" dirty="0" smtClean="0"/>
-                        <a:t>Regression</a:t>
-                      </a:r>
-                    </a:p>
-                    <a:p>
-                      <a:pPr algn="ctr"/>
-                      <a:r>
-                        <a:rPr lang="en-IN" sz="1600" dirty="0" smtClean="0"/>
-                        <a:t>(3)</a:t>
-                      </a:r>
-                      <a:endParaRPr lang="en-IN" sz="1600" dirty="0"/>
-                    </a:p>
-                  </a:txBody>
-                  <a:tcPr/>
-                </a:tc>
-                <a:tc>
-                  <a:txBody>
-                    <a:bodyPr/>
-                    <a:lstStyle/>
-                    <a:p>
-                      <a:pPr algn="ctr"/>
-                      <a:r>
-                        <a:rPr lang="en-IN" sz="1600" dirty="0" smtClean="0"/>
-                        <a:t>Graph</a:t>
-                      </a:r>
-                    </a:p>
-                    <a:p>
-                      <a:pPr algn="ctr"/>
-                      <a:r>
-                        <a:rPr lang="en-IN" sz="1600" dirty="0" smtClean="0"/>
-                        <a:t>Based</a:t>
-                      </a:r>
-                    </a:p>
-                    <a:p>
-                      <a:pPr algn="ctr"/>
-                      <a:r>
-                        <a:rPr lang="en-IN" sz="1600" dirty="0" smtClean="0"/>
-                        <a:t>(4)</a:t>
-                      </a:r>
-                      <a:endParaRPr lang="en-IN" sz="1600" dirty="0"/>
-                    </a:p>
-                  </a:txBody>
-                  <a:tcPr/>
-                </a:tc>
-                <a:tc>
-                  <a:txBody>
-                    <a:bodyPr/>
-                    <a:lstStyle/>
-                    <a:p>
-                      <a:pPr algn="ctr"/>
-                      <a:r>
-                        <a:rPr lang="en-IN" sz="1600" dirty="0" smtClean="0"/>
-                        <a:t>Multi-</a:t>
-                      </a:r>
-                    </a:p>
-                    <a:p>
-                      <a:pPr algn="ctr"/>
-                      <a:r>
-                        <a:rPr lang="en-IN" sz="1600" dirty="0" smtClean="0"/>
-                        <a:t>Variate</a:t>
-                      </a:r>
-                    </a:p>
-                    <a:p>
-                      <a:pPr algn="ctr"/>
-                      <a:r>
-                        <a:rPr lang="en-IN" sz="1600" dirty="0" smtClean="0"/>
-                        <a:t>(5)</a:t>
-                      </a:r>
-                      <a:endParaRPr lang="en-IN" sz="1600" dirty="0"/>
-                    </a:p>
-                  </a:txBody>
-                  <a:tcPr/>
-                </a:tc>
-                <a:tc>
-                  <a:txBody>
-                    <a:bodyPr/>
-                    <a:lstStyle/>
-                    <a:p>
-                      <a:pPr algn="ctr"/>
-                      <a:r>
-                        <a:rPr lang="en-IN" sz="1600" dirty="0" smtClean="0"/>
-                        <a:t>Hypothesis 2</a:t>
-                      </a:r>
-                    </a:p>
-                    <a:p>
-                      <a:pPr algn="ctr"/>
-                      <a:r>
-                        <a:rPr lang="en-IN" sz="1600" dirty="0" smtClean="0"/>
-                        <a:t>{1 U 2 U 3}</a:t>
-                      </a:r>
-                    </a:p>
-                    <a:p>
-                      <a:pPr algn="ctr"/>
-                      <a:r>
-                        <a:rPr lang="en-IN" sz="1600" dirty="0" smtClean="0"/>
-                        <a:t>(6)</a:t>
-                      </a:r>
-                      <a:endParaRPr lang="en-IN" sz="1600" dirty="0"/>
-                    </a:p>
-                  </a:txBody>
-                  <a:tcPr/>
-                </a:tc>
-                <a:tc>
-                  <a:txBody>
-                    <a:bodyPr/>
-                    <a:lstStyle/>
-                    <a:p>
-                      <a:pPr algn="ctr"/>
-                      <a:r>
-                        <a:rPr lang="en-IN" sz="1600" dirty="0" smtClean="0"/>
-                        <a:t>Hypothesis 3</a:t>
-                      </a:r>
-                    </a:p>
-                    <a:p>
-                      <a:pPr algn="ctr"/>
-                      <a:r>
-                        <a:rPr lang="en-IN" sz="1600" dirty="0" smtClean="0"/>
-                        <a:t>{4 U 5}</a:t>
-                      </a:r>
-                    </a:p>
-                    <a:p>
-                      <a:pPr algn="ctr"/>
-                      <a:r>
-                        <a:rPr lang="en-IN" sz="1600" dirty="0" smtClean="0"/>
-                        <a:t>(7)</a:t>
-                      </a:r>
-                      <a:endParaRPr lang="en-IN" sz="1600" dirty="0"/>
-                    </a:p>
-                  </a:txBody>
-                  <a:tcPr/>
-                </a:tc>
-                <a:tc>
-                  <a:txBody>
-                    <a:bodyPr/>
-                    <a:lstStyle/>
-                    <a:p>
-                      <a:pPr algn="ctr"/>
-                      <a:r>
-                        <a:rPr lang="en-IN" sz="1600" dirty="0" smtClean="0"/>
-                        <a:t>Final</a:t>
-                      </a:r>
-                    </a:p>
-                    <a:p>
-                      <a:pPr algn="ctr"/>
-                      <a:r>
-                        <a:rPr lang="en-IN" sz="1600" dirty="0" smtClean="0"/>
-                        <a:t>Result</a:t>
-                      </a:r>
-                    </a:p>
-                    <a:p>
-                      <a:pPr algn="ctr"/>
-                      <a:r>
-                        <a:rPr lang="en-IN" sz="1600" dirty="0" smtClean="0"/>
-                        <a:t>{6 ∩</a:t>
-                      </a:r>
-                      <a:r>
-                        <a:rPr lang="en-IN" sz="1600" baseline="0" dirty="0" smtClean="0"/>
-                        <a:t> 7}</a:t>
-                      </a:r>
-                      <a:endParaRPr lang="en-IN" sz="1600" dirty="0"/>
+                        <a:rPr lang="en-IN" dirty="0" smtClean="0"/>
+                        <a:t>Retail vs Arrival</a:t>
+                      </a:r>
+                      <a:endParaRPr lang="en-IN" dirty="0"/>
+                    </a:p>
+                  </a:txBody>
+                  <a:tcPr/>
+                </a:tc>
+                <a:tc>
+                  <a:txBody>
+                    <a:bodyPr/>
+                    <a:lstStyle/>
+                    <a:p>
+                      <a:pPr algn="ctr"/>
+                      <a:r>
+                        <a:rPr lang="en-IN" dirty="0" smtClean="0"/>
+                        <a:t>323</a:t>
+                      </a:r>
+                      <a:endParaRPr lang="en-IN" dirty="0"/>
+                    </a:p>
+                  </a:txBody>
+                  <a:tcPr/>
+                </a:tc>
+                <a:tc>
+                  <a:txBody>
+                    <a:bodyPr/>
+                    <a:lstStyle/>
+                    <a:p>
+                      <a:pPr algn="ctr"/>
+                      <a:r>
+                        <a:rPr lang="en-IN" dirty="0" smtClean="0"/>
+                        <a:t>153</a:t>
+                      </a:r>
+                      <a:endParaRPr lang="en-IN" dirty="0"/>
+                    </a:p>
+                  </a:txBody>
+                  <a:tcPr/>
+                </a:tc>
+                <a:tc>
+                  <a:txBody>
+                    <a:bodyPr/>
+                    <a:lstStyle/>
+                    <a:p>
+                      <a:pPr algn="ctr"/>
+                      <a:r>
+                        <a:rPr lang="en-IN" dirty="0" smtClean="0"/>
+                        <a:t>170</a:t>
+                      </a:r>
+                      <a:endParaRPr lang="en-IN" dirty="0"/>
+                    </a:p>
+                  </a:txBody>
+                  <a:tcPr/>
+                </a:tc>
+                <a:tc>
+                  <a:txBody>
+                    <a:bodyPr/>
+                    <a:lstStyle/>
+                    <a:p>
+                      <a:pPr algn="ctr"/>
+                      <a:r>
+                        <a:rPr lang="en-IN" dirty="0" smtClean="0"/>
+                        <a:t>33</a:t>
+                      </a:r>
+                      <a:endParaRPr lang="en-IN" dirty="0"/>
+                    </a:p>
+                  </a:txBody>
+                  <a:tcPr/>
+                </a:tc>
+                <a:tc>
+                  <a:txBody>
+                    <a:bodyPr/>
+                    <a:lstStyle/>
+                    <a:p>
+                      <a:pPr algn="ctr"/>
+                      <a:r>
+                        <a:rPr lang="en-IN" dirty="0" smtClean="0"/>
+                        <a:t>9 (27.27%)</a:t>
+                      </a:r>
+                      <a:endParaRPr lang="en-IN" dirty="0"/>
                     </a:p>
                   </a:txBody>
                   <a:tcPr/>
@@ -11866,157 +11764,85 @@
                     <a:p>
                       <a:pPr algn="ctr"/>
                       <a:r>
-                        <a:rPr lang="en-IN" sz="1600" dirty="0" smtClean="0"/>
-                        <a:t>Anomalies</a:t>
-                      </a:r>
-                    </a:p>
-                    <a:p>
-                      <a:pPr algn="ctr"/>
-                      <a:r>
-                        <a:rPr lang="en-IN" sz="1600" dirty="0" smtClean="0"/>
-                        <a:t>Reported</a:t>
-                      </a:r>
-                    </a:p>
-                  </a:txBody>
-                  <a:tcPr/>
-                </a:tc>
-                <a:tc>
-                  <a:txBody>
-                    <a:bodyPr/>
-                    <a:lstStyle/>
-                    <a:p>
-                      <a:pPr algn="ctr"/>
-                      <a:r>
-                        <a:rPr lang="en-IN" sz="1600" dirty="0" smtClean="0"/>
-                        <a:t>Retail Vs</a:t>
-                      </a:r>
-                    </a:p>
-                    <a:p>
-                      <a:pPr algn="ctr"/>
-                      <a:r>
-                        <a:rPr lang="en-IN" sz="1600" dirty="0" smtClean="0"/>
-                        <a:t>Wholesale</a:t>
-                      </a:r>
-                    </a:p>
-                  </a:txBody>
-                  <a:tcPr/>
-                </a:tc>
-                <a:tc>
-                  <a:txBody>
-                    <a:bodyPr/>
-                    <a:lstStyle/>
-                    <a:p>
-                      <a:pPr algn="ctr"/>
-                      <a:r>
-                        <a:rPr lang="en-IN" sz="1600" dirty="0" smtClean="0"/>
-                        <a:t>322</a:t>
-                      </a:r>
-                      <a:endParaRPr lang="en-IN" sz="1600" dirty="0"/>
-                    </a:p>
-                  </a:txBody>
-                  <a:tcPr/>
-                </a:tc>
-                <a:tc>
-                  <a:txBody>
-                    <a:bodyPr/>
-                    <a:lstStyle/>
-                    <a:p>
-                      <a:pPr algn="ctr"/>
-                      <a:r>
-                        <a:rPr lang="en-IN" sz="1600" dirty="0" smtClean="0"/>
-                        <a:t>300</a:t>
-                      </a:r>
-                      <a:endParaRPr lang="en-IN" sz="1600" dirty="0"/>
-                    </a:p>
-                  </a:txBody>
-                  <a:tcPr/>
-                </a:tc>
-                <a:tc>
-                  <a:txBody>
-                    <a:bodyPr/>
-                    <a:lstStyle/>
-                    <a:p>
-                      <a:pPr algn="ctr"/>
-                      <a:r>
-                        <a:rPr lang="en-IN" sz="1600" dirty="0" smtClean="0"/>
-                        <a:t>310</a:t>
-                      </a:r>
-                      <a:endParaRPr lang="en-IN" sz="1600" dirty="0"/>
-                    </a:p>
-                  </a:txBody>
-                  <a:tcPr/>
-                </a:tc>
-                <a:tc>
-                  <a:txBody>
-                    <a:bodyPr/>
-                    <a:lstStyle/>
-                    <a:p>
-                      <a:pPr algn="ctr"/>
-                      <a:r>
-                        <a:rPr lang="en-IN" sz="1600" dirty="0" smtClean="0"/>
-                        <a:t>300</a:t>
-                      </a:r>
-                      <a:endParaRPr lang="en-IN" sz="1600" dirty="0"/>
-                    </a:p>
-                  </a:txBody>
-                  <a:tcPr/>
-                </a:tc>
-                <a:tc>
-                  <a:txBody>
-                    <a:bodyPr/>
-                    <a:lstStyle/>
-                    <a:p>
-                      <a:pPr algn="ctr"/>
-                      <a:r>
-                        <a:rPr lang="en-IN" sz="1600" dirty="0" smtClean="0"/>
-                        <a:t>167</a:t>
-                      </a:r>
-                      <a:endParaRPr lang="en-IN" sz="1600" dirty="0"/>
-                    </a:p>
-                  </a:txBody>
-                  <a:tcPr/>
-                </a:tc>
-                <a:tc>
-                  <a:txBody>
-                    <a:bodyPr/>
-                    <a:lstStyle/>
-                    <a:p>
-                      <a:pPr algn="ctr"/>
-                      <a:r>
-                        <a:rPr lang="en-IN" sz="1600" dirty="0" smtClean="0"/>
-                        <a:t>799</a:t>
-                      </a:r>
-                      <a:endParaRPr lang="en-IN" sz="1600" dirty="0"/>
-                    </a:p>
-                  </a:txBody>
-                  <a:tcPr/>
-                </a:tc>
-                <a:tc>
-                  <a:txBody>
-                    <a:bodyPr/>
-                    <a:lstStyle/>
-                    <a:p>
-                      <a:pPr algn="ctr"/>
-                      <a:r>
-                        <a:rPr lang="en-IN" sz="1600" dirty="0" smtClean="0"/>
-                        <a:t>367</a:t>
-                      </a:r>
-                      <a:endParaRPr lang="en-IN" sz="1600" dirty="0"/>
-                    </a:p>
-                  </a:txBody>
-                  <a:tcPr/>
-                </a:tc>
-                <a:tc>
-                  <a:txBody>
-                    <a:bodyPr/>
-                    <a:lstStyle/>
-                    <a:p>
-                      <a:pPr algn="ctr"/>
-                      <a:r>
-                        <a:rPr lang="en-IN" sz="1600" dirty="0" smtClean="0"/>
+                        <a:rPr lang="en-IN" dirty="0" smtClean="0"/>
+                        <a:t>Retail vs Wholesale</a:t>
+                      </a:r>
+                      <a:endParaRPr lang="en-IN" dirty="0"/>
+                    </a:p>
+                  </a:txBody>
+                  <a:tcPr/>
+                </a:tc>
+                <a:tc>
+                  <a:txBody>
+                    <a:bodyPr/>
+                    <a:lstStyle/>
+                    <a:p>
+                      <a:pPr algn="ctr"/>
+                      <a:r>
+                        <a:rPr lang="en-IN" dirty="0" smtClean="0"/>
                         <a:t>160</a:t>
                       </a:r>
-                      <a:endParaRPr lang="en-IN" sz="1600" dirty="0"/>
+                      <a:endParaRPr lang="en-IN" dirty="0"/>
+                    </a:p>
+                  </a:txBody>
+                  <a:tcPr/>
+                </a:tc>
+                <a:tc>
+                  <a:txBody>
+                    <a:bodyPr/>
+                    <a:lstStyle/>
+                    <a:p>
+                      <a:pPr algn="ctr"/>
+                      <a:r>
+                        <a:rPr lang="en-IN" dirty="0" smtClean="0"/>
+                        <a:t>52</a:t>
+                      </a:r>
+                      <a:endParaRPr lang="en-IN" dirty="0"/>
+                    </a:p>
+                  </a:txBody>
+                  <a:tcPr/>
+                </a:tc>
+                <a:tc>
+                  <a:txBody>
+                    <a:bodyPr/>
+                    <a:lstStyle/>
+                    <a:p>
+                      <a:pPr algn="ctr"/>
+                      <a:r>
+                        <a:rPr lang="en-IN" dirty="0" smtClean="0"/>
+                        <a:t>108</a:t>
+                      </a:r>
+                      <a:endParaRPr lang="en-IN" dirty="0"/>
+                    </a:p>
+                  </a:txBody>
+                  <a:tcPr/>
+                </a:tc>
+                <a:tc>
+                  <a:txBody>
+                    <a:bodyPr/>
+                    <a:lstStyle/>
+                    <a:p>
+                      <a:pPr algn="ctr"/>
+                      <a:r>
+                        <a:rPr lang="en-IN" dirty="0" smtClean="0"/>
+                        <a:t>52</a:t>
+                      </a:r>
+                      <a:endParaRPr lang="en-IN" dirty="0"/>
+                    </a:p>
+                  </a:txBody>
+                  <a:tcPr/>
+                </a:tc>
+                <a:tc>
+                  <a:txBody>
+                    <a:bodyPr/>
+                    <a:lstStyle/>
+                    <a:p>
+                      <a:pPr algn="ctr"/>
+                      <a:r>
+                        <a:rPr lang="en-IN" dirty="0" smtClean="0"/>
+                        <a:t>14 (26.92%)</a:t>
+                      </a:r>
+                      <a:endParaRPr lang="en-IN" dirty="0"/>
                     </a:p>
                   </a:txBody>
                   <a:tcPr/>
@@ -12030,152 +11856,89 @@
                     <a:p>
                       <a:pPr algn="ctr"/>
                       <a:r>
-                        <a:rPr lang="en-IN" sz="1600" dirty="0" smtClean="0"/>
-                        <a:t>Anomalies Matched</a:t>
-                      </a:r>
-                      <a:endParaRPr lang="en-IN" sz="1600" dirty="0"/>
-                    </a:p>
-                  </a:txBody>
-                  <a:tcPr/>
-                </a:tc>
-                <a:tc>
-                  <a:txBody>
-                    <a:bodyPr/>
-                    <a:lstStyle/>
-                    <a:p>
-                      <a:pPr algn="ctr"/>
-                      <a:r>
-                        <a:rPr lang="en-IN" sz="1600" dirty="0" smtClean="0"/>
-                        <a:t>Retail Vs</a:t>
-                      </a:r>
-                    </a:p>
-                    <a:p>
-                      <a:pPr algn="ctr"/>
-                      <a:r>
-                        <a:rPr lang="en-IN" sz="1600" dirty="0" smtClean="0"/>
+                        <a:rPr lang="en-IN" dirty="0" smtClean="0"/>
                         <a:t>Wholesale</a:t>
                       </a:r>
-                      <a:endParaRPr lang="en-IN" sz="1600" dirty="0" smtClean="0"/>
-                    </a:p>
-                  </a:txBody>
-                  <a:tcPr/>
-                </a:tc>
-                <a:tc>
-                  <a:txBody>
-                    <a:bodyPr/>
-                    <a:lstStyle/>
-                    <a:p>
-                      <a:pPr algn="ctr"/>
-                      <a:r>
-                        <a:rPr lang="en-IN" sz="1600" dirty="0" smtClean="0"/>
-                        <a:t>30</a:t>
-                      </a:r>
-                      <a:endParaRPr lang="en-IN" sz="1600" dirty="0"/>
-                    </a:p>
-                  </a:txBody>
-                  <a:tcPr/>
-                </a:tc>
-                <a:tc>
-                  <a:txBody>
-                    <a:bodyPr/>
-                    <a:lstStyle/>
-                    <a:p>
-                      <a:pPr algn="ctr"/>
-                      <a:r>
-                        <a:rPr lang="en-IN" sz="1600" dirty="0" smtClean="0"/>
-                        <a:t>55</a:t>
-                      </a:r>
-                      <a:endParaRPr lang="en-IN" sz="1600" dirty="0"/>
-                    </a:p>
-                  </a:txBody>
-                  <a:tcPr/>
-                </a:tc>
-                <a:tc>
-                  <a:txBody>
-                    <a:bodyPr/>
-                    <a:lstStyle/>
-                    <a:p>
-                      <a:pPr algn="ctr"/>
-                      <a:r>
-                        <a:rPr lang="en-IN" sz="1600" dirty="0" smtClean="0"/>
-                        <a:t>40</a:t>
-                      </a:r>
-                      <a:endParaRPr lang="en-IN" sz="1600" dirty="0"/>
-                    </a:p>
-                  </a:txBody>
-                  <a:tcPr/>
-                </a:tc>
-                <a:tc>
-                  <a:txBody>
-                    <a:bodyPr/>
-                    <a:lstStyle/>
-                    <a:p>
-                      <a:pPr algn="ctr"/>
-                      <a:r>
-                        <a:rPr lang="en-IN" sz="1600" dirty="0" smtClean="0"/>
-                        <a:t>117</a:t>
-                      </a:r>
-                      <a:endParaRPr lang="en-IN" sz="1600" dirty="0"/>
-                    </a:p>
-                  </a:txBody>
-                  <a:tcPr/>
-                </a:tc>
-                <a:tc>
-                  <a:txBody>
-                    <a:bodyPr/>
-                    <a:lstStyle/>
-                    <a:p>
-                      <a:pPr algn="ctr"/>
-                      <a:r>
-                        <a:rPr lang="en-IN" sz="1600" dirty="0" smtClean="0"/>
-                        <a:t>119</a:t>
-                      </a:r>
-                      <a:endParaRPr lang="en-IN" sz="1600" dirty="0"/>
-                    </a:p>
-                  </a:txBody>
-                  <a:tcPr/>
-                </a:tc>
-                <a:tc>
-                  <a:txBody>
-                    <a:bodyPr/>
-                    <a:lstStyle/>
-                    <a:p>
-                      <a:pPr algn="ctr"/>
-                      <a:r>
-                        <a:rPr lang="en-IN" sz="1600" dirty="0" smtClean="0"/>
-                        <a:t>107</a:t>
-                      </a:r>
-                      <a:endParaRPr lang="en-IN" sz="1600" dirty="0"/>
-                    </a:p>
-                  </a:txBody>
-                  <a:tcPr/>
-                </a:tc>
-                <a:tc>
-                  <a:txBody>
-                    <a:bodyPr/>
-                    <a:lstStyle/>
-                    <a:p>
-                      <a:pPr algn="ctr"/>
-                      <a:r>
-                        <a:rPr lang="en-IN" sz="1600" dirty="0" smtClean="0"/>
-                        <a:t>150</a:t>
-                      </a:r>
-                      <a:endParaRPr lang="en-IN" sz="1600" dirty="0"/>
-                    </a:p>
-                  </a:txBody>
-                  <a:tcPr/>
-                </a:tc>
-                <a:tc>
-                  <a:txBody>
-                    <a:bodyPr/>
-                    <a:lstStyle/>
-                    <a:p>
-                      <a:pPr algn="ctr"/>
-                      <a:r>
-                        <a:rPr lang="en-IN" sz="1600" dirty="0" smtClean="0"/>
-                        <a:t>52</a:t>
-                      </a:r>
-                      <a:endParaRPr lang="en-IN" sz="1600" dirty="0"/>
+                      <a:r>
+                        <a:rPr lang="en-IN" baseline="0" dirty="0" smtClean="0"/>
+                        <a:t> vs Arrival</a:t>
+                      </a:r>
+                      <a:endParaRPr lang="en-IN" dirty="0"/>
+                    </a:p>
+                  </a:txBody>
+                  <a:tcPr/>
+                </a:tc>
+                <a:tc>
+                  <a:txBody>
+                    <a:bodyPr/>
+                    <a:lstStyle/>
+                    <a:p>
+                      <a:pPr algn="ctr"/>
+                      <a:r>
+                        <a:rPr lang="en-IN" dirty="0" smtClean="0"/>
+                        <a:t>332</a:t>
+                      </a:r>
+                      <a:endParaRPr lang="en-IN" dirty="0"/>
+                    </a:p>
+                  </a:txBody>
+                  <a:tcPr/>
+                </a:tc>
+                <a:tc>
+                  <a:txBody>
+                    <a:bodyPr/>
+                    <a:lstStyle/>
+                    <a:p>
+                      <a:pPr algn="ctr"/>
+                      <a:r>
+                        <a:rPr lang="en-IN" dirty="0" smtClean="0"/>
+                        <a:t>168</a:t>
+                      </a:r>
+                      <a:endParaRPr lang="en-IN" dirty="0"/>
+                    </a:p>
+                  </a:txBody>
+                  <a:tcPr/>
+                </a:tc>
+                <a:tc>
+                  <a:txBody>
+                    <a:bodyPr/>
+                    <a:lstStyle/>
+                    <a:p>
+                      <a:pPr algn="ctr"/>
+                      <a:r>
+                        <a:rPr lang="en-IN" dirty="0" smtClean="0"/>
+                        <a:t>164</a:t>
+                      </a:r>
+                      <a:endParaRPr lang="en-IN" dirty="0"/>
+                    </a:p>
+                  </a:txBody>
+                  <a:tcPr/>
+                </a:tc>
+                <a:tc>
+                  <a:txBody>
+                    <a:bodyPr/>
+                    <a:lstStyle/>
+                    <a:p>
+                      <a:pPr algn="ctr"/>
+                      <a:r>
+                        <a:rPr lang="en-IN" dirty="0" smtClean="0"/>
+                        <a:t>29</a:t>
+                      </a:r>
+                      <a:endParaRPr lang="en-IN" dirty="0"/>
+                    </a:p>
+                  </a:txBody>
+                  <a:tcPr/>
+                </a:tc>
+                <a:tc>
+                  <a:txBody>
+                    <a:bodyPr/>
+                    <a:lstStyle/>
+                    <a:p>
+                      <a:pPr algn="ctr"/>
+                      <a:r>
+                        <a:rPr lang="en-IN" dirty="0" smtClean="0"/>
+                        <a:t>7 (24.13%)</a:t>
+                      </a:r>
+                      <a:endParaRPr lang="en-IN" dirty="0"/>
                     </a:p>
                   </a:txBody>
                   <a:tcPr/>
@@ -12188,7 +11951,7 @@
     </p:spTree>
     <p:extLst>
       <p:ext uri="{BB962C8B-B14F-4D97-AF65-F5344CB8AC3E}">
-        <p14:creationId xmlns:p14="http://schemas.microsoft.com/office/powerpoint/2010/main" val="3509574214"/>
+        <p14:creationId xmlns:p14="http://schemas.microsoft.com/office/powerpoint/2010/main" val="511668615"/>
       </p:ext>
     </p:extLst>
   </p:cSld>
@@ -12232,625 +11995,6 @@
             <p:ph type="title"/>
           </p:nvPr>
         </p:nvSpPr>
-        <p:spPr>
-          <a:xfrm>
-            <a:off x="400318" y="231820"/>
-            <a:ext cx="10515600" cy="1325563"/>
-          </a:xfrm>
-        </p:spPr>
-        <p:txBody>
-          <a:bodyPr/>
-          <a:lstStyle/>
-          <a:p>
-            <a:r>
-              <a:rPr lang="en-IN" dirty="0" smtClean="0"/>
-              <a:t>Detailed </a:t>
-            </a:r>
-            <a:r>
-              <a:rPr lang="en-IN" dirty="0"/>
-              <a:t>R</a:t>
-            </a:r>
-            <a:r>
-              <a:rPr lang="en-IN" dirty="0" smtClean="0"/>
-              <a:t>esults for Mumbai</a:t>
-            </a:r>
-            <a:endParaRPr lang="en-IN" dirty="0"/>
-          </a:p>
-        </p:txBody>
-      </p:sp>
-      <p:graphicFrame>
-        <p:nvGraphicFramePr>
-          <p:cNvPr id="5" name="Content Placeholder 4"/>
-          <p:cNvGraphicFramePr>
-            <a:graphicFrameLocks noGrp="1"/>
-          </p:cNvGraphicFramePr>
-          <p:nvPr>
-            <p:ph idx="1"/>
-            <p:extLst>
-              <p:ext uri="{D42A27DB-BD31-4B8C-83A1-F6EECF244321}">
-                <p14:modId xmlns:p14="http://schemas.microsoft.com/office/powerpoint/2010/main" val="505772239"/>
-              </p:ext>
-            </p:extLst>
-          </p:nvPr>
-        </p:nvGraphicFramePr>
-        <p:xfrm>
-          <a:off x="838200" y="1825625"/>
-          <a:ext cx="10515600" cy="3479800"/>
-        </p:xfrm>
-        <a:graphic>
-          <a:graphicData uri="http://schemas.openxmlformats.org/drawingml/2006/table">
-            <a:tbl>
-              <a:tblPr firstRow="1" bandRow="1">
-                <a:tableStyleId>{5C22544A-7EE6-4342-B048-85BDC9FD1C3A}</a:tableStyleId>
-              </a:tblPr>
-              <a:tblGrid>
-                <a:gridCol w="1752600"/>
-                <a:gridCol w="1752600"/>
-                <a:gridCol w="1752600"/>
-                <a:gridCol w="1752600"/>
-                <a:gridCol w="1752600"/>
-                <a:gridCol w="1752600"/>
-              </a:tblGrid>
-              <a:tr h="370840">
-                <a:tc>
-                  <a:txBody>
-                    <a:bodyPr/>
-                    <a:lstStyle/>
-                    <a:p>
-                      <a:pPr algn="ctr"/>
-                      <a:endParaRPr lang="en-IN" dirty="0"/>
-                    </a:p>
-                  </a:txBody>
-                  <a:tcPr/>
-                </a:tc>
-                <a:tc>
-                  <a:txBody>
-                    <a:bodyPr/>
-                    <a:lstStyle/>
-                    <a:p>
-                      <a:pPr algn="ctr"/>
-                      <a:r>
-                        <a:rPr lang="en-IN" dirty="0" smtClean="0"/>
-                        <a:t>Anomalies</a:t>
-                      </a:r>
-                    </a:p>
-                    <a:p>
-                      <a:pPr algn="ctr"/>
-                      <a:r>
-                        <a:rPr lang="en-IN" dirty="0" smtClean="0"/>
-                        <a:t>Reported</a:t>
-                      </a:r>
-                      <a:endParaRPr lang="en-IN" dirty="0"/>
-                    </a:p>
-                  </a:txBody>
-                  <a:tcPr/>
-                </a:tc>
-                <a:tc>
-                  <a:txBody>
-                    <a:bodyPr/>
-                    <a:lstStyle/>
-                    <a:p>
-                      <a:pPr algn="ctr"/>
-                      <a:r>
-                        <a:rPr lang="en-IN" dirty="0" smtClean="0"/>
-                        <a:t>Anomalies </a:t>
-                      </a:r>
-                    </a:p>
-                    <a:p>
-                      <a:pPr algn="ctr"/>
-                      <a:r>
-                        <a:rPr lang="en-IN" dirty="0" smtClean="0"/>
-                        <a:t>Matched</a:t>
-                      </a:r>
-                      <a:endParaRPr lang="en-IN" dirty="0"/>
-                    </a:p>
-                  </a:txBody>
-                  <a:tcPr/>
-                </a:tc>
-                <a:tc>
-                  <a:txBody>
-                    <a:bodyPr/>
-                    <a:lstStyle/>
-                    <a:p>
-                      <a:pPr algn="ctr"/>
-                      <a:r>
-                        <a:rPr lang="en-IN" dirty="0" smtClean="0"/>
-                        <a:t>Anomalies</a:t>
-                      </a:r>
-                    </a:p>
-                    <a:p>
-                      <a:pPr algn="ctr"/>
-                      <a:r>
-                        <a:rPr lang="en-IN" dirty="0" smtClean="0"/>
-                        <a:t>Not</a:t>
-                      </a:r>
-                      <a:r>
-                        <a:rPr lang="en-IN" baseline="0" dirty="0" smtClean="0"/>
-                        <a:t> Matched</a:t>
-                      </a:r>
-                    </a:p>
-                    <a:p>
-                      <a:pPr algn="ctr"/>
-                      <a:r>
-                        <a:rPr lang="en-IN" baseline="0" dirty="0" smtClean="0"/>
-                        <a:t>With Any Article</a:t>
-                      </a:r>
-                      <a:endParaRPr lang="en-IN" dirty="0"/>
-                    </a:p>
-                  </a:txBody>
-                  <a:tcPr/>
-                </a:tc>
-                <a:tc>
-                  <a:txBody>
-                    <a:bodyPr/>
-                    <a:lstStyle/>
-                    <a:p>
-                      <a:pPr algn="ctr"/>
-                      <a:r>
-                        <a:rPr lang="en-IN" dirty="0" smtClean="0"/>
-                        <a:t>Articles </a:t>
-                      </a:r>
-                    </a:p>
-                    <a:p>
-                      <a:pPr algn="ctr"/>
-                      <a:r>
-                        <a:rPr lang="en-IN" dirty="0" smtClean="0"/>
-                        <a:t>Not</a:t>
-                      </a:r>
-                    </a:p>
-                    <a:p>
-                      <a:pPr algn="ctr"/>
-                      <a:r>
-                        <a:rPr lang="en-IN" dirty="0" smtClean="0"/>
-                        <a:t>Matched</a:t>
-                      </a:r>
-                      <a:endParaRPr lang="en-IN" dirty="0"/>
-                    </a:p>
-                  </a:txBody>
-                  <a:tcPr/>
-                </a:tc>
-                <a:tc>
-                  <a:txBody>
-                    <a:bodyPr/>
-                    <a:lstStyle/>
-                    <a:p>
-                      <a:r>
-                        <a:rPr lang="en-IN" dirty="0" smtClean="0"/>
-                        <a:t>Articles not matched</a:t>
-                      </a:r>
-                      <a:r>
-                        <a:rPr lang="en-IN" baseline="0" dirty="0" smtClean="0"/>
-                        <a:t> which stated traders’ nexus as reason</a:t>
-                      </a:r>
-                      <a:endParaRPr lang="en-IN" dirty="0" smtClean="0"/>
-                    </a:p>
-                  </a:txBody>
-                  <a:tcPr/>
-                </a:tc>
-              </a:tr>
-              <a:tr h="370840">
-                <a:tc>
-                  <a:txBody>
-                    <a:bodyPr/>
-                    <a:lstStyle/>
-                    <a:p>
-                      <a:pPr algn="ctr"/>
-                      <a:r>
-                        <a:rPr lang="en-IN" dirty="0" smtClean="0"/>
-                        <a:t>Retail vs Average Retail</a:t>
-                      </a:r>
-                      <a:endParaRPr lang="en-IN" dirty="0"/>
-                    </a:p>
-                  </a:txBody>
-                  <a:tcPr/>
-                </a:tc>
-                <a:tc>
-                  <a:txBody>
-                    <a:bodyPr/>
-                    <a:lstStyle/>
-                    <a:p>
-                      <a:pPr algn="ctr"/>
-                      <a:r>
-                        <a:rPr lang="en-IN" dirty="0" smtClean="0"/>
-                        <a:t>125</a:t>
-                      </a:r>
-                      <a:endParaRPr lang="en-IN" dirty="0"/>
-                    </a:p>
-                  </a:txBody>
-                  <a:tcPr/>
-                </a:tc>
-                <a:tc>
-                  <a:txBody>
-                    <a:bodyPr/>
-                    <a:lstStyle/>
-                    <a:p>
-                      <a:pPr algn="ctr"/>
-                      <a:r>
-                        <a:rPr lang="en-IN" dirty="0" smtClean="0"/>
-                        <a:t>64</a:t>
-                      </a:r>
-                      <a:endParaRPr lang="en-IN" dirty="0"/>
-                    </a:p>
-                  </a:txBody>
-                  <a:tcPr/>
-                </a:tc>
-                <a:tc>
-                  <a:txBody>
-                    <a:bodyPr/>
-                    <a:lstStyle/>
-                    <a:p>
-                      <a:pPr algn="ctr"/>
-                      <a:r>
-                        <a:rPr lang="en-IN" dirty="0" smtClean="0"/>
-                        <a:t>61</a:t>
-                      </a:r>
-                      <a:endParaRPr lang="en-IN" dirty="0"/>
-                    </a:p>
-                  </a:txBody>
-                  <a:tcPr/>
-                </a:tc>
-                <a:tc>
-                  <a:txBody>
-                    <a:bodyPr/>
-                    <a:lstStyle/>
-                    <a:p>
-                      <a:pPr algn="ctr"/>
-                      <a:r>
-                        <a:rPr lang="en-IN" dirty="0" smtClean="0"/>
-                        <a:t>49</a:t>
-                      </a:r>
-                      <a:endParaRPr lang="en-IN" dirty="0"/>
-                    </a:p>
-                  </a:txBody>
-                  <a:tcPr/>
-                </a:tc>
-                <a:tc>
-                  <a:txBody>
-                    <a:bodyPr/>
-                    <a:lstStyle/>
-                    <a:p>
-                      <a:pPr algn="ctr"/>
-                      <a:r>
-                        <a:rPr lang="en-IN" dirty="0" smtClean="0"/>
-                        <a:t>12 (24.49%)</a:t>
-                      </a:r>
-                      <a:endParaRPr lang="en-IN" dirty="0"/>
-                    </a:p>
-                  </a:txBody>
-                  <a:tcPr/>
-                </a:tc>
-              </a:tr>
-              <a:tr h="370840">
-                <a:tc>
-                  <a:txBody>
-                    <a:bodyPr/>
-                    <a:lstStyle/>
-                    <a:p>
-                      <a:pPr algn="ctr"/>
-                      <a:r>
-                        <a:rPr lang="en-IN" dirty="0" smtClean="0"/>
-                        <a:t>Retail vs Arrival</a:t>
-                      </a:r>
-                      <a:endParaRPr lang="en-IN" dirty="0"/>
-                    </a:p>
-                  </a:txBody>
-                  <a:tcPr/>
-                </a:tc>
-                <a:tc>
-                  <a:txBody>
-                    <a:bodyPr/>
-                    <a:lstStyle/>
-                    <a:p>
-                      <a:pPr algn="ctr"/>
-                      <a:r>
-                        <a:rPr lang="en-IN" dirty="0" smtClean="0"/>
-                        <a:t>323</a:t>
-                      </a:r>
-                      <a:endParaRPr lang="en-IN" dirty="0"/>
-                    </a:p>
-                  </a:txBody>
-                  <a:tcPr/>
-                </a:tc>
-                <a:tc>
-                  <a:txBody>
-                    <a:bodyPr/>
-                    <a:lstStyle/>
-                    <a:p>
-                      <a:pPr algn="ctr"/>
-                      <a:r>
-                        <a:rPr lang="en-IN" dirty="0" smtClean="0"/>
-                        <a:t>153</a:t>
-                      </a:r>
-                      <a:endParaRPr lang="en-IN" dirty="0"/>
-                    </a:p>
-                  </a:txBody>
-                  <a:tcPr/>
-                </a:tc>
-                <a:tc>
-                  <a:txBody>
-                    <a:bodyPr/>
-                    <a:lstStyle/>
-                    <a:p>
-                      <a:pPr algn="ctr"/>
-                      <a:r>
-                        <a:rPr lang="en-IN" dirty="0" smtClean="0"/>
-                        <a:t>170</a:t>
-                      </a:r>
-                      <a:endParaRPr lang="en-IN" dirty="0"/>
-                    </a:p>
-                  </a:txBody>
-                  <a:tcPr/>
-                </a:tc>
-                <a:tc>
-                  <a:txBody>
-                    <a:bodyPr/>
-                    <a:lstStyle/>
-                    <a:p>
-                      <a:pPr algn="ctr"/>
-                      <a:r>
-                        <a:rPr lang="en-IN" dirty="0" smtClean="0"/>
-                        <a:t>33</a:t>
-                      </a:r>
-                      <a:endParaRPr lang="en-IN" dirty="0"/>
-                    </a:p>
-                  </a:txBody>
-                  <a:tcPr/>
-                </a:tc>
-                <a:tc>
-                  <a:txBody>
-                    <a:bodyPr/>
-                    <a:lstStyle/>
-                    <a:p>
-                      <a:pPr algn="ctr"/>
-                      <a:r>
-                        <a:rPr lang="en-IN" dirty="0" smtClean="0"/>
-                        <a:t>9 (27.27%)</a:t>
-                      </a:r>
-                      <a:endParaRPr lang="en-IN" dirty="0"/>
-                    </a:p>
-                  </a:txBody>
-                  <a:tcPr/>
-                </a:tc>
-              </a:tr>
-              <a:tr h="370840">
-                <a:tc>
-                  <a:txBody>
-                    <a:bodyPr/>
-                    <a:lstStyle/>
-                    <a:p>
-                      <a:pPr algn="ctr"/>
-                      <a:r>
-                        <a:rPr lang="en-IN" dirty="0" smtClean="0"/>
-                        <a:t>Retail vs Wholesale</a:t>
-                      </a:r>
-                      <a:endParaRPr lang="en-IN" dirty="0"/>
-                    </a:p>
-                  </a:txBody>
-                  <a:tcPr/>
-                </a:tc>
-                <a:tc>
-                  <a:txBody>
-                    <a:bodyPr/>
-                    <a:lstStyle/>
-                    <a:p>
-                      <a:pPr algn="ctr"/>
-                      <a:r>
-                        <a:rPr lang="en-IN" dirty="0" smtClean="0"/>
-                        <a:t>160</a:t>
-                      </a:r>
-                      <a:endParaRPr lang="en-IN" dirty="0"/>
-                    </a:p>
-                  </a:txBody>
-                  <a:tcPr/>
-                </a:tc>
-                <a:tc>
-                  <a:txBody>
-                    <a:bodyPr/>
-                    <a:lstStyle/>
-                    <a:p>
-                      <a:pPr algn="ctr"/>
-                      <a:r>
-                        <a:rPr lang="en-IN" dirty="0" smtClean="0"/>
-                        <a:t>52</a:t>
-                      </a:r>
-                      <a:endParaRPr lang="en-IN" dirty="0"/>
-                    </a:p>
-                  </a:txBody>
-                  <a:tcPr/>
-                </a:tc>
-                <a:tc>
-                  <a:txBody>
-                    <a:bodyPr/>
-                    <a:lstStyle/>
-                    <a:p>
-                      <a:pPr algn="ctr"/>
-                      <a:r>
-                        <a:rPr lang="en-IN" dirty="0" smtClean="0"/>
-                        <a:t>108</a:t>
-                      </a:r>
-                      <a:endParaRPr lang="en-IN" dirty="0"/>
-                    </a:p>
-                  </a:txBody>
-                  <a:tcPr/>
-                </a:tc>
-                <a:tc>
-                  <a:txBody>
-                    <a:bodyPr/>
-                    <a:lstStyle/>
-                    <a:p>
-                      <a:pPr algn="ctr"/>
-                      <a:r>
-                        <a:rPr lang="en-IN" dirty="0" smtClean="0"/>
-                        <a:t>52</a:t>
-                      </a:r>
-                      <a:endParaRPr lang="en-IN" dirty="0"/>
-                    </a:p>
-                  </a:txBody>
-                  <a:tcPr/>
-                </a:tc>
-                <a:tc>
-                  <a:txBody>
-                    <a:bodyPr/>
-                    <a:lstStyle/>
-                    <a:p>
-                      <a:pPr algn="ctr"/>
-                      <a:r>
-                        <a:rPr lang="en-IN" dirty="0" smtClean="0"/>
-                        <a:t>14 (26.92%)</a:t>
-                      </a:r>
-                      <a:endParaRPr lang="en-IN" dirty="0"/>
-                    </a:p>
-                  </a:txBody>
-                  <a:tcPr/>
-                </a:tc>
-              </a:tr>
-              <a:tr h="370840">
-                <a:tc>
-                  <a:txBody>
-                    <a:bodyPr/>
-                    <a:lstStyle/>
-                    <a:p>
-                      <a:pPr algn="ctr"/>
-                      <a:r>
-                        <a:rPr lang="en-IN" dirty="0" smtClean="0"/>
-                        <a:t>Wholesale</a:t>
-                      </a:r>
-                      <a:r>
-                        <a:rPr lang="en-IN" baseline="0" dirty="0" smtClean="0"/>
-                        <a:t> vs Arrival</a:t>
-                      </a:r>
-                      <a:endParaRPr lang="en-IN" dirty="0"/>
-                    </a:p>
-                  </a:txBody>
-                  <a:tcPr/>
-                </a:tc>
-                <a:tc>
-                  <a:txBody>
-                    <a:bodyPr/>
-                    <a:lstStyle/>
-                    <a:p>
-                      <a:pPr algn="ctr"/>
-                      <a:r>
-                        <a:rPr lang="en-IN" dirty="0" smtClean="0"/>
-                        <a:t>332</a:t>
-                      </a:r>
-                      <a:endParaRPr lang="en-IN" dirty="0"/>
-                    </a:p>
-                  </a:txBody>
-                  <a:tcPr/>
-                </a:tc>
-                <a:tc>
-                  <a:txBody>
-                    <a:bodyPr/>
-                    <a:lstStyle/>
-                    <a:p>
-                      <a:pPr algn="ctr"/>
-                      <a:r>
-                        <a:rPr lang="en-IN" dirty="0" smtClean="0"/>
-                        <a:t>168</a:t>
-                      </a:r>
-                      <a:endParaRPr lang="en-IN" dirty="0"/>
-                    </a:p>
-                  </a:txBody>
-                  <a:tcPr/>
-                </a:tc>
-                <a:tc>
-                  <a:txBody>
-                    <a:bodyPr/>
-                    <a:lstStyle/>
-                    <a:p>
-                      <a:pPr algn="ctr"/>
-                      <a:r>
-                        <a:rPr lang="en-IN" dirty="0" smtClean="0"/>
-                        <a:t>164</a:t>
-                      </a:r>
-                      <a:endParaRPr lang="en-IN" dirty="0"/>
-                    </a:p>
-                  </a:txBody>
-                  <a:tcPr/>
-                </a:tc>
-                <a:tc>
-                  <a:txBody>
-                    <a:bodyPr/>
-                    <a:lstStyle/>
-                    <a:p>
-                      <a:pPr algn="ctr"/>
-                      <a:r>
-                        <a:rPr lang="en-IN" dirty="0" smtClean="0"/>
-                        <a:t>29</a:t>
-                      </a:r>
-                      <a:endParaRPr lang="en-IN" dirty="0"/>
-                    </a:p>
-                  </a:txBody>
-                  <a:tcPr/>
-                </a:tc>
-                <a:tc>
-                  <a:txBody>
-                    <a:bodyPr/>
-                    <a:lstStyle/>
-                    <a:p>
-                      <a:pPr algn="ctr"/>
-                      <a:r>
-                        <a:rPr lang="en-IN" dirty="0" smtClean="0"/>
-                        <a:t>7 (24.13%)</a:t>
-                      </a:r>
-                      <a:endParaRPr lang="en-IN" dirty="0"/>
-                    </a:p>
-                  </a:txBody>
-                  <a:tcPr/>
-                </a:tc>
-              </a:tr>
-            </a:tbl>
-          </a:graphicData>
-        </a:graphic>
-      </p:graphicFrame>
-    </p:spTree>
-    <p:extLst>
-      <p:ext uri="{BB962C8B-B14F-4D97-AF65-F5344CB8AC3E}">
-        <p14:creationId xmlns:p14="http://schemas.microsoft.com/office/powerpoint/2010/main" val="511668615"/>
-      </p:ext>
-    </p:extLst>
-  </p:cSld>
-  <p:clrMapOvr>
-    <a:masterClrMapping/>
-  </p:clrMapOvr>
-  <p:timing>
-    <p:tnLst>
-      <p:par>
-        <p:cTn id="1" dur="indefinite" restart="never" nodeType="tmRoot"/>
-      </p:par>
-    </p:tnLst>
-  </p:timing>
-</p:sld>
-</file>
-
-<file path=ppt/slides/slide16.xml><?xml version="1.0" encoding="utf-8"?>
-<p:sld xmlns:a="http://schemas.openxmlformats.org/drawingml/2006/main" xmlns:r="http://schemas.openxmlformats.org/officeDocument/2006/relationships" xmlns:p="http://schemas.openxmlformats.org/presentationml/2006/main">
-  <p:cSld>
-    <p:spTree>
-      <p:nvGrpSpPr>
-        <p:cNvPr id="1" name=""/>
-        <p:cNvGrpSpPr/>
-        <p:nvPr/>
-      </p:nvGrpSpPr>
-      <p:grpSpPr>
-        <a:xfrm>
-          <a:off x="0" y="0"/>
-          <a:ext cx="0" cy="0"/>
-          <a:chOff x="0" y="0"/>
-          <a:chExt cx="0" cy="0"/>
-        </a:xfrm>
-      </p:grpSpPr>
-      <p:sp>
-        <p:nvSpPr>
-          <p:cNvPr id="2" name="Title 1"/>
-          <p:cNvSpPr>
-            <a:spLocks noGrp="1"/>
-          </p:cNvSpPr>
-          <p:nvPr>
-            <p:ph type="title"/>
-          </p:nvPr>
-        </p:nvSpPr>
         <p:spPr/>
         <p:txBody>
           <a:bodyPr/>
@@ -12858,7 +12002,7 @@
           <a:p>
             <a:r>
               <a:rPr lang="en-IN" dirty="0" smtClean="0"/>
-              <a:t>Findings</a:t>
+              <a:t>Findings – Matched Anomaly</a:t>
             </a:r>
             <a:endParaRPr lang="en-IN" dirty="0"/>
           </a:p>
@@ -12887,14 +12031,13 @@
           <a:lstStyle/>
           <a:p>
             <a:r>
-              <a:rPr lang="en-IN" dirty="0" smtClean="0"/>
+              <a:rPr lang="en-IN" b="0" dirty="0" smtClean="0"/>
               <a:t>Delhi- </a:t>
             </a:r>
             <a:r>
               <a:rPr lang="en-IN" b="0" dirty="0"/>
               <a:t>29-Jun-2014 to 06-July-2014</a:t>
             </a:r>
-            <a:endParaRPr lang="en-IN" dirty="0"/>
           </a:p>
         </p:txBody>
       </p:sp>
@@ -12974,6 +12117,36 @@
           </a:prstGeom>
         </p:spPr>
       </p:pic>
+      <p:sp>
+        <p:nvSpPr>
+          <p:cNvPr id="3" name="TextBox 2"/>
+          <p:cNvSpPr txBox="1"/>
+          <p:nvPr/>
+        </p:nvSpPr>
+        <p:spPr>
+          <a:xfrm>
+            <a:off x="1777287" y="6336404"/>
+            <a:ext cx="3765326" cy="369332"/>
+          </a:xfrm>
+          <a:prstGeom prst="rect">
+            <a:avLst/>
+          </a:prstGeom>
+          <a:noFill/>
+        </p:spPr>
+        <p:txBody>
+          <a:bodyPr wrap="none" rtlCol="0">
+            <a:spAutoFit/>
+          </a:bodyPr>
+          <a:lstStyle/>
+          <a:p>
+            <a:r>
+              <a:rPr lang="en-IN" dirty="0" smtClean="0"/>
+              <a:t>Retail Price vs Arrival Result by System</a:t>
+            </a:r>
+            <a:endParaRPr lang="en-IN" dirty="0"/>
+          </a:p>
+        </p:txBody>
+      </p:sp>
     </p:spTree>
     <p:extLst>
       <p:ext uri="{BB962C8B-B14F-4D97-AF65-F5344CB8AC3E}">
@@ -12994,7 +12167,7 @@
 </p:sld>
 </file>
 
-<file path=ppt/slides/slide17.xml><?xml version="1.0" encoding="utf-8"?>
+<file path=ppt/slides/slide16.xml><?xml version="1.0" encoding="utf-8"?>
 <p:sld xmlns:a="http://schemas.openxmlformats.org/drawingml/2006/main" xmlns:r="http://schemas.openxmlformats.org/officeDocument/2006/relationships" xmlns:p="http://schemas.openxmlformats.org/presentationml/2006/main">
   <p:cSld>
     <p:spTree>
@@ -13028,7 +12201,7 @@
           <a:p>
             <a:r>
               <a:rPr lang="en-IN" dirty="0" smtClean="0"/>
-              <a:t>Findings</a:t>
+              <a:t>Findings – Local Anomaly</a:t>
             </a:r>
             <a:endParaRPr lang="en-IN" dirty="0"/>
           </a:p>
@@ -13052,15 +12225,14 @@
         </p:spPr>
         <p:txBody>
           <a:bodyPr>
-            <a:normAutofit lnSpcReduction="10000"/>
+            <a:normAutofit/>
           </a:bodyPr>
           <a:lstStyle/>
           <a:p>
             <a:r>
-              <a:rPr lang="en-IN" dirty="0" smtClean="0"/>
+              <a:rPr lang="en-IN" sz="2200" b="0" dirty="0"/>
               <a:t>Delhi- 07-Jan-2013 to 08-Jan-2013</a:t>
             </a:r>
-            <a:endParaRPr lang="en-IN" dirty="0"/>
           </a:p>
         </p:txBody>
       </p:sp>
@@ -13114,10 +12286,349 @@
           </a:prstGeom>
         </p:spPr>
       </p:pic>
+      <p:sp>
+        <p:nvSpPr>
+          <p:cNvPr id="6" name="TextBox 5"/>
+          <p:cNvSpPr txBox="1"/>
+          <p:nvPr/>
+        </p:nvSpPr>
+        <p:spPr>
+          <a:xfrm>
+            <a:off x="1777287" y="6336404"/>
+            <a:ext cx="3765326" cy="369332"/>
+          </a:xfrm>
+          <a:prstGeom prst="rect">
+            <a:avLst/>
+          </a:prstGeom>
+          <a:noFill/>
+        </p:spPr>
+        <p:txBody>
+          <a:bodyPr wrap="none" rtlCol="0">
+            <a:spAutoFit/>
+          </a:bodyPr>
+          <a:lstStyle/>
+          <a:p>
+            <a:r>
+              <a:rPr lang="en-IN" dirty="0" smtClean="0"/>
+              <a:t>Retail Price vs Arrival Result by System</a:t>
+            </a:r>
+            <a:endParaRPr lang="en-IN" dirty="0"/>
+          </a:p>
+        </p:txBody>
+      </p:sp>
     </p:spTree>
     <p:extLst>
       <p:ext uri="{BB962C8B-B14F-4D97-AF65-F5344CB8AC3E}">
         <p14:creationId xmlns:p14="http://schemas.microsoft.com/office/powerpoint/2010/main" val="3336448848"/>
+      </p:ext>
+    </p:extLst>
+  </p:cSld>
+  <p:clrMapOvr>
+    <a:masterClrMapping/>
+  </p:clrMapOvr>
+  <p:timing>
+    <p:tnLst>
+      <p:par>
+        <p:cTn id="1" dur="indefinite" restart="never" nodeType="tmRoot"/>
+      </p:par>
+    </p:tnLst>
+  </p:timing>
+</p:sld>
+</file>
+
+<file path=ppt/slides/slide17.xml><?xml version="1.0" encoding="utf-8"?>
+<p:sld xmlns:a="http://schemas.openxmlformats.org/drawingml/2006/main" xmlns:r="http://schemas.openxmlformats.org/officeDocument/2006/relationships" xmlns:p="http://schemas.openxmlformats.org/presentationml/2006/main">
+  <p:cSld>
+    <p:spTree>
+      <p:nvGrpSpPr>
+        <p:cNvPr id="1" name=""/>
+        <p:cNvGrpSpPr/>
+        <p:nvPr/>
+      </p:nvGrpSpPr>
+      <p:grpSpPr>
+        <a:xfrm>
+          <a:off x="0" y="0"/>
+          <a:ext cx="0" cy="0"/>
+          <a:chOff x="0" y="0"/>
+          <a:chExt cx="0" cy="0"/>
+        </a:xfrm>
+      </p:grpSpPr>
+      <p:sp>
+        <p:nvSpPr>
+          <p:cNvPr id="2" name="Title 1"/>
+          <p:cNvSpPr>
+            <a:spLocks noGrp="1"/>
+          </p:cNvSpPr>
+          <p:nvPr>
+            <p:ph type="title"/>
+          </p:nvPr>
+        </p:nvSpPr>
+        <p:spPr/>
+        <p:txBody>
+          <a:bodyPr/>
+          <a:lstStyle/>
+          <a:p>
+            <a:r>
+              <a:rPr lang="en-IN" dirty="0" smtClean="0"/>
+              <a:t>Findings – Reported but Not Matched</a:t>
+            </a:r>
+            <a:endParaRPr lang="en-IN" dirty="0"/>
+          </a:p>
+        </p:txBody>
+      </p:sp>
+      <p:pic>
+        <p:nvPicPr>
+          <p:cNvPr id="8" name="Content Placeholder 7"/>
+          <p:cNvPicPr>
+            <a:picLocks noGrp="1" noChangeAspect="1"/>
+          </p:cNvPicPr>
+          <p:nvPr>
+            <p:ph idx="1"/>
+          </p:nvPr>
+        </p:nvPicPr>
+        <p:blipFill>
+          <a:blip r:embed="rId2"/>
+          <a:stretch>
+            <a:fillRect/>
+          </a:stretch>
+        </p:blipFill>
+        <p:spPr>
+          <a:xfrm>
+            <a:off x="2154340" y="1870881"/>
+            <a:ext cx="7883319" cy="4351338"/>
+          </a:xfrm>
+          <a:prstGeom prst="rect">
+            <a:avLst/>
+          </a:prstGeom>
+        </p:spPr>
+      </p:pic>
+      <p:sp>
+        <p:nvSpPr>
+          <p:cNvPr id="9" name="Text Placeholder 2"/>
+          <p:cNvSpPr txBox="1">
+            <a:spLocks/>
+          </p:cNvSpPr>
+          <p:nvPr/>
+        </p:nvSpPr>
+        <p:spPr>
+          <a:xfrm>
+            <a:off x="1019378" y="1351611"/>
+            <a:ext cx="10515600" cy="413855"/>
+          </a:xfrm>
+          <a:prstGeom prst="rect">
+            <a:avLst/>
+          </a:prstGeom>
+        </p:spPr>
+        <p:txBody>
+          <a:bodyPr vert="horz" lIns="91440" tIns="45720" rIns="91440" bIns="45720" rtlCol="0">
+            <a:normAutofit/>
+          </a:bodyPr>
+          <a:lstStyle>
+            <a:lvl1pPr marL="228600" indent="-228600" algn="l" defTabSz="914400" rtl="0" eaLnBrk="1" latinLnBrk="0" hangingPunct="1">
+              <a:lnSpc>
+                <a:spcPct val="90000"/>
+              </a:lnSpc>
+              <a:spcBef>
+                <a:spcPts val="1000"/>
+              </a:spcBef>
+              <a:buFont typeface="Arial" panose="020B0604020202020204" pitchFamily="34" charset="0"/>
+              <a:buChar char="•"/>
+              <a:defRPr sz="2800" kern="1200">
+                <a:solidFill>
+                  <a:schemeClr val="tx1"/>
+                </a:solidFill>
+                <a:latin typeface="+mn-lt"/>
+                <a:ea typeface="+mn-ea"/>
+                <a:cs typeface="+mn-cs"/>
+              </a:defRPr>
+            </a:lvl1pPr>
+            <a:lvl2pPr marL="685800" indent="-228600" algn="l" defTabSz="914400" rtl="0" eaLnBrk="1" latinLnBrk="0" hangingPunct="1">
+              <a:lnSpc>
+                <a:spcPct val="90000"/>
+              </a:lnSpc>
+              <a:spcBef>
+                <a:spcPts val="500"/>
+              </a:spcBef>
+              <a:buFont typeface="Arial" panose="020B0604020202020204" pitchFamily="34" charset="0"/>
+              <a:buChar char="•"/>
+              <a:defRPr sz="2400" kern="1200">
+                <a:solidFill>
+                  <a:schemeClr val="tx1"/>
+                </a:solidFill>
+                <a:latin typeface="+mn-lt"/>
+                <a:ea typeface="+mn-ea"/>
+                <a:cs typeface="+mn-cs"/>
+              </a:defRPr>
+            </a:lvl2pPr>
+            <a:lvl3pPr marL="1143000" indent="-228600" algn="l" defTabSz="914400" rtl="0" eaLnBrk="1" latinLnBrk="0" hangingPunct="1">
+              <a:lnSpc>
+                <a:spcPct val="90000"/>
+              </a:lnSpc>
+              <a:spcBef>
+                <a:spcPts val="500"/>
+              </a:spcBef>
+              <a:buFont typeface="Arial" panose="020B0604020202020204" pitchFamily="34" charset="0"/>
+              <a:buChar char="•"/>
+              <a:defRPr sz="2000" kern="1200">
+                <a:solidFill>
+                  <a:schemeClr val="tx1"/>
+                </a:solidFill>
+                <a:latin typeface="+mn-lt"/>
+                <a:ea typeface="+mn-ea"/>
+                <a:cs typeface="+mn-cs"/>
+              </a:defRPr>
+            </a:lvl3pPr>
+            <a:lvl4pPr marL="1600200" indent="-228600" algn="l" defTabSz="914400" rtl="0" eaLnBrk="1" latinLnBrk="0" hangingPunct="1">
+              <a:lnSpc>
+                <a:spcPct val="90000"/>
+              </a:lnSpc>
+              <a:spcBef>
+                <a:spcPts val="500"/>
+              </a:spcBef>
+              <a:buFont typeface="Arial" panose="020B0604020202020204" pitchFamily="34" charset="0"/>
+              <a:buChar char="•"/>
+              <a:defRPr sz="1800" kern="1200">
+                <a:solidFill>
+                  <a:schemeClr val="tx1"/>
+                </a:solidFill>
+                <a:latin typeface="+mn-lt"/>
+                <a:ea typeface="+mn-ea"/>
+                <a:cs typeface="+mn-cs"/>
+              </a:defRPr>
+            </a:lvl4pPr>
+            <a:lvl5pPr marL="2057400" indent="-228600" algn="l" defTabSz="914400" rtl="0" eaLnBrk="1" latinLnBrk="0" hangingPunct="1">
+              <a:lnSpc>
+                <a:spcPct val="90000"/>
+              </a:lnSpc>
+              <a:spcBef>
+                <a:spcPts val="500"/>
+              </a:spcBef>
+              <a:buFont typeface="Arial" panose="020B0604020202020204" pitchFamily="34" charset="0"/>
+              <a:buChar char="•"/>
+              <a:defRPr sz="1800" kern="1200">
+                <a:solidFill>
+                  <a:schemeClr val="tx1"/>
+                </a:solidFill>
+                <a:latin typeface="+mn-lt"/>
+                <a:ea typeface="+mn-ea"/>
+                <a:cs typeface="+mn-cs"/>
+              </a:defRPr>
+            </a:lvl5pPr>
+            <a:lvl6pPr marL="2514600" indent="-228600" algn="l" defTabSz="914400" rtl="0" eaLnBrk="1" latinLnBrk="0" hangingPunct="1">
+              <a:lnSpc>
+                <a:spcPct val="90000"/>
+              </a:lnSpc>
+              <a:spcBef>
+                <a:spcPts val="500"/>
+              </a:spcBef>
+              <a:buFont typeface="Arial" panose="020B0604020202020204" pitchFamily="34" charset="0"/>
+              <a:buChar char="•"/>
+              <a:defRPr sz="1800" kern="1200">
+                <a:solidFill>
+                  <a:schemeClr val="tx1"/>
+                </a:solidFill>
+                <a:latin typeface="+mn-lt"/>
+                <a:ea typeface="+mn-ea"/>
+                <a:cs typeface="+mn-cs"/>
+              </a:defRPr>
+            </a:lvl6pPr>
+            <a:lvl7pPr marL="2971800" indent="-228600" algn="l" defTabSz="914400" rtl="0" eaLnBrk="1" latinLnBrk="0" hangingPunct="1">
+              <a:lnSpc>
+                <a:spcPct val="90000"/>
+              </a:lnSpc>
+              <a:spcBef>
+                <a:spcPts val="500"/>
+              </a:spcBef>
+              <a:buFont typeface="Arial" panose="020B0604020202020204" pitchFamily="34" charset="0"/>
+              <a:buChar char="•"/>
+              <a:defRPr sz="1800" kern="1200">
+                <a:solidFill>
+                  <a:schemeClr val="tx1"/>
+                </a:solidFill>
+                <a:latin typeface="+mn-lt"/>
+                <a:ea typeface="+mn-ea"/>
+                <a:cs typeface="+mn-cs"/>
+              </a:defRPr>
+            </a:lvl7pPr>
+            <a:lvl8pPr marL="3429000" indent="-228600" algn="l" defTabSz="914400" rtl="0" eaLnBrk="1" latinLnBrk="0" hangingPunct="1">
+              <a:lnSpc>
+                <a:spcPct val="90000"/>
+              </a:lnSpc>
+              <a:spcBef>
+                <a:spcPts val="500"/>
+              </a:spcBef>
+              <a:buFont typeface="Arial" panose="020B0604020202020204" pitchFamily="34" charset="0"/>
+              <a:buChar char="•"/>
+              <a:defRPr sz="1800" kern="1200">
+                <a:solidFill>
+                  <a:schemeClr val="tx1"/>
+                </a:solidFill>
+                <a:latin typeface="+mn-lt"/>
+                <a:ea typeface="+mn-ea"/>
+                <a:cs typeface="+mn-cs"/>
+              </a:defRPr>
+            </a:lvl8pPr>
+            <a:lvl9pPr marL="3886200" indent="-228600" algn="l" defTabSz="914400" rtl="0" eaLnBrk="1" latinLnBrk="0" hangingPunct="1">
+              <a:lnSpc>
+                <a:spcPct val="90000"/>
+              </a:lnSpc>
+              <a:spcBef>
+                <a:spcPts val="500"/>
+              </a:spcBef>
+              <a:buFont typeface="Arial" panose="020B0604020202020204" pitchFamily="34" charset="0"/>
+              <a:buChar char="•"/>
+              <a:defRPr sz="1800" kern="1200">
+                <a:solidFill>
+                  <a:schemeClr val="tx1"/>
+                </a:solidFill>
+                <a:latin typeface="+mn-lt"/>
+                <a:ea typeface="+mn-ea"/>
+                <a:cs typeface="+mn-cs"/>
+              </a:defRPr>
+            </a:lvl9pPr>
+          </a:lstStyle>
+          <a:p>
+            <a:r>
+              <a:rPr lang="en-IN" sz="2200" dirty="0"/>
+              <a:t>Mumbai – 07-Nov-2010 to 01-Dec-2010</a:t>
+            </a:r>
+          </a:p>
+        </p:txBody>
+      </p:sp>
+      <p:sp>
+        <p:nvSpPr>
+          <p:cNvPr id="5" name="TextBox 4"/>
+          <p:cNvSpPr txBox="1"/>
+          <p:nvPr/>
+        </p:nvSpPr>
+        <p:spPr>
+          <a:xfrm>
+            <a:off x="4394515" y="6327634"/>
+            <a:ext cx="3765326" cy="369332"/>
+          </a:xfrm>
+          <a:prstGeom prst="rect">
+            <a:avLst/>
+          </a:prstGeom>
+          <a:noFill/>
+        </p:spPr>
+        <p:txBody>
+          <a:bodyPr wrap="none" rtlCol="0">
+            <a:spAutoFit/>
+          </a:bodyPr>
+          <a:lstStyle/>
+          <a:p>
+            <a:r>
+              <a:rPr lang="en-IN" dirty="0" smtClean="0"/>
+              <a:t>Retail Price vs Arrival Result by System</a:t>
+            </a:r>
+            <a:endParaRPr lang="en-IN" dirty="0"/>
+          </a:p>
+        </p:txBody>
+      </p:sp>
+    </p:spTree>
+    <p:extLst>
+      <p:ext uri="{BB962C8B-B14F-4D97-AF65-F5344CB8AC3E}">
+        <p14:creationId xmlns:p14="http://schemas.microsoft.com/office/powerpoint/2010/main" val="4054432474"/>
       </p:ext>
     </p:extLst>
   </p:cSld>
@@ -13151,6 +12662,320 @@
           <a:chExt cx="0" cy="0"/>
         </a:xfrm>
       </p:grpSpPr>
+      <p:pic>
+        <p:nvPicPr>
+          <p:cNvPr id="7" name="Content Placeholder 6"/>
+          <p:cNvPicPr>
+            <a:picLocks noGrp="1" noChangeAspect="1"/>
+          </p:cNvPicPr>
+          <p:nvPr>
+            <p:ph idx="1"/>
+          </p:nvPr>
+        </p:nvPicPr>
+        <p:blipFill>
+          <a:blip r:embed="rId2"/>
+          <a:stretch>
+            <a:fillRect/>
+          </a:stretch>
+        </p:blipFill>
+        <p:spPr>
+          <a:xfrm>
+            <a:off x="2162295" y="1882107"/>
+            <a:ext cx="7867410" cy="4351338"/>
+          </a:xfrm>
+          <a:prstGeom prst="rect">
+            <a:avLst/>
+          </a:prstGeom>
+        </p:spPr>
+      </p:pic>
+      <p:sp>
+        <p:nvSpPr>
+          <p:cNvPr id="10" name="Text Placeholder 2"/>
+          <p:cNvSpPr txBox="1">
+            <a:spLocks/>
+          </p:cNvSpPr>
+          <p:nvPr/>
+        </p:nvSpPr>
+        <p:spPr>
+          <a:xfrm>
+            <a:off x="838200" y="1307337"/>
+            <a:ext cx="10515600" cy="413855"/>
+          </a:xfrm>
+          <a:prstGeom prst="rect">
+            <a:avLst/>
+          </a:prstGeom>
+        </p:spPr>
+        <p:txBody>
+          <a:bodyPr vert="horz" lIns="91440" tIns="45720" rIns="91440" bIns="45720" rtlCol="0">
+            <a:normAutofit/>
+          </a:bodyPr>
+          <a:lstStyle>
+            <a:lvl1pPr marL="228600" indent="-228600" algn="l" defTabSz="914400" rtl="0" eaLnBrk="1" latinLnBrk="0" hangingPunct="1">
+              <a:lnSpc>
+                <a:spcPct val="90000"/>
+              </a:lnSpc>
+              <a:spcBef>
+                <a:spcPts val="1000"/>
+              </a:spcBef>
+              <a:buFont typeface="Arial" panose="020B0604020202020204" pitchFamily="34" charset="0"/>
+              <a:buChar char="•"/>
+              <a:defRPr sz="2800" kern="1200">
+                <a:solidFill>
+                  <a:schemeClr val="tx1"/>
+                </a:solidFill>
+                <a:latin typeface="+mn-lt"/>
+                <a:ea typeface="+mn-ea"/>
+                <a:cs typeface="+mn-cs"/>
+              </a:defRPr>
+            </a:lvl1pPr>
+            <a:lvl2pPr marL="685800" indent="-228600" algn="l" defTabSz="914400" rtl="0" eaLnBrk="1" latinLnBrk="0" hangingPunct="1">
+              <a:lnSpc>
+                <a:spcPct val="90000"/>
+              </a:lnSpc>
+              <a:spcBef>
+                <a:spcPts val="500"/>
+              </a:spcBef>
+              <a:buFont typeface="Arial" panose="020B0604020202020204" pitchFamily="34" charset="0"/>
+              <a:buChar char="•"/>
+              <a:defRPr sz="2400" kern="1200">
+                <a:solidFill>
+                  <a:schemeClr val="tx1"/>
+                </a:solidFill>
+                <a:latin typeface="+mn-lt"/>
+                <a:ea typeface="+mn-ea"/>
+                <a:cs typeface="+mn-cs"/>
+              </a:defRPr>
+            </a:lvl2pPr>
+            <a:lvl3pPr marL="1143000" indent="-228600" algn="l" defTabSz="914400" rtl="0" eaLnBrk="1" latinLnBrk="0" hangingPunct="1">
+              <a:lnSpc>
+                <a:spcPct val="90000"/>
+              </a:lnSpc>
+              <a:spcBef>
+                <a:spcPts val="500"/>
+              </a:spcBef>
+              <a:buFont typeface="Arial" panose="020B0604020202020204" pitchFamily="34" charset="0"/>
+              <a:buChar char="•"/>
+              <a:defRPr sz="2000" kern="1200">
+                <a:solidFill>
+                  <a:schemeClr val="tx1"/>
+                </a:solidFill>
+                <a:latin typeface="+mn-lt"/>
+                <a:ea typeface="+mn-ea"/>
+                <a:cs typeface="+mn-cs"/>
+              </a:defRPr>
+            </a:lvl3pPr>
+            <a:lvl4pPr marL="1600200" indent="-228600" algn="l" defTabSz="914400" rtl="0" eaLnBrk="1" latinLnBrk="0" hangingPunct="1">
+              <a:lnSpc>
+                <a:spcPct val="90000"/>
+              </a:lnSpc>
+              <a:spcBef>
+                <a:spcPts val="500"/>
+              </a:spcBef>
+              <a:buFont typeface="Arial" panose="020B0604020202020204" pitchFamily="34" charset="0"/>
+              <a:buChar char="•"/>
+              <a:defRPr sz="1800" kern="1200">
+                <a:solidFill>
+                  <a:schemeClr val="tx1"/>
+                </a:solidFill>
+                <a:latin typeface="+mn-lt"/>
+                <a:ea typeface="+mn-ea"/>
+                <a:cs typeface="+mn-cs"/>
+              </a:defRPr>
+            </a:lvl4pPr>
+            <a:lvl5pPr marL="2057400" indent="-228600" algn="l" defTabSz="914400" rtl="0" eaLnBrk="1" latinLnBrk="0" hangingPunct="1">
+              <a:lnSpc>
+                <a:spcPct val="90000"/>
+              </a:lnSpc>
+              <a:spcBef>
+                <a:spcPts val="500"/>
+              </a:spcBef>
+              <a:buFont typeface="Arial" panose="020B0604020202020204" pitchFamily="34" charset="0"/>
+              <a:buChar char="•"/>
+              <a:defRPr sz="1800" kern="1200">
+                <a:solidFill>
+                  <a:schemeClr val="tx1"/>
+                </a:solidFill>
+                <a:latin typeface="+mn-lt"/>
+                <a:ea typeface="+mn-ea"/>
+                <a:cs typeface="+mn-cs"/>
+              </a:defRPr>
+            </a:lvl5pPr>
+            <a:lvl6pPr marL="2514600" indent="-228600" algn="l" defTabSz="914400" rtl="0" eaLnBrk="1" latinLnBrk="0" hangingPunct="1">
+              <a:lnSpc>
+                <a:spcPct val="90000"/>
+              </a:lnSpc>
+              <a:spcBef>
+                <a:spcPts val="500"/>
+              </a:spcBef>
+              <a:buFont typeface="Arial" panose="020B0604020202020204" pitchFamily="34" charset="0"/>
+              <a:buChar char="•"/>
+              <a:defRPr sz="1800" kern="1200">
+                <a:solidFill>
+                  <a:schemeClr val="tx1"/>
+                </a:solidFill>
+                <a:latin typeface="+mn-lt"/>
+                <a:ea typeface="+mn-ea"/>
+                <a:cs typeface="+mn-cs"/>
+              </a:defRPr>
+            </a:lvl6pPr>
+            <a:lvl7pPr marL="2971800" indent="-228600" algn="l" defTabSz="914400" rtl="0" eaLnBrk="1" latinLnBrk="0" hangingPunct="1">
+              <a:lnSpc>
+                <a:spcPct val="90000"/>
+              </a:lnSpc>
+              <a:spcBef>
+                <a:spcPts val="500"/>
+              </a:spcBef>
+              <a:buFont typeface="Arial" panose="020B0604020202020204" pitchFamily="34" charset="0"/>
+              <a:buChar char="•"/>
+              <a:defRPr sz="1800" kern="1200">
+                <a:solidFill>
+                  <a:schemeClr val="tx1"/>
+                </a:solidFill>
+                <a:latin typeface="+mn-lt"/>
+                <a:ea typeface="+mn-ea"/>
+                <a:cs typeface="+mn-cs"/>
+              </a:defRPr>
+            </a:lvl7pPr>
+            <a:lvl8pPr marL="3429000" indent="-228600" algn="l" defTabSz="914400" rtl="0" eaLnBrk="1" latinLnBrk="0" hangingPunct="1">
+              <a:lnSpc>
+                <a:spcPct val="90000"/>
+              </a:lnSpc>
+              <a:spcBef>
+                <a:spcPts val="500"/>
+              </a:spcBef>
+              <a:buFont typeface="Arial" panose="020B0604020202020204" pitchFamily="34" charset="0"/>
+              <a:buChar char="•"/>
+              <a:defRPr sz="1800" kern="1200">
+                <a:solidFill>
+                  <a:schemeClr val="tx1"/>
+                </a:solidFill>
+                <a:latin typeface="+mn-lt"/>
+                <a:ea typeface="+mn-ea"/>
+                <a:cs typeface="+mn-cs"/>
+              </a:defRPr>
+            </a:lvl8pPr>
+            <a:lvl9pPr marL="3886200" indent="-228600" algn="l" defTabSz="914400" rtl="0" eaLnBrk="1" latinLnBrk="0" hangingPunct="1">
+              <a:lnSpc>
+                <a:spcPct val="90000"/>
+              </a:lnSpc>
+              <a:spcBef>
+                <a:spcPts val="500"/>
+              </a:spcBef>
+              <a:buFont typeface="Arial" panose="020B0604020202020204" pitchFamily="34" charset="0"/>
+              <a:buChar char="•"/>
+              <a:defRPr sz="1800" kern="1200">
+                <a:solidFill>
+                  <a:schemeClr val="tx1"/>
+                </a:solidFill>
+                <a:latin typeface="+mn-lt"/>
+                <a:ea typeface="+mn-ea"/>
+                <a:cs typeface="+mn-cs"/>
+              </a:defRPr>
+            </a:lvl9pPr>
+          </a:lstStyle>
+          <a:p>
+            <a:r>
+              <a:rPr lang="en-IN" sz="2200" dirty="0"/>
+              <a:t>Mumbai –11-Jun-2014 to 17-July-2014</a:t>
+            </a:r>
+          </a:p>
+        </p:txBody>
+      </p:sp>
+      <p:sp>
+        <p:nvSpPr>
+          <p:cNvPr id="8" name="Title 7"/>
+          <p:cNvSpPr>
+            <a:spLocks noGrp="1"/>
+          </p:cNvSpPr>
+          <p:nvPr>
+            <p:ph type="title"/>
+          </p:nvPr>
+        </p:nvSpPr>
+        <p:spPr>
+          <a:xfrm>
+            <a:off x="838200" y="267821"/>
+            <a:ext cx="10515600" cy="1325563"/>
+          </a:xfrm>
+        </p:spPr>
+        <p:txBody>
+          <a:bodyPr/>
+          <a:lstStyle/>
+          <a:p>
+            <a:r>
+              <a:rPr lang="en-IN" dirty="0" smtClean="0"/>
+              <a:t>Findings – Articles Missed</a:t>
+            </a:r>
+            <a:endParaRPr lang="en-IN" dirty="0"/>
+          </a:p>
+        </p:txBody>
+      </p:sp>
+      <p:sp>
+        <p:nvSpPr>
+          <p:cNvPr id="5" name="TextBox 4"/>
+          <p:cNvSpPr txBox="1"/>
+          <p:nvPr/>
+        </p:nvSpPr>
+        <p:spPr>
+          <a:xfrm>
+            <a:off x="4082605" y="6394360"/>
+            <a:ext cx="3765326" cy="369332"/>
+          </a:xfrm>
+          <a:prstGeom prst="rect">
+            <a:avLst/>
+          </a:prstGeom>
+          <a:noFill/>
+        </p:spPr>
+        <p:txBody>
+          <a:bodyPr wrap="none" rtlCol="0">
+            <a:spAutoFit/>
+          </a:bodyPr>
+          <a:lstStyle/>
+          <a:p>
+            <a:r>
+              <a:rPr lang="en-IN" dirty="0" smtClean="0"/>
+              <a:t>Retail Price vs Arrival Result by System</a:t>
+            </a:r>
+            <a:endParaRPr lang="en-IN" dirty="0"/>
+          </a:p>
+        </p:txBody>
+      </p:sp>
+    </p:spTree>
+    <p:extLst>
+      <p:ext uri="{BB962C8B-B14F-4D97-AF65-F5344CB8AC3E}">
+        <p14:creationId xmlns:p14="http://schemas.microsoft.com/office/powerpoint/2010/main" val="3259637363"/>
+      </p:ext>
+    </p:extLst>
+  </p:cSld>
+  <p:clrMapOvr>
+    <a:masterClrMapping/>
+  </p:clrMapOvr>
+  <p:timing>
+    <p:tnLst>
+      <p:par>
+        <p:cTn id="1" dur="indefinite" restart="never" nodeType="tmRoot"/>
+      </p:par>
+    </p:tnLst>
+  </p:timing>
+</p:sld>
+</file>
+
+<file path=ppt/slides/slide19.xml><?xml version="1.0" encoding="utf-8"?>
+<p:sld xmlns:a="http://schemas.openxmlformats.org/drawingml/2006/main" xmlns:r="http://schemas.openxmlformats.org/officeDocument/2006/relationships" xmlns:p="http://schemas.openxmlformats.org/presentationml/2006/main">
+  <p:cSld>
+    <p:spTree>
+      <p:nvGrpSpPr>
+        <p:cNvPr id="1" name=""/>
+        <p:cNvGrpSpPr/>
+        <p:nvPr/>
+      </p:nvGrpSpPr>
+      <p:grpSpPr>
+        <a:xfrm>
+          <a:off x="0" y="0"/>
+          <a:ext cx="0" cy="0"/>
+          <a:chOff x="0" y="0"/>
+          <a:chExt cx="0" cy="0"/>
+        </a:xfrm>
+      </p:grpSpPr>
       <p:sp>
         <p:nvSpPr>
           <p:cNvPr id="11" name="Title 10"/>
@@ -13184,7 +13009,7 @@
             <p:ph idx="1"/>
             <p:extLst>
               <p:ext uri="{D42A27DB-BD31-4B8C-83A1-F6EECF244321}">
-                <p14:modId xmlns:p14="http://schemas.microsoft.com/office/powerpoint/2010/main" val="2557569127"/>
+                <p14:modId xmlns:p14="http://schemas.microsoft.com/office/powerpoint/2010/main" val="3012487824"/>
               </p:ext>
             </p:extLst>
           </p:nvPr>
@@ -13219,7 +13044,138 @@
 </p:sld>
 </file>
 
-<file path=ppt/slides/slide19.xml><?xml version="1.0" encoding="utf-8"?>
+<file path=ppt/slides/slide2.xml><?xml version="1.0" encoding="utf-8"?>
+<p:sld xmlns:a="http://schemas.openxmlformats.org/drawingml/2006/main" xmlns:r="http://schemas.openxmlformats.org/officeDocument/2006/relationships" xmlns:p="http://schemas.openxmlformats.org/presentationml/2006/main">
+  <p:cSld>
+    <p:spTree>
+      <p:nvGrpSpPr>
+        <p:cNvPr id="1" name=""/>
+        <p:cNvGrpSpPr/>
+        <p:nvPr/>
+      </p:nvGrpSpPr>
+      <p:grpSpPr>
+        <a:xfrm>
+          <a:off x="0" y="0"/>
+          <a:ext cx="0" cy="0"/>
+          <a:chOff x="0" y="0"/>
+          <a:chExt cx="0" cy="0"/>
+        </a:xfrm>
+      </p:grpSpPr>
+      <p:sp>
+        <p:nvSpPr>
+          <p:cNvPr id="2" name="Title 1"/>
+          <p:cNvSpPr>
+            <a:spLocks noGrp="1"/>
+          </p:cNvSpPr>
+          <p:nvPr>
+            <p:ph type="title"/>
+          </p:nvPr>
+        </p:nvSpPr>
+        <p:spPr/>
+        <p:txBody>
+          <a:bodyPr/>
+          <a:lstStyle/>
+          <a:p>
+            <a:r>
+              <a:rPr lang="en-US" dirty="0"/>
+              <a:t>Introduction</a:t>
+            </a:r>
+          </a:p>
+        </p:txBody>
+      </p:sp>
+      <p:sp>
+        <p:nvSpPr>
+          <p:cNvPr id="3" name="Content Placeholder 2"/>
+          <p:cNvSpPr>
+            <a:spLocks noGrp="1"/>
+          </p:cNvSpPr>
+          <p:nvPr>
+            <p:ph idx="1"/>
+          </p:nvPr>
+        </p:nvSpPr>
+        <p:spPr/>
+        <p:txBody>
+          <a:bodyPr/>
+          <a:lstStyle/>
+          <a:p>
+            <a:r>
+              <a:rPr lang="en-IN" dirty="0" smtClean="0"/>
+              <a:t>Time series </a:t>
+            </a:r>
+            <a:r>
+              <a:rPr lang="en-IN" dirty="0"/>
+              <a:t>is a collection of values which characterizes </a:t>
+            </a:r>
+            <a:r>
+              <a:rPr lang="en-IN" dirty="0" smtClean="0"/>
+              <a:t>behaviour </a:t>
+            </a:r>
+            <a:r>
+              <a:rPr lang="en-IN" dirty="0"/>
+              <a:t>of some </a:t>
+            </a:r>
+            <a:r>
+              <a:rPr lang="en-IN" dirty="0" smtClean="0"/>
+              <a:t>object</a:t>
+            </a:r>
+          </a:p>
+          <a:p>
+            <a:r>
+              <a:rPr lang="en-IN" dirty="0"/>
+              <a:t>Analysis of </a:t>
+            </a:r>
+            <a:r>
+              <a:rPr lang="en-IN" dirty="0" smtClean="0"/>
+              <a:t>time series </a:t>
+            </a:r>
+            <a:r>
+              <a:rPr lang="en-IN" dirty="0"/>
+              <a:t>can reveal various types of </a:t>
+            </a:r>
+            <a:r>
+              <a:rPr lang="en-IN" dirty="0" smtClean="0"/>
+              <a:t>events/incidents which may be useful like when it behaves </a:t>
+            </a:r>
+            <a:r>
+              <a:rPr lang="en-IN" dirty="0"/>
+              <a:t>anomalous to the normal </a:t>
+            </a:r>
+            <a:r>
+              <a:rPr lang="en-IN" dirty="0" smtClean="0"/>
+              <a:t>behaviour</a:t>
+            </a:r>
+            <a:endParaRPr lang="en-IN" dirty="0"/>
+          </a:p>
+          <a:p>
+            <a:r>
+              <a:rPr lang="en-IN" dirty="0" smtClean="0"/>
+              <a:t>Such anomalies might be helpful to user for detection of suspicious activities in the system</a:t>
+            </a:r>
+            <a:endParaRPr lang="en-US" dirty="0"/>
+          </a:p>
+        </p:txBody>
+      </p:sp>
+    </p:spTree>
+    <p:extLst>
+      <p:ext uri="{BB962C8B-B14F-4D97-AF65-F5344CB8AC3E}">
+        <p14:creationId xmlns:p14="http://schemas.microsoft.com/office/powerpoint/2010/main" val="1522674668"/>
+      </p:ext>
+    </p:extLst>
+  </p:cSld>
+  <p:clrMapOvr>
+    <a:masterClrMapping/>
+  </p:clrMapOvr>
+  <p:timing>
+    <p:tnLst>
+      <p:par>
+        <p:cTn id="1" dur="indefinite" restart="never" nodeType="tmRoot"/>
+      </p:par>
+    </p:tnLst>
+  </p:timing>
+</p:sld>
+</file>
+
+<file path=ppt/slides/slide20.xml><?xml version="1.0" encoding="utf-8"?>
 <p:sld xmlns:a="http://schemas.openxmlformats.org/drawingml/2006/main" xmlns:r="http://schemas.openxmlformats.org/officeDocument/2006/relationships" xmlns:p="http://schemas.openxmlformats.org/presentationml/2006/main">
   <p:cSld>
     <p:spTree>
@@ -13376,7 +13332,7 @@
 </p:sld>
 </file>
 
-<file path=ppt/slides/slide2.xml><?xml version="1.0" encoding="utf-8"?>
+<file path=ppt/slides/slide21.xml><?xml version="1.0" encoding="utf-8"?>
 <p:sld xmlns:a="http://schemas.openxmlformats.org/drawingml/2006/main" xmlns:r="http://schemas.openxmlformats.org/officeDocument/2006/relationships" xmlns:p="http://schemas.openxmlformats.org/presentationml/2006/main">
   <p:cSld>
     <p:spTree>
@@ -13409,9 +13365,10 @@
           <a:lstStyle/>
           <a:p>
             <a:r>
-              <a:rPr lang="en-US" dirty="0"/>
-              <a:t>Introduction</a:t>
-            </a:r>
+              <a:rPr lang="en-IN" dirty="0" smtClean="0"/>
+              <a:t>Limitations</a:t>
+            </a:r>
+            <a:endParaRPr lang="en-IN" dirty="0"/>
           </a:p>
         </p:txBody>
       </p:sp>
@@ -13432,65 +13389,345 @@
           <a:p>
             <a:r>
               <a:rPr lang="en-IN" dirty="0" smtClean="0"/>
-              <a:t>Time series </a:t>
-            </a:r>
-            <a:r>
-              <a:rPr lang="en-IN" dirty="0"/>
-              <a:t>is a collection of values which characterizes </a:t>
-            </a:r>
+              <a:t>Few articles with traders’ nexus are still not reported by system</a:t>
+            </a:r>
+          </a:p>
+          <a:p>
             <a:r>
               <a:rPr lang="en-IN" dirty="0" smtClean="0"/>
-              <a:t>behaviour </a:t>
-            </a:r>
-            <a:r>
-              <a:rPr lang="en-IN" dirty="0"/>
-              <a:t>of some </a:t>
-            </a:r>
+              <a:t>Result dependent on configuration of library functions</a:t>
+            </a:r>
+          </a:p>
+          <a:p>
+            <a:pPr lvl="1"/>
             <a:r>
               <a:rPr lang="en-IN" dirty="0" smtClean="0"/>
-              <a:t>object</a:t>
-            </a:r>
-          </a:p>
-          <a:p>
-            <a:r>
-              <a:rPr lang="en-IN" dirty="0"/>
-              <a:t>Analysis of </a:t>
-            </a:r>
+              <a:t>Window Size</a:t>
+            </a:r>
+          </a:p>
+          <a:p>
+            <a:pPr lvl="1"/>
             <a:r>
               <a:rPr lang="en-IN" dirty="0" smtClean="0"/>
-              <a:t>time series </a:t>
-            </a:r>
-            <a:r>
-              <a:rPr lang="en-IN" dirty="0"/>
-              <a:t>can reveal various types of intrinsic </a:t>
-            </a:r>
+              <a:t>Threshold Value</a:t>
+            </a:r>
+          </a:p>
+          <a:p>
+            <a:pPr lvl="1"/>
             <a:r>
               <a:rPr lang="en-IN" dirty="0" smtClean="0"/>
-              <a:t>properties about object like when it behaves </a:t>
-            </a:r>
-            <a:r>
-              <a:rPr lang="en-IN" dirty="0"/>
-              <a:t>anomalous to the normal </a:t>
-            </a:r>
+              <a:t>Number of anomalies to be reported</a:t>
+            </a:r>
+          </a:p>
+          <a:p>
             <a:r>
               <a:rPr lang="en-IN" dirty="0" smtClean="0"/>
-              <a:t>behaviour</a:t>
-            </a:r>
-            <a:endParaRPr lang="en-IN" dirty="0"/>
-          </a:p>
-          <a:p>
-            <a:r>
-              <a:rPr lang="en-IN" dirty="0" smtClean="0"/>
-              <a:t> Such anomalies might be helpful to user for detection of suspicious activities in the system</a:t>
-            </a:r>
-            <a:endParaRPr lang="en-US" dirty="0"/>
+              <a:t>Manual analysis of news articles is required</a:t>
+            </a:r>
+          </a:p>
+          <a:p>
+            <a:pPr lvl="1"/>
+            <a:endParaRPr lang="en-IN" dirty="0" smtClean="0"/>
           </a:p>
         </p:txBody>
       </p:sp>
     </p:spTree>
     <p:extLst>
       <p:ext uri="{BB962C8B-B14F-4D97-AF65-F5344CB8AC3E}">
-        <p14:creationId xmlns:p14="http://schemas.microsoft.com/office/powerpoint/2010/main" val="1522674668"/>
+        <p14:creationId xmlns:p14="http://schemas.microsoft.com/office/powerpoint/2010/main" val="2701850"/>
+      </p:ext>
+    </p:extLst>
+  </p:cSld>
+  <p:clrMapOvr>
+    <a:masterClrMapping/>
+  </p:clrMapOvr>
+  <p:timing>
+    <p:tnLst>
+      <p:par>
+        <p:cTn id="1" dur="indefinite" restart="never" nodeType="tmRoot"/>
+      </p:par>
+    </p:tnLst>
+  </p:timing>
+</p:sld>
+</file>
+
+<file path=ppt/slides/slide22.xml><?xml version="1.0" encoding="utf-8"?>
+<p:sld xmlns:a="http://schemas.openxmlformats.org/drawingml/2006/main" xmlns:r="http://schemas.openxmlformats.org/officeDocument/2006/relationships" xmlns:p="http://schemas.openxmlformats.org/presentationml/2006/main">
+  <p:cSld>
+    <p:spTree>
+      <p:nvGrpSpPr>
+        <p:cNvPr id="1" name=""/>
+        <p:cNvGrpSpPr/>
+        <p:nvPr/>
+      </p:nvGrpSpPr>
+      <p:grpSpPr>
+        <a:xfrm>
+          <a:off x="0" y="0"/>
+          <a:ext cx="0" cy="0"/>
+          <a:chOff x="0" y="0"/>
+          <a:chExt cx="0" cy="0"/>
+        </a:xfrm>
+      </p:grpSpPr>
+      <p:sp>
+        <p:nvSpPr>
+          <p:cNvPr id="2" name="Title 1"/>
+          <p:cNvSpPr>
+            <a:spLocks noGrp="1"/>
+          </p:cNvSpPr>
+          <p:nvPr>
+            <p:ph type="title"/>
+          </p:nvPr>
+        </p:nvSpPr>
+        <p:spPr/>
+        <p:txBody>
+          <a:bodyPr/>
+          <a:lstStyle/>
+          <a:p>
+            <a:r>
+              <a:rPr lang="en-IN" dirty="0" smtClean="0"/>
+              <a:t>Conclusion</a:t>
+            </a:r>
+            <a:endParaRPr lang="en-IN" dirty="0"/>
+          </a:p>
+        </p:txBody>
+      </p:sp>
+      <p:sp>
+        <p:nvSpPr>
+          <p:cNvPr id="3" name="Content Placeholder 2"/>
+          <p:cNvSpPr>
+            <a:spLocks noGrp="1"/>
+          </p:cNvSpPr>
+          <p:nvPr>
+            <p:ph idx="1"/>
+          </p:nvPr>
+        </p:nvSpPr>
+        <p:spPr/>
+        <p:txBody>
+          <a:bodyPr/>
+          <a:lstStyle/>
+          <a:p>
+            <a:r>
+              <a:rPr lang="en-IN" dirty="0" smtClean="0"/>
+              <a:t>Time series analysis can bring more insights to data</a:t>
+            </a:r>
+          </a:p>
+          <a:p>
+            <a:r>
+              <a:rPr lang="en-IN" dirty="0" smtClean="0"/>
+              <a:t>In the case of onion, abnormal behaviour can help to detect important events or incidents like hoarding</a:t>
+            </a:r>
+          </a:p>
+          <a:p>
+            <a:r>
+              <a:rPr lang="en-IN" dirty="0" smtClean="0"/>
+              <a:t>Most of the results were justified using news articles</a:t>
+            </a:r>
+          </a:p>
+          <a:p>
+            <a:r>
+              <a:rPr lang="en-IN" dirty="0" smtClean="0"/>
+              <a:t>Library developed is generic, so can be applied to any time-series which have some sort of dependency on each other</a:t>
+            </a:r>
+          </a:p>
+          <a:p>
+            <a:endParaRPr lang="en-IN" dirty="0"/>
+          </a:p>
+        </p:txBody>
+      </p:sp>
+    </p:spTree>
+    <p:extLst>
+      <p:ext uri="{BB962C8B-B14F-4D97-AF65-F5344CB8AC3E}">
+        <p14:creationId xmlns:p14="http://schemas.microsoft.com/office/powerpoint/2010/main" val="2403646970"/>
+      </p:ext>
+    </p:extLst>
+  </p:cSld>
+  <p:clrMapOvr>
+    <a:masterClrMapping/>
+  </p:clrMapOvr>
+  <p:timing>
+    <p:tnLst>
+      <p:par>
+        <p:cTn id="1" dur="indefinite" restart="never" nodeType="tmRoot"/>
+      </p:par>
+    </p:tnLst>
+  </p:timing>
+</p:sld>
+</file>
+
+<file path=ppt/slides/slide23.xml><?xml version="1.0" encoding="utf-8"?>
+<p:sld xmlns:a="http://schemas.openxmlformats.org/drawingml/2006/main" xmlns:r="http://schemas.openxmlformats.org/officeDocument/2006/relationships" xmlns:p="http://schemas.openxmlformats.org/presentationml/2006/main">
+  <p:cSld>
+    <p:spTree>
+      <p:nvGrpSpPr>
+        <p:cNvPr id="1" name=""/>
+        <p:cNvGrpSpPr/>
+        <p:nvPr/>
+      </p:nvGrpSpPr>
+      <p:grpSpPr>
+        <a:xfrm>
+          <a:off x="0" y="0"/>
+          <a:ext cx="0" cy="0"/>
+          <a:chOff x="0" y="0"/>
+          <a:chExt cx="0" cy="0"/>
+        </a:xfrm>
+      </p:grpSpPr>
+      <p:sp>
+        <p:nvSpPr>
+          <p:cNvPr id="2" name="Title 1"/>
+          <p:cNvSpPr>
+            <a:spLocks noGrp="1"/>
+          </p:cNvSpPr>
+          <p:nvPr>
+            <p:ph type="title"/>
+          </p:nvPr>
+        </p:nvSpPr>
+        <p:spPr/>
+        <p:txBody>
+          <a:bodyPr/>
+          <a:lstStyle/>
+          <a:p>
+            <a:r>
+              <a:rPr lang="en-IN" dirty="0" smtClean="0"/>
+              <a:t>Future Work</a:t>
+            </a:r>
+            <a:endParaRPr lang="en-IN" dirty="0"/>
+          </a:p>
+        </p:txBody>
+      </p:sp>
+      <p:sp>
+        <p:nvSpPr>
+          <p:cNvPr id="3" name="Content Placeholder 2"/>
+          <p:cNvSpPr>
+            <a:spLocks noGrp="1"/>
+          </p:cNvSpPr>
+          <p:nvPr>
+            <p:ph idx="1"/>
+          </p:nvPr>
+        </p:nvSpPr>
+        <p:spPr/>
+        <p:txBody>
+          <a:bodyPr/>
+          <a:lstStyle/>
+          <a:p>
+            <a:r>
+              <a:rPr lang="en-IN" dirty="0" smtClean="0"/>
+              <a:t>New methods can be added to refine results like Spike Detection</a:t>
+            </a:r>
+          </a:p>
+          <a:p>
+            <a:r>
+              <a:rPr lang="en-IN" dirty="0" smtClean="0"/>
+              <a:t>New techniques to define default threshold values can be used</a:t>
+            </a:r>
+          </a:p>
+          <a:p>
+            <a:r>
+              <a:rPr lang="en-IN" dirty="0" smtClean="0"/>
+              <a:t>Local anomalies to centre can be justified by local news sources</a:t>
+            </a:r>
+          </a:p>
+          <a:p>
+            <a:r>
+              <a:rPr lang="en-IN" dirty="0" smtClean="0"/>
+              <a:t>Can be extended further to locate anomalies in Supply Chain</a:t>
+            </a:r>
+            <a:endParaRPr lang="en-IN" dirty="0"/>
+          </a:p>
+        </p:txBody>
+      </p:sp>
+    </p:spTree>
+    <p:extLst>
+      <p:ext uri="{BB962C8B-B14F-4D97-AF65-F5344CB8AC3E}">
+        <p14:creationId xmlns:p14="http://schemas.microsoft.com/office/powerpoint/2010/main" val="3744904168"/>
+      </p:ext>
+    </p:extLst>
+  </p:cSld>
+  <p:clrMapOvr>
+    <a:masterClrMapping/>
+  </p:clrMapOvr>
+  <p:timing>
+    <p:tnLst>
+      <p:par>
+        <p:cTn id="1" dur="indefinite" restart="never" nodeType="tmRoot"/>
+      </p:par>
+    </p:tnLst>
+  </p:timing>
+</p:sld>
+</file>
+
+<file path=ppt/slides/slide24.xml><?xml version="1.0" encoding="utf-8"?>
+<p:sld xmlns:a="http://schemas.openxmlformats.org/drawingml/2006/main" xmlns:r="http://schemas.openxmlformats.org/officeDocument/2006/relationships" xmlns:p="http://schemas.openxmlformats.org/presentationml/2006/main">
+  <p:cSld>
+    <p:spTree>
+      <p:nvGrpSpPr>
+        <p:cNvPr id="1" name=""/>
+        <p:cNvGrpSpPr/>
+        <p:nvPr/>
+      </p:nvGrpSpPr>
+      <p:grpSpPr>
+        <a:xfrm>
+          <a:off x="0" y="0"/>
+          <a:ext cx="0" cy="0"/>
+          <a:chOff x="0" y="0"/>
+          <a:chExt cx="0" cy="0"/>
+        </a:xfrm>
+      </p:grpSpPr>
+      <p:sp>
+        <p:nvSpPr>
+          <p:cNvPr id="4" name="Title 3"/>
+          <p:cNvSpPr>
+            <a:spLocks noGrp="1"/>
+          </p:cNvSpPr>
+          <p:nvPr>
+            <p:ph type="title"/>
+          </p:nvPr>
+        </p:nvSpPr>
+        <p:spPr>
+          <a:xfrm>
+            <a:off x="916577" y="2755628"/>
+            <a:ext cx="10515600" cy="1325563"/>
+          </a:xfrm>
+        </p:spPr>
+        <p:txBody>
+          <a:bodyPr>
+            <a:normAutofit fontScale="90000"/>
+          </a:bodyPr>
+          <a:lstStyle/>
+          <a:p>
+            <a:pPr algn="ctr"/>
+            <a:r>
+              <a:rPr lang="en-IN" dirty="0" smtClean="0"/>
+              <a:t>THANK YOU!!!</a:t>
+            </a:r>
+            <a:br>
+              <a:rPr lang="en-IN" dirty="0" smtClean="0"/>
+            </a:br>
+            <a:r>
+              <a:rPr lang="en-IN" dirty="0"/>
+              <a:t/>
+            </a:r>
+            <a:br>
+              <a:rPr lang="en-IN" dirty="0"/>
+            </a:br>
+            <a:r>
+              <a:rPr lang="en-IN" dirty="0" smtClean="0"/>
+              <a:t/>
+            </a:r>
+            <a:br>
+              <a:rPr lang="en-IN" dirty="0" smtClean="0"/>
+            </a:br>
+            <a:r>
+              <a:rPr lang="en-IN" dirty="0" smtClean="0"/>
+              <a:t>ANY QUESTIONS?</a:t>
+            </a:r>
+            <a:endParaRPr lang="en-IN" dirty="0"/>
+          </a:p>
+        </p:txBody>
+      </p:sp>
+    </p:spTree>
+    <p:extLst>
+      <p:ext uri="{BB962C8B-B14F-4D97-AF65-F5344CB8AC3E}">
+        <p14:creationId xmlns:p14="http://schemas.microsoft.com/office/powerpoint/2010/main" val="2697729604"/>
       </p:ext>
     </p:extLst>
   </p:cSld>
@@ -13540,186 +13777,75 @@
           <a:lstStyle/>
           <a:p>
             <a:r>
-              <a:rPr lang="en-US" dirty="0">
-                <a:latin typeface="Calibri Light" charset="0"/>
-              </a:rPr>
-              <a:t>What News Reports!!</a:t>
+              <a:rPr lang="en-US" dirty="0"/>
+              <a:t>Motivation</a:t>
             </a:r>
           </a:p>
         </p:txBody>
       </p:sp>
-      <p:pic>
-        <p:nvPicPr>
-          <p:cNvPr id="4" name="Content Placeholder 3"/>
-          <p:cNvPicPr>
-            <a:picLocks noChangeAspect="1"/>
-          </p:cNvPicPr>
-          <p:nvPr/>
-        </p:nvPicPr>
-        <p:blipFill>
-          <a:blip r:embed="rId3"/>
-          <a:stretch>
-            <a:fillRect/>
-          </a:stretch>
-        </p:blipFill>
-        <p:spPr>
-          <a:xfrm>
-            <a:off x="1004667" y="1469952"/>
-            <a:ext cx="9412547" cy="1319115"/>
-          </a:xfrm>
-          <a:prstGeom prst="rect">
-            <a:avLst/>
-          </a:prstGeom>
-        </p:spPr>
-      </p:pic>
-      <p:pic>
-        <p:nvPicPr>
-          <p:cNvPr id="6" name="Picture 5"/>
-          <p:cNvPicPr>
-            <a:picLocks noChangeAspect="1"/>
-          </p:cNvPicPr>
-          <p:nvPr/>
-        </p:nvPicPr>
-        <p:blipFill>
-          <a:blip r:embed="rId4"/>
-          <a:stretch>
-            <a:fillRect/>
-          </a:stretch>
-        </p:blipFill>
-        <p:spPr>
-          <a:xfrm>
-            <a:off x="1004666" y="2771471"/>
-            <a:ext cx="4706273" cy="1499207"/>
-          </a:xfrm>
-          <a:prstGeom prst="rect">
-            <a:avLst/>
-          </a:prstGeom>
-        </p:spPr>
-      </p:pic>
-      <p:pic>
-        <p:nvPicPr>
-          <p:cNvPr id="7" name="Picture 6"/>
-          <p:cNvPicPr>
-            <a:picLocks noChangeAspect="1"/>
-          </p:cNvPicPr>
-          <p:nvPr/>
-        </p:nvPicPr>
-        <p:blipFill>
-          <a:blip r:embed="rId5"/>
-          <a:stretch>
-            <a:fillRect/>
-          </a:stretch>
-        </p:blipFill>
-        <p:spPr>
-          <a:xfrm>
-            <a:off x="5710940" y="2812145"/>
-            <a:ext cx="4706274" cy="1473252"/>
-          </a:xfrm>
-          <a:prstGeom prst="rect">
-            <a:avLst/>
-          </a:prstGeom>
-        </p:spPr>
-      </p:pic>
-      <p:pic>
-        <p:nvPicPr>
-          <p:cNvPr id="8" name="Picture 7"/>
-          <p:cNvPicPr>
-            <a:picLocks noChangeAspect="1"/>
-          </p:cNvPicPr>
-          <p:nvPr/>
-        </p:nvPicPr>
-        <p:blipFill>
-          <a:blip r:embed="rId6"/>
-          <a:stretch>
-            <a:fillRect/>
-          </a:stretch>
-        </p:blipFill>
-        <p:spPr>
-          <a:xfrm>
-            <a:off x="1004665" y="4071936"/>
-            <a:ext cx="4706274" cy="1279525"/>
-          </a:xfrm>
-          <a:prstGeom prst="rect">
-            <a:avLst/>
-          </a:prstGeom>
-        </p:spPr>
-      </p:pic>
-      <p:pic>
-        <p:nvPicPr>
-          <p:cNvPr id="9" name="Picture 8"/>
-          <p:cNvPicPr>
-            <a:picLocks noChangeAspect="1"/>
-          </p:cNvPicPr>
-          <p:nvPr/>
-        </p:nvPicPr>
-        <p:blipFill>
-          <a:blip r:embed="rId7"/>
-          <a:stretch>
-            <a:fillRect/>
-          </a:stretch>
-        </p:blipFill>
-        <p:spPr>
-          <a:xfrm>
-            <a:off x="5710938" y="4232338"/>
-            <a:ext cx="4706275" cy="1615581"/>
-          </a:xfrm>
-          <a:prstGeom prst="rect">
-            <a:avLst/>
-          </a:prstGeom>
-        </p:spPr>
-      </p:pic>
-      <p:pic>
-        <p:nvPicPr>
-          <p:cNvPr id="10" name="Picture 9"/>
-          <p:cNvPicPr>
-            <a:picLocks noChangeAspect="1"/>
-          </p:cNvPicPr>
-          <p:nvPr/>
-        </p:nvPicPr>
-        <p:blipFill>
-          <a:blip r:embed="rId8"/>
-          <a:stretch>
-            <a:fillRect/>
-          </a:stretch>
-        </p:blipFill>
-        <p:spPr>
-          <a:xfrm>
-            <a:off x="1004665" y="5426334"/>
-            <a:ext cx="4706272" cy="872608"/>
-          </a:xfrm>
-          <a:prstGeom prst="rect">
-            <a:avLst/>
-          </a:prstGeom>
-        </p:spPr>
-      </p:pic>
-      <p:pic>
-        <p:nvPicPr>
-          <p:cNvPr id="11" name="Picture 10"/>
-          <p:cNvPicPr>
-            <a:picLocks noChangeAspect="1"/>
-          </p:cNvPicPr>
-          <p:nvPr/>
-        </p:nvPicPr>
-        <p:blipFill>
-          <a:blip r:embed="rId9"/>
-          <a:stretch>
-            <a:fillRect/>
-          </a:stretch>
-        </p:blipFill>
-        <p:spPr>
-          <a:xfrm>
-            <a:off x="5710937" y="5847919"/>
-            <a:ext cx="4597203" cy="641350"/>
-          </a:xfrm>
-          <a:prstGeom prst="rect">
-            <a:avLst/>
-          </a:prstGeom>
-        </p:spPr>
-      </p:pic>
+      <p:sp>
+        <p:nvSpPr>
+          <p:cNvPr id="3" name="Content Placeholder 2"/>
+          <p:cNvSpPr>
+            <a:spLocks noGrp="1"/>
+          </p:cNvSpPr>
+          <p:nvPr>
+            <p:ph idx="1"/>
+          </p:nvPr>
+        </p:nvSpPr>
+        <p:spPr/>
+        <p:txBody>
+          <a:bodyPr vert="horz" lIns="91440" tIns="45720" rIns="91440" bIns="45720" rtlCol="0" anchor="t">
+            <a:normAutofit/>
+          </a:bodyPr>
+          <a:lstStyle/>
+          <a:p>
+            <a:r>
+              <a:rPr lang="en-US" dirty="0">
+                <a:latin typeface="Calibri" charset="0"/>
+              </a:rPr>
+              <a:t>Supply demand imbalance, natural calamities etc. may not always be the reason behind the rise in the price of a commodity. </a:t>
+            </a:r>
+          </a:p>
+          <a:p>
+            <a:r>
+              <a:rPr lang="en-US" dirty="0">
+                <a:latin typeface="Calibri" charset="0"/>
+              </a:rPr>
+              <a:t>It may be a consequence of artificial supply deficit planned intelligently by traders’ Nexus for profiteering through manipulation of supply of commodity and hence indirectly controlling their prices. </a:t>
+            </a:r>
+          </a:p>
+          <a:p>
+            <a:r>
+              <a:rPr lang="en-US" dirty="0">
+                <a:latin typeface="Calibri" charset="0"/>
+              </a:rPr>
+              <a:t>Our attempt is to locate such hikes in prices which seem suspicious (we call them anomalies).</a:t>
+            </a:r>
+          </a:p>
+          <a:p>
+            <a:r>
+              <a:rPr lang="en-US" dirty="0">
+                <a:latin typeface="Calibri" charset="0"/>
+              </a:rPr>
+              <a:t>To detect and analyze the characteristics of anomalies in the prices of commodities, currently only </a:t>
+            </a:r>
+            <a:r>
+              <a:rPr lang="en-US" dirty="0" smtClean="0">
+                <a:latin typeface="Calibri" charset="0"/>
+              </a:rPr>
+              <a:t>onion test case is taken</a:t>
+            </a:r>
+            <a:endParaRPr lang="en-US" dirty="0">
+              <a:latin typeface="Calibri" charset="0"/>
+            </a:endParaRPr>
+          </a:p>
+        </p:txBody>
+      </p:sp>
     </p:spTree>
     <p:extLst>
       <p:ext uri="{BB962C8B-B14F-4D97-AF65-F5344CB8AC3E}">
-        <p14:creationId xmlns:p14="http://schemas.microsoft.com/office/powerpoint/2010/main" val="3558566254"/>
+        <p14:creationId xmlns:p14="http://schemas.microsoft.com/office/powerpoint/2010/main" val="4126065733"/>
       </p:ext>
     </p:extLst>
   </p:cSld>
@@ -13769,9 +13895,10 @@
           <a:lstStyle/>
           <a:p>
             <a:r>
-              <a:rPr lang="en-US" dirty="0"/>
-              <a:t>Motivation</a:t>
-            </a:r>
+              <a:rPr lang="en-IN" dirty="0" smtClean="0"/>
+              <a:t>Objective</a:t>
+            </a:r>
+            <a:endParaRPr lang="en-IN" dirty="0"/>
           </a:p>
         </p:txBody>
       </p:sp>
@@ -13787,48 +13914,54 @@
         </p:nvSpPr>
         <p:spPr/>
         <p:txBody>
-          <a:bodyPr vert="horz" lIns="91440" tIns="45720" rIns="91440" bIns="45720" rtlCol="0" anchor="t">
-            <a:normAutofit/>
-          </a:bodyPr>
+          <a:bodyPr/>
           <a:lstStyle/>
           <a:p>
             <a:r>
-              <a:rPr lang="en-US" dirty="0">
-                <a:latin typeface="Calibri" charset="0"/>
-              </a:rPr>
-              <a:t>Supply demand imbalance, natural calamities etc. may not always be the reason behind the rise in the price of a commodity. </a:t>
-            </a:r>
-          </a:p>
-          <a:p>
-            <a:r>
-              <a:rPr lang="en-US" dirty="0">
-                <a:latin typeface="Calibri" charset="0"/>
-              </a:rPr>
-              <a:t>It may be a consequence of artificial supply deficit planned intelligently by traders’ Nexus for profiteering through manipulation of supply of commodity and hence indirectly controlling their prices. </a:t>
-            </a:r>
-          </a:p>
-          <a:p>
-            <a:r>
-              <a:rPr lang="en-US" dirty="0">
-                <a:latin typeface="Calibri" charset="0"/>
-              </a:rPr>
-              <a:t>Our attempt is to locate such hikes in prices which seem suspicious (we call them anomalies).</a:t>
-            </a:r>
-          </a:p>
-          <a:p>
-            <a:r>
-              <a:rPr lang="en-US" dirty="0">
-                <a:latin typeface="Calibri" charset="0"/>
-              </a:rPr>
-              <a:t>To detect and analyze the characteristics of anomalies in the prices of commodities, currently only onion</a:t>
-            </a:r>
+              <a:rPr lang="en-IN" dirty="0" smtClean="0"/>
+              <a:t>To develop a library which detect anomalies in multiple time series of a system</a:t>
+            </a:r>
+          </a:p>
+          <a:p>
+            <a:r>
+              <a:rPr lang="en-IN" dirty="0" smtClean="0"/>
+              <a:t>Consider trend and seasonality in </a:t>
+            </a:r>
+            <a:r>
+              <a:rPr lang="en-IN" smtClean="0"/>
+              <a:t>the </a:t>
+            </a:r>
+            <a:r>
+              <a:rPr lang="en-IN" smtClean="0"/>
+              <a:t>timeseries</a:t>
+            </a:r>
+            <a:endParaRPr lang="en-IN" dirty="0" smtClean="0"/>
+          </a:p>
+          <a:p>
+            <a:r>
+              <a:rPr lang="en-IN" dirty="0" smtClean="0"/>
+              <a:t>Verify reported anomalies</a:t>
+            </a:r>
+          </a:p>
+          <a:p>
+            <a:r>
+              <a:rPr lang="en-IN" dirty="0" smtClean="0"/>
+              <a:t>Onion supply system is taken for analysis</a:t>
+            </a:r>
+          </a:p>
+          <a:p>
+            <a:r>
+              <a:rPr lang="en-IN" dirty="0" smtClean="0"/>
+              <a:t>Verification of anomalies with news articles</a:t>
+            </a:r>
+            <a:endParaRPr lang="en-IN" dirty="0"/>
           </a:p>
         </p:txBody>
       </p:sp>
     </p:spTree>
     <p:extLst>
       <p:ext uri="{BB962C8B-B14F-4D97-AF65-F5344CB8AC3E}">
-        <p14:creationId xmlns:p14="http://schemas.microsoft.com/office/powerpoint/2010/main" val="4126065733"/>
+        <p14:creationId xmlns:p14="http://schemas.microsoft.com/office/powerpoint/2010/main" val="208986709"/>
       </p:ext>
     </p:extLst>
   </p:cSld>
@@ -13878,10 +14011,9 @@
           <a:lstStyle/>
           <a:p>
             <a:r>
-              <a:rPr lang="en-IN" dirty="0" smtClean="0"/>
-              <a:t>Objective</a:t>
-            </a:r>
-            <a:endParaRPr lang="en-IN" dirty="0"/>
+              <a:rPr lang="en-IN" dirty="0"/>
+              <a:t>Hypothesis for Onion Time Series(1)</a:t>
+            </a:r>
           </a:p>
         </p:txBody>
       </p:sp>
@@ -13897,44 +14029,58 @@
         </p:nvSpPr>
         <p:spPr/>
         <p:txBody>
-          <a:bodyPr/>
+          <a:bodyPr>
+            <a:normAutofit fontScale="92500" lnSpcReduction="10000"/>
+          </a:bodyPr>
           <a:lstStyle/>
           <a:p>
             <a:r>
+              <a:rPr lang="en-IN" dirty="0"/>
+              <a:t>H1: In the absence of market abuse phenomena, there is a negative correlation between arrival and wholesale prices. i.e. If there is increase in arrival pattern, there should be decrease in the wholesale price and if there is decrease in arrival pattern, there should be increase in the wholesale price considering a lag factor of 15 days.</a:t>
+            </a:r>
+          </a:p>
+          <a:p>
+            <a:r>
+              <a:rPr lang="en-IN" dirty="0"/>
+              <a:t>Assumption: farmers do not hoard which we can support as per our literature review</a:t>
+            </a:r>
+          </a:p>
+          <a:p>
+            <a:r>
+              <a:rPr lang="en-IN" dirty="0"/>
+              <a:t>Test Criterion:</a:t>
+            </a:r>
+          </a:p>
+          <a:p>
+            <a:pPr lvl="1"/>
+            <a:r>
+              <a:rPr lang="en-IN" dirty="0"/>
+              <a:t>Cross correlation between arrival and wholesale price considering lag factor</a:t>
+            </a:r>
+          </a:p>
+          <a:p>
+            <a:pPr lvl="2"/>
+            <a:r>
+              <a:rPr lang="en-IN" dirty="0"/>
+              <a:t>Use of sliding window for calculating correlation with different window size</a:t>
+            </a:r>
+          </a:p>
+          <a:p>
+            <a:pPr lvl="1"/>
+            <a:r>
+              <a:rPr lang="en-IN" dirty="0"/>
+              <a:t>Slope based method</a:t>
+            </a:r>
+          </a:p>
+          <a:p>
+            <a:pPr lvl="1"/>
+            <a:r>
+              <a:rPr lang="en-IN" dirty="0"/>
+              <a:t>Linear </a:t>
+            </a:r>
+            <a:r>
               <a:rPr lang="en-IN" dirty="0" smtClean="0"/>
-              <a:t>To develop a library to detect anomalies in multiple time series of a system</a:t>
-            </a:r>
-          </a:p>
-          <a:p>
-            <a:r>
-              <a:rPr lang="en-IN" dirty="0" smtClean="0"/>
-              <a:t>Consider normal anomalies along with trend</a:t>
-            </a:r>
-            <a:r>
-              <a:rPr lang="en-IN" dirty="0"/>
-              <a:t> </a:t>
-            </a:r>
-            <a:r>
-              <a:rPr lang="en-IN" dirty="0" smtClean="0"/>
-              <a:t>and seasonality</a:t>
-            </a:r>
-          </a:p>
-          <a:p>
-            <a:r>
-              <a:rPr lang="en-IN" dirty="0" smtClean="0"/>
-              <a:t>Verify reported anomalies</a:t>
-            </a:r>
-          </a:p>
-          <a:p>
-            <a:r>
-              <a:rPr lang="en-IN" dirty="0" smtClean="0"/>
-              <a:t>Here, we perform analysis on Onion time series</a:t>
-            </a:r>
-          </a:p>
-          <a:p>
-            <a:r>
-              <a:rPr lang="en-IN" dirty="0" smtClean="0"/>
-              <a:t>Verification of anomalies with news articles</a:t>
+              <a:t>Regression</a:t>
             </a:r>
             <a:endParaRPr lang="en-IN" dirty="0"/>
           </a:p>
@@ -13943,7 +14089,7 @@
     </p:spTree>
     <p:extLst>
       <p:ext uri="{BB962C8B-B14F-4D97-AF65-F5344CB8AC3E}">
-        <p14:creationId xmlns:p14="http://schemas.microsoft.com/office/powerpoint/2010/main" val="208986709"/>
+        <p14:creationId xmlns:p14="http://schemas.microsoft.com/office/powerpoint/2010/main" val="3839673936"/>
       </p:ext>
     </p:extLst>
   </p:cSld>
@@ -13994,8 +14140,13 @@
           <a:p>
             <a:r>
               <a:rPr lang="en-IN" dirty="0"/>
-              <a:t>Hypothesis for Onion Time Series(1)</a:t>
-            </a:r>
+              <a:t>Hypothesis for Onion Time </a:t>
+            </a:r>
+            <a:r>
+              <a:rPr lang="en-IN" dirty="0" smtClean="0"/>
+              <a:t>Series(2)</a:t>
+            </a:r>
+            <a:endParaRPr lang="en-IN" dirty="0"/>
           </a:p>
         </p:txBody>
       </p:sp>
@@ -14012,39 +14163,39 @@
         <p:spPr/>
         <p:txBody>
           <a:bodyPr>
-            <a:normAutofit fontScale="92500" lnSpcReduction="10000"/>
+            <a:normAutofit lnSpcReduction="10000"/>
           </a:bodyPr>
           <a:lstStyle/>
           <a:p>
             <a:r>
               <a:rPr lang="en-IN" dirty="0"/>
-              <a:t>H1: In the absence of market abuse phenomena, there is a negative correlation between arrival and wholesale prices. i.e. If there is increase in arrival pattern, there should be decrease in the wholesale price and if there is decrease in arrival pattern, there should be increase in the wholesale price considering a lag factor of 15 days.</a:t>
+              <a:t>H2: In the absence of market abuse phenomena, there is positive correlation between wholesale price and retail price. i.e.  If there is increase in the wholesale price of onion, then there will be corresponding increase in the retail price and vice-versa </a:t>
             </a:r>
           </a:p>
           <a:p>
             <a:r>
               <a:rPr lang="en-IN" dirty="0"/>
-              <a:t>Assumption: farmers do not hoard which we can support as per our literature review</a:t>
+              <a:t>Assuming, demand remains constant and there is no supply shock created because of excessive export of onion</a:t>
             </a:r>
           </a:p>
           <a:p>
             <a:r>
               <a:rPr lang="en-IN" dirty="0"/>
-              <a:t>Test Criterion:</a:t>
+              <a:t>Test Criterion: </a:t>
             </a:r>
           </a:p>
           <a:p>
             <a:pPr lvl="1"/>
             <a:r>
               <a:rPr lang="en-IN" dirty="0"/>
-              <a:t>Cross correlation between arrival and wholesale price considering lag factor</a:t>
+              <a:t>Cross correlation between wholesale and retail price considering lag factor </a:t>
             </a:r>
           </a:p>
           <a:p>
             <a:pPr lvl="2"/>
             <a:r>
               <a:rPr lang="en-IN" dirty="0"/>
-              <a:t>Use of sliding window for calculating correlation with different window size</a:t>
+              <a:t>Use of sliding window for calculating correlation with different window size </a:t>
             </a:r>
           </a:p>
           <a:p>
@@ -14058,20 +14209,15 @@
             <a:pPr lvl="1"/>
             <a:r>
               <a:rPr lang="en-IN" dirty="0"/>
-              <a:t>Linear </a:t>
-            </a:r>
-            <a:r>
-              <a:rPr lang="en-IN" dirty="0" smtClean="0"/>
-              <a:t>Regression</a:t>
-            </a:r>
-            <a:endParaRPr lang="en-IN" dirty="0"/>
+              <a:t>Linear regression</a:t>
+            </a:r>
           </a:p>
         </p:txBody>
       </p:sp>
     </p:spTree>
     <p:extLst>
       <p:ext uri="{BB962C8B-B14F-4D97-AF65-F5344CB8AC3E}">
-        <p14:creationId xmlns:p14="http://schemas.microsoft.com/office/powerpoint/2010/main" val="3839673936"/>
+        <p14:creationId xmlns:p14="http://schemas.microsoft.com/office/powerpoint/2010/main" val="560429324"/>
       </p:ext>
     </p:extLst>
   </p:cSld>
@@ -14126,7 +14272,7 @@
             </a:r>
             <a:r>
               <a:rPr lang="en-IN" dirty="0" smtClean="0"/>
-              <a:t>Series(2)</a:t>
+              <a:t>Series(3)</a:t>
             </a:r>
             <a:endParaRPr lang="en-IN" dirty="0"/>
           </a:p>
@@ -14145,53 +14291,49 @@
         <p:spPr/>
         <p:txBody>
           <a:bodyPr>
-            <a:normAutofit lnSpcReduction="10000"/>
+            <a:normAutofit/>
           </a:bodyPr>
           <a:lstStyle/>
           <a:p>
             <a:r>
               <a:rPr lang="en-IN" dirty="0"/>
-              <a:t>H2: In the absence of market abuse phenomena, there is positive correlation between wholesale price and retail price. i.e.  If there is increase in the wholesale price of onion, then there will be corresponding increase in the retail price and vice-versa </a:t>
+              <a:t>H3: The deviation between arrival - wholesale and wholesale- retail should not vary much compared to values for same time in past years.(Considering Seasonality within data)</a:t>
             </a:r>
           </a:p>
           <a:p>
             <a:r>
               <a:rPr lang="en-IN" dirty="0"/>
-              <a:t>Assuming, demand remains constant and there is no supply shock created because of excessive export of onion</a:t>
+              <a:t>This states that even if it is following H1 and H2, the variation should not be very large as compared to past years</a:t>
             </a:r>
           </a:p>
           <a:p>
             <a:r>
               <a:rPr lang="en-IN" dirty="0"/>
-              <a:t>Test Criterion: </a:t>
+              <a:t>Test Criterion:</a:t>
             </a:r>
           </a:p>
           <a:p>
             <a:pPr lvl="1"/>
             <a:r>
+              <a:rPr lang="en-IN" dirty="0" smtClean="0"/>
+              <a:t>Graph </a:t>
+            </a:r>
+            <a:r>
               <a:rPr lang="en-IN" dirty="0"/>
-              <a:t>Cross correlation between wholesale and retail price considering lag factor </a:t>
-            </a:r>
-          </a:p>
-          <a:p>
-            <a:pPr lvl="2"/>
-            <a:r>
-              <a:rPr lang="en-IN" dirty="0"/>
-              <a:t>Use of sliding window for calculating correlation with different window size </a:t>
+              <a:t>based Anomaly Detection Technique</a:t>
             </a:r>
           </a:p>
           <a:p>
             <a:pPr lvl="1"/>
             <a:r>
-              <a:rPr lang="en-IN" dirty="0"/>
-              <a:t>Slope based method</a:t>
-            </a:r>
-          </a:p>
-          <a:p>
-            <a:pPr lvl="1"/>
-            <a:r>
-              <a:rPr lang="en-IN" dirty="0"/>
-              <a:t>Linear regression</a:t>
+              <a:rPr lang="en-IN" dirty="0" smtClean="0"/>
+              <a:t>Multivariate Anomaly Detection Technique	</a:t>
+            </a:r>
+          </a:p>
+          <a:p>
+            <a:r>
+              <a:rPr lang="en-IN" dirty="0" smtClean="0"/>
+              <a:t>Results of H1 and H2 are intersected with results of H3 in order to consider trend and seasonality </a:t>
             </a:r>
           </a:p>
         </p:txBody>
@@ -14199,7 +14341,7 @@
     </p:spTree>
     <p:extLst>
       <p:ext uri="{BB962C8B-B14F-4D97-AF65-F5344CB8AC3E}">
-        <p14:creationId xmlns:p14="http://schemas.microsoft.com/office/powerpoint/2010/main" val="560429324"/>
+        <p14:creationId xmlns:p14="http://schemas.microsoft.com/office/powerpoint/2010/main" val="2480911189"/>
       </p:ext>
     </p:extLst>
   </p:cSld>
@@ -14254,7 +14396,7 @@
             </a:r>
             <a:r>
               <a:rPr lang="en-IN" dirty="0" smtClean="0"/>
-              <a:t>Series(3)</a:t>
+              <a:t>Series(4)</a:t>
             </a:r>
             <a:endParaRPr lang="en-IN" dirty="0"/>
           </a:p>
@@ -14273,43 +14415,138 @@
         <p:spPr/>
         <p:txBody>
           <a:bodyPr>
-            <a:normAutofit/>
+            <a:normAutofit fontScale="92500" lnSpcReduction="20000"/>
           </a:bodyPr>
           <a:lstStyle/>
           <a:p>
             <a:r>
               <a:rPr lang="en-IN" dirty="0"/>
-              <a:t>H3: The deviation between arrival - wholesale and wholesale- retail should not vary much compared to values for same time in past years.(Considering Seasonality within data)</a:t>
-            </a:r>
-          </a:p>
-          <a:p>
+              <a:t>H4: </a:t>
+            </a:r>
+            <a:r>
+              <a:rPr lang="en-IN" dirty="0" err="1"/>
+              <a:t>Mandis</a:t>
+            </a:r>
             <a:r>
               <a:rPr lang="en-IN" dirty="0"/>
-              <a:t>This states that even if it is following H1 and H2, the variation should not be very large as compared to past years</a:t>
-            </a:r>
-          </a:p>
-          <a:p>
+              <a:t> in the same region should follow the same relationship between arrival and wholesale price, as that of, taken whole region </a:t>
+            </a:r>
+            <a:r>
+              <a:rPr lang="en-IN" dirty="0" err="1"/>
+              <a:t>combinely</a:t>
+            </a:r>
+            <a:r>
+              <a:rPr lang="en-IN" dirty="0" smtClean="0"/>
+              <a:t>.</a:t>
+            </a:r>
+          </a:p>
+          <a:p>
+            <a:pPr marL="0" indent="0">
+              <a:buNone/>
+            </a:pPr>
             <a:r>
               <a:rPr lang="en-IN" dirty="0"/>
-              <a:t>Test Criterion:</a:t>
+              <a:t>	</a:t>
+            </a:r>
+            <a:r>
+              <a:rPr lang="en-IN" dirty="0" smtClean="0"/>
+              <a:t>				OR</a:t>
+            </a:r>
+          </a:p>
+          <a:p>
+            <a:pPr marL="0" indent="0">
+              <a:buNone/>
+            </a:pPr>
+            <a:r>
+              <a:rPr lang="en-IN" dirty="0"/>
+              <a:t>   Retail prices across various centres should follow same relationship among themselves taken </a:t>
+            </a:r>
+            <a:r>
+              <a:rPr lang="en-IN" dirty="0" smtClean="0"/>
+              <a:t>effect </a:t>
+            </a:r>
+            <a:r>
+              <a:rPr lang="en-IN" dirty="0"/>
+              <a:t>of them </a:t>
+            </a:r>
+            <a:r>
+              <a:rPr lang="en-IN" dirty="0" err="1"/>
+              <a:t>combinely</a:t>
+            </a:r>
+            <a:r>
+              <a:rPr lang="en-IN" dirty="0"/>
+              <a:t>.</a:t>
+            </a:r>
+          </a:p>
+          <a:p>
+            <a:endParaRPr lang="en-IN" dirty="0" smtClean="0"/>
+          </a:p>
+          <a:p>
+            <a:r>
+              <a:rPr lang="en-IN" dirty="0" smtClean="0"/>
+              <a:t>Test </a:t>
+            </a:r>
+            <a:r>
+              <a:rPr lang="en-IN" dirty="0"/>
+              <a:t>Criterion:</a:t>
             </a:r>
           </a:p>
           <a:p>
             <a:pPr lvl="1"/>
             <a:r>
+              <a:rPr lang="en-IN" dirty="0"/>
+              <a:t>First generate combined time series from all </a:t>
+            </a:r>
+            <a:r>
+              <a:rPr lang="en-IN" dirty="0" err="1" smtClean="0"/>
+              <a:t>Mandis</a:t>
+            </a:r>
+            <a:r>
               <a:rPr lang="en-IN" dirty="0" smtClean="0"/>
-              <a:t>Graph </a:t>
+              <a:t>/</a:t>
+            </a:r>
+            <a:r>
+              <a:rPr lang="en-IN" dirty="0" err="1" smtClean="0"/>
+              <a:t>Centers</a:t>
+            </a:r>
+            <a:endParaRPr lang="en-IN" dirty="0"/>
+          </a:p>
+          <a:p>
+            <a:pPr lvl="2"/>
+            <a:r>
+              <a:rPr lang="en-IN" dirty="0" smtClean="0"/>
+              <a:t>Average of Prices at all centres</a:t>
+            </a:r>
+          </a:p>
+          <a:p>
+            <a:pPr lvl="1"/>
+            <a:r>
+              <a:rPr lang="en-IN" dirty="0" smtClean="0"/>
+              <a:t>Then </a:t>
             </a:r>
             <a:r>
               <a:rPr lang="en-IN" dirty="0"/>
-              <a:t>based Anomaly Detection Technique</a:t>
-            </a:r>
-          </a:p>
-          <a:p>
-            <a:pPr lvl="1"/>
+              <a:t>compare each </a:t>
+            </a:r>
             <a:r>
               <a:rPr lang="en-IN" dirty="0" smtClean="0"/>
-              <a:t>Multivariate Anomaly Detection Technique</a:t>
+              <a:t>Centre's </a:t>
+            </a:r>
+            <a:r>
+              <a:rPr lang="en-IN" dirty="0"/>
+              <a:t>time series with </a:t>
+            </a:r>
+            <a:r>
+              <a:rPr lang="en-IN" dirty="0" smtClean="0"/>
+              <a:t>average one</a:t>
+            </a:r>
+            <a:r>
+              <a:rPr lang="en-IN" dirty="0"/>
+              <a:t>, using methods stated in </a:t>
+            </a:r>
+            <a:r>
+              <a:rPr lang="en-IN" dirty="0" smtClean="0"/>
+              <a:t>H2</a:t>
             </a:r>
             <a:endParaRPr lang="en-IN" dirty="0"/>
           </a:p>
@@ -14318,7 +14555,7 @@
     </p:spTree>
     <p:extLst>
       <p:ext uri="{BB962C8B-B14F-4D97-AF65-F5344CB8AC3E}">
-        <p14:creationId xmlns:p14="http://schemas.microsoft.com/office/powerpoint/2010/main" val="2480911189"/>
+        <p14:creationId xmlns:p14="http://schemas.microsoft.com/office/powerpoint/2010/main" val="1001609864"/>
       </p:ext>
     </p:extLst>
   </p:cSld>
@@ -14368,171 +14605,1264 @@
           <a:lstStyle/>
           <a:p>
             <a:r>
-              <a:rPr lang="en-IN" dirty="0"/>
-              <a:t>Hypothesis for Onion Time </a:t>
-            </a:r>
-            <a:r>
               <a:rPr lang="en-IN" dirty="0" smtClean="0"/>
-              <a:t>Series(4)</a:t>
+              <a:t>Anomaly Scenarios</a:t>
             </a:r>
             <a:endParaRPr lang="en-IN" dirty="0"/>
           </a:p>
         </p:txBody>
       </p:sp>
-      <p:sp>
-        <p:nvSpPr>
-          <p:cNvPr id="3" name="Content Placeholder 2"/>
-          <p:cNvSpPr>
-            <a:spLocks noGrp="1"/>
-          </p:cNvSpPr>
+      <p:graphicFrame>
+        <p:nvGraphicFramePr>
+          <p:cNvPr id="4" name="Content Placeholder 3"/>
+          <p:cNvGraphicFramePr>
+            <a:graphicFrameLocks noGrp="1"/>
+          </p:cNvGraphicFramePr>
           <p:nvPr>
             <p:ph idx="1"/>
+            <p:extLst>
+              <p:ext uri="{D42A27DB-BD31-4B8C-83A1-F6EECF244321}">
+                <p14:modId xmlns:p14="http://schemas.microsoft.com/office/powerpoint/2010/main" val="1180736717"/>
+              </p:ext>
+            </p:extLst>
           </p:nvPr>
-        </p:nvSpPr>
-        <p:spPr/>
-        <p:txBody>
-          <a:bodyPr>
-            <a:normAutofit fontScale="92500" lnSpcReduction="20000"/>
-          </a:bodyPr>
-          <a:lstStyle/>
-          <a:p>
-            <a:r>
-              <a:rPr lang="en-IN" dirty="0"/>
-              <a:t>H4: </a:t>
-            </a:r>
-            <a:r>
-              <a:rPr lang="en-IN" dirty="0" err="1"/>
-              <a:t>Mandis</a:t>
-            </a:r>
-            <a:r>
-              <a:rPr lang="en-IN" dirty="0"/>
-              <a:t> in the same region should follow the same relationship between arrival and wholesale price, as that of, taken whole region </a:t>
-            </a:r>
-            <a:r>
-              <a:rPr lang="en-IN" dirty="0" err="1"/>
-              <a:t>combinely</a:t>
-            </a:r>
-            <a:r>
-              <a:rPr lang="en-IN" dirty="0" smtClean="0"/>
-              <a:t>.</a:t>
-            </a:r>
-          </a:p>
-          <a:p>
-            <a:pPr marL="0" indent="0">
-              <a:buNone/>
-            </a:pPr>
-            <a:r>
-              <a:rPr lang="en-IN" dirty="0"/>
-              <a:t>	</a:t>
-            </a:r>
-            <a:r>
-              <a:rPr lang="en-IN" dirty="0" smtClean="0"/>
-              <a:t>				OR</a:t>
-            </a:r>
-          </a:p>
-          <a:p>
-            <a:pPr marL="0" indent="0">
-              <a:buNone/>
-            </a:pPr>
-            <a:r>
-              <a:rPr lang="en-IN" dirty="0"/>
-              <a:t>   Retail prices across various centres should follow same relationship among themselves taken </a:t>
-            </a:r>
-            <a:r>
-              <a:rPr lang="en-IN" dirty="0" smtClean="0"/>
-              <a:t>effect </a:t>
-            </a:r>
-            <a:r>
-              <a:rPr lang="en-IN" dirty="0"/>
-              <a:t>of them </a:t>
-            </a:r>
-            <a:r>
-              <a:rPr lang="en-IN" dirty="0" err="1"/>
-              <a:t>combinely</a:t>
-            </a:r>
-            <a:r>
-              <a:rPr lang="en-IN" dirty="0"/>
-              <a:t>.</a:t>
-            </a:r>
-          </a:p>
-          <a:p>
-            <a:endParaRPr lang="en-IN" dirty="0" smtClean="0"/>
-          </a:p>
-          <a:p>
-            <a:r>
-              <a:rPr lang="en-IN" dirty="0" smtClean="0"/>
-              <a:t>Test </a:t>
-            </a:r>
-            <a:r>
-              <a:rPr lang="en-IN" dirty="0"/>
-              <a:t>Criterion:</a:t>
-            </a:r>
-          </a:p>
-          <a:p>
-            <a:pPr lvl="1"/>
-            <a:r>
-              <a:rPr lang="en-IN" dirty="0"/>
-              <a:t>First generate combined time series from all </a:t>
-            </a:r>
-            <a:r>
-              <a:rPr lang="en-IN" dirty="0" err="1" smtClean="0"/>
-              <a:t>Mandis</a:t>
-            </a:r>
-            <a:r>
-              <a:rPr lang="en-IN" dirty="0" smtClean="0"/>
-              <a:t>/</a:t>
-            </a:r>
-            <a:r>
-              <a:rPr lang="en-IN" dirty="0" err="1" smtClean="0"/>
-              <a:t>Centers</a:t>
-            </a:r>
-            <a:endParaRPr lang="en-IN" dirty="0"/>
-          </a:p>
-          <a:p>
-            <a:pPr lvl="2"/>
-            <a:r>
-              <a:rPr lang="en-IN" dirty="0" smtClean="0"/>
-              <a:t>Average of Prices at all centres</a:t>
-            </a:r>
-          </a:p>
-          <a:p>
-            <a:pPr lvl="1"/>
-            <a:r>
-              <a:rPr lang="en-IN" dirty="0" smtClean="0"/>
-              <a:t>Then </a:t>
-            </a:r>
-            <a:r>
-              <a:rPr lang="en-IN" dirty="0"/>
-              <a:t>compare each </a:t>
-            </a:r>
-            <a:r>
-              <a:rPr lang="en-IN" dirty="0" smtClean="0"/>
-              <a:t>Centre's </a:t>
-            </a:r>
-            <a:r>
-              <a:rPr lang="en-IN" dirty="0"/>
-              <a:t>time series with </a:t>
-            </a:r>
-            <a:r>
-              <a:rPr lang="en-IN" dirty="0" smtClean="0"/>
-              <a:t>average one</a:t>
-            </a:r>
-            <a:r>
-              <a:rPr lang="en-IN" dirty="0"/>
-              <a:t>, using methods stated in </a:t>
-            </a:r>
-            <a:r>
-              <a:rPr lang="en-IN" dirty="0" smtClean="0"/>
-              <a:t>H2</a:t>
-            </a:r>
-            <a:endParaRPr lang="en-IN" dirty="0"/>
-          </a:p>
-        </p:txBody>
-      </p:sp>
+        </p:nvGraphicFramePr>
+        <p:xfrm>
+          <a:off x="1177833" y="1696267"/>
+          <a:ext cx="3733800" cy="2215481"/>
+        </p:xfrm>
+        <a:graphic>
+          <a:graphicData uri="http://schemas.openxmlformats.org/drawingml/2006/table">
+            <a:tbl>
+              <a:tblPr firstRow="1" bandRow="1">
+                <a:tableStyleId>{5C22544A-7EE6-4342-B048-85BDC9FD1C3A}</a:tableStyleId>
+              </a:tblPr>
+              <a:tblGrid>
+                <a:gridCol w="1905726"/>
+                <a:gridCol w="547914"/>
+                <a:gridCol w="535577"/>
+                <a:gridCol w="744583"/>
+              </a:tblGrid>
+              <a:tr h="764960">
+                <a:tc>
+                  <a:txBody>
+                    <a:bodyPr/>
+                    <a:lstStyle/>
+                    <a:p>
+                      <a:pPr algn="ctr"/>
+                      <a:r>
+                        <a:rPr lang="en-IN" dirty="0" smtClean="0"/>
+                        <a:t>Retail\Wholesale</a:t>
+                      </a:r>
+                      <a:endParaRPr lang="en-IN" dirty="0"/>
+                    </a:p>
+                  </a:txBody>
+                  <a:tcPr/>
+                </a:tc>
+                <a:tc>
+                  <a:txBody>
+                    <a:bodyPr/>
+                    <a:lstStyle/>
+                    <a:p>
+                      <a:pPr algn="ctr"/>
+                      <a:r>
+                        <a:rPr lang="en-IN" dirty="0" smtClean="0"/>
+                        <a:t>↑</a:t>
+                      </a:r>
+                      <a:endParaRPr lang="en-IN" dirty="0"/>
+                    </a:p>
+                  </a:txBody>
+                  <a:tcPr/>
+                </a:tc>
+                <a:tc>
+                  <a:txBody>
+                    <a:bodyPr/>
+                    <a:lstStyle/>
+                    <a:p>
+                      <a:pPr algn="ctr"/>
+                      <a:r>
+                        <a:rPr lang="en-IN" dirty="0" smtClean="0"/>
+                        <a:t>↔</a:t>
+                      </a:r>
+                      <a:endParaRPr lang="en-IN" dirty="0"/>
+                    </a:p>
+                  </a:txBody>
+                  <a:tcPr/>
+                </a:tc>
+                <a:tc>
+                  <a:txBody>
+                    <a:bodyPr/>
+                    <a:lstStyle/>
+                    <a:p>
+                      <a:pPr algn="ctr"/>
+                      <a:r>
+                        <a:rPr lang="en-IN" dirty="0" smtClean="0"/>
+                        <a:t>↓</a:t>
+                      </a:r>
+                      <a:endParaRPr lang="en-IN" dirty="0"/>
+                    </a:p>
+                  </a:txBody>
+                  <a:tcPr/>
+                </a:tc>
+              </a:tr>
+              <a:tr h="483507">
+                <a:tc>
+                  <a:txBody>
+                    <a:bodyPr/>
+                    <a:lstStyle/>
+                    <a:p>
+                      <a:pPr algn="ctr"/>
+                      <a:r>
+                        <a:rPr lang="en-IN" dirty="0" smtClean="0"/>
+                        <a:t>↑</a:t>
+                      </a:r>
+                      <a:endParaRPr lang="en-IN" dirty="0"/>
+                    </a:p>
+                  </a:txBody>
+                  <a:tcPr/>
+                </a:tc>
+                <a:tc>
+                  <a:txBody>
+                    <a:bodyPr/>
+                    <a:lstStyle/>
+                    <a:p>
+                      <a:pPr algn="ctr"/>
+                      <a:r>
+                        <a:rPr lang="en-IN" dirty="0" smtClean="0"/>
+                        <a:t>-</a:t>
+                      </a:r>
+                      <a:endParaRPr lang="en-IN" dirty="0"/>
+                    </a:p>
+                  </a:txBody>
+                  <a:tcPr/>
+                </a:tc>
+                <a:tc>
+                  <a:txBody>
+                    <a:bodyPr/>
+                    <a:lstStyle/>
+                    <a:p>
+                      <a:pPr algn="ctr"/>
+                      <a:r>
+                        <a:rPr lang="en-IN" dirty="0" smtClean="0">
+                          <a:solidFill>
+                            <a:srgbClr val="FF0000"/>
+                          </a:solidFill>
+                        </a:rPr>
+                        <a:t>A</a:t>
+                      </a:r>
+                      <a:endParaRPr lang="en-IN" dirty="0">
+                        <a:solidFill>
+                          <a:srgbClr val="FF0000"/>
+                        </a:solidFill>
+                      </a:endParaRPr>
+                    </a:p>
+                  </a:txBody>
+                  <a:tcPr/>
+                </a:tc>
+                <a:tc>
+                  <a:txBody>
+                    <a:bodyPr/>
+                    <a:lstStyle/>
+                    <a:p>
+                      <a:pPr marL="0" marR="0" indent="0" algn="ctr" defTabSz="914400" rtl="0" eaLnBrk="1" fontAlgn="auto" latinLnBrk="0" hangingPunct="1">
+                        <a:lnSpc>
+                          <a:spcPct val="100000"/>
+                        </a:lnSpc>
+                        <a:spcBef>
+                          <a:spcPts val="0"/>
+                        </a:spcBef>
+                        <a:spcAft>
+                          <a:spcPts val="0"/>
+                        </a:spcAft>
+                        <a:buClrTx/>
+                        <a:buSzTx/>
+                        <a:buFontTx/>
+                        <a:buNone/>
+                        <a:tabLst/>
+                        <a:defRPr/>
+                      </a:pPr>
+                      <a:r>
+                        <a:rPr lang="en-IN" dirty="0" smtClean="0">
+                          <a:solidFill>
+                            <a:srgbClr val="FF0000"/>
+                          </a:solidFill>
+                        </a:rPr>
+                        <a:t>A</a:t>
+                      </a:r>
+                      <a:endParaRPr lang="en-IN" dirty="0"/>
+                    </a:p>
+                  </a:txBody>
+                  <a:tcPr/>
+                </a:tc>
+              </a:tr>
+              <a:tr h="483507">
+                <a:tc>
+                  <a:txBody>
+                    <a:bodyPr/>
+                    <a:lstStyle/>
+                    <a:p>
+                      <a:pPr algn="ctr"/>
+                      <a:r>
+                        <a:rPr lang="en-IN" dirty="0" smtClean="0"/>
+                        <a:t>↔</a:t>
+                      </a:r>
+                      <a:endParaRPr lang="en-IN" dirty="0"/>
+                    </a:p>
+                  </a:txBody>
+                  <a:tcPr/>
+                </a:tc>
+                <a:tc>
+                  <a:txBody>
+                    <a:bodyPr/>
+                    <a:lstStyle/>
+                    <a:p>
+                      <a:pPr algn="ctr"/>
+                      <a:r>
+                        <a:rPr lang="en-IN" dirty="0" smtClean="0"/>
+                        <a:t>-</a:t>
+                      </a:r>
+                      <a:endParaRPr lang="en-IN" dirty="0"/>
+                    </a:p>
+                  </a:txBody>
+                  <a:tcPr/>
+                </a:tc>
+                <a:tc>
+                  <a:txBody>
+                    <a:bodyPr/>
+                    <a:lstStyle/>
+                    <a:p>
+                      <a:pPr algn="ctr"/>
+                      <a:r>
+                        <a:rPr lang="en-IN" dirty="0" smtClean="0"/>
+                        <a:t>-</a:t>
+                      </a:r>
+                      <a:endParaRPr lang="en-IN" dirty="0"/>
+                    </a:p>
+                  </a:txBody>
+                  <a:tcPr/>
+                </a:tc>
+                <a:tc>
+                  <a:txBody>
+                    <a:bodyPr/>
+                    <a:lstStyle/>
+                    <a:p>
+                      <a:pPr marL="0" marR="0" indent="0" algn="ctr" defTabSz="914400" rtl="0" eaLnBrk="1" fontAlgn="auto" latinLnBrk="0" hangingPunct="1">
+                        <a:lnSpc>
+                          <a:spcPct val="100000"/>
+                        </a:lnSpc>
+                        <a:spcBef>
+                          <a:spcPts val="0"/>
+                        </a:spcBef>
+                        <a:spcAft>
+                          <a:spcPts val="0"/>
+                        </a:spcAft>
+                        <a:buClrTx/>
+                        <a:buSzTx/>
+                        <a:buFontTx/>
+                        <a:buNone/>
+                        <a:tabLst/>
+                        <a:defRPr/>
+                      </a:pPr>
+                      <a:r>
+                        <a:rPr lang="en-IN" dirty="0" smtClean="0">
+                          <a:solidFill>
+                            <a:srgbClr val="FF0000"/>
+                          </a:solidFill>
+                        </a:rPr>
+                        <a:t>A</a:t>
+                      </a:r>
+                    </a:p>
+                  </a:txBody>
+                  <a:tcPr/>
+                </a:tc>
+              </a:tr>
+              <a:tr h="483507">
+                <a:tc>
+                  <a:txBody>
+                    <a:bodyPr/>
+                    <a:lstStyle/>
+                    <a:p>
+                      <a:pPr algn="ctr"/>
+                      <a:r>
+                        <a:rPr lang="en-IN" dirty="0" smtClean="0"/>
+                        <a:t>↓</a:t>
+                      </a:r>
+                      <a:endParaRPr lang="en-IN" dirty="0"/>
+                    </a:p>
+                  </a:txBody>
+                  <a:tcPr/>
+                </a:tc>
+                <a:tc>
+                  <a:txBody>
+                    <a:bodyPr/>
+                    <a:lstStyle/>
+                    <a:p>
+                      <a:pPr algn="ctr"/>
+                      <a:r>
+                        <a:rPr lang="en-IN" dirty="0" smtClean="0"/>
+                        <a:t>-</a:t>
+                      </a:r>
+                      <a:endParaRPr lang="en-IN" dirty="0"/>
+                    </a:p>
+                  </a:txBody>
+                  <a:tcPr/>
+                </a:tc>
+                <a:tc>
+                  <a:txBody>
+                    <a:bodyPr/>
+                    <a:lstStyle/>
+                    <a:p>
+                      <a:pPr algn="ctr"/>
+                      <a:r>
+                        <a:rPr lang="en-IN" dirty="0" smtClean="0"/>
+                        <a:t>-</a:t>
+                      </a:r>
+                      <a:endParaRPr lang="en-IN" dirty="0"/>
+                    </a:p>
+                  </a:txBody>
+                  <a:tcPr/>
+                </a:tc>
+                <a:tc>
+                  <a:txBody>
+                    <a:bodyPr/>
+                    <a:lstStyle/>
+                    <a:p>
+                      <a:pPr algn="ctr"/>
+                      <a:r>
+                        <a:rPr lang="en-IN" dirty="0" smtClean="0"/>
+                        <a:t>-</a:t>
+                      </a:r>
+                      <a:endParaRPr lang="en-IN" dirty="0"/>
+                    </a:p>
+                  </a:txBody>
+                  <a:tcPr/>
+                </a:tc>
+              </a:tr>
+            </a:tbl>
+          </a:graphicData>
+        </a:graphic>
+      </p:graphicFrame>
+      <p:graphicFrame>
+        <p:nvGraphicFramePr>
+          <p:cNvPr id="5" name="Content Placeholder 3"/>
+          <p:cNvGraphicFramePr>
+            <a:graphicFrameLocks/>
+          </p:cNvGraphicFramePr>
+          <p:nvPr>
+            <p:extLst>
+              <p:ext uri="{D42A27DB-BD31-4B8C-83A1-F6EECF244321}">
+                <p14:modId xmlns:p14="http://schemas.microsoft.com/office/powerpoint/2010/main" val="402379490"/>
+              </p:ext>
+            </p:extLst>
+          </p:nvPr>
+        </p:nvGraphicFramePr>
+        <p:xfrm>
+          <a:off x="6320246" y="1690688"/>
+          <a:ext cx="3733800" cy="2215481"/>
+        </p:xfrm>
+        <a:graphic>
+          <a:graphicData uri="http://schemas.openxmlformats.org/drawingml/2006/table">
+            <a:tbl>
+              <a:tblPr firstRow="1" bandRow="1">
+                <a:tableStyleId>{5C22544A-7EE6-4342-B048-85BDC9FD1C3A}</a:tableStyleId>
+              </a:tblPr>
+              <a:tblGrid>
+                <a:gridCol w="1905726"/>
+                <a:gridCol w="547914"/>
+                <a:gridCol w="535577"/>
+                <a:gridCol w="744583"/>
+              </a:tblGrid>
+              <a:tr h="764960">
+                <a:tc>
+                  <a:txBody>
+                    <a:bodyPr/>
+                    <a:lstStyle/>
+                    <a:p>
+                      <a:pPr algn="ctr"/>
+                      <a:r>
+                        <a:rPr lang="en-IN" dirty="0" smtClean="0"/>
+                        <a:t>Wholesale\Arrival</a:t>
+                      </a:r>
+                      <a:endParaRPr lang="en-IN" dirty="0"/>
+                    </a:p>
+                  </a:txBody>
+                  <a:tcPr/>
+                </a:tc>
+                <a:tc>
+                  <a:txBody>
+                    <a:bodyPr/>
+                    <a:lstStyle/>
+                    <a:p>
+                      <a:pPr algn="ctr"/>
+                      <a:r>
+                        <a:rPr lang="en-IN" dirty="0" smtClean="0"/>
+                        <a:t>↑</a:t>
+                      </a:r>
+                      <a:endParaRPr lang="en-IN" dirty="0"/>
+                    </a:p>
+                  </a:txBody>
+                  <a:tcPr/>
+                </a:tc>
+                <a:tc>
+                  <a:txBody>
+                    <a:bodyPr/>
+                    <a:lstStyle/>
+                    <a:p>
+                      <a:pPr algn="ctr"/>
+                      <a:r>
+                        <a:rPr lang="en-IN" dirty="0" smtClean="0"/>
+                        <a:t>↔</a:t>
+                      </a:r>
+                      <a:endParaRPr lang="en-IN" dirty="0"/>
+                    </a:p>
+                  </a:txBody>
+                  <a:tcPr/>
+                </a:tc>
+                <a:tc>
+                  <a:txBody>
+                    <a:bodyPr/>
+                    <a:lstStyle/>
+                    <a:p>
+                      <a:pPr algn="ctr"/>
+                      <a:r>
+                        <a:rPr lang="en-IN" dirty="0" smtClean="0"/>
+                        <a:t>↓</a:t>
+                      </a:r>
+                      <a:endParaRPr lang="en-IN" dirty="0"/>
+                    </a:p>
+                  </a:txBody>
+                  <a:tcPr/>
+                </a:tc>
+              </a:tr>
+              <a:tr h="483507">
+                <a:tc>
+                  <a:txBody>
+                    <a:bodyPr/>
+                    <a:lstStyle/>
+                    <a:p>
+                      <a:pPr algn="ctr"/>
+                      <a:r>
+                        <a:rPr lang="en-IN" dirty="0" smtClean="0"/>
+                        <a:t>↑</a:t>
+                      </a:r>
+                      <a:endParaRPr lang="en-IN" dirty="0"/>
+                    </a:p>
+                  </a:txBody>
+                  <a:tcPr/>
+                </a:tc>
+                <a:tc>
+                  <a:txBody>
+                    <a:bodyPr/>
+                    <a:lstStyle/>
+                    <a:p>
+                      <a:pPr algn="ctr"/>
+                      <a:r>
+                        <a:rPr lang="en-IN" dirty="0" smtClean="0">
+                          <a:solidFill>
+                            <a:srgbClr val="FF0000"/>
+                          </a:solidFill>
+                        </a:rPr>
+                        <a:t>A</a:t>
+                      </a:r>
+                      <a:endParaRPr lang="en-IN" dirty="0"/>
+                    </a:p>
+                  </a:txBody>
+                  <a:tcPr/>
+                </a:tc>
+                <a:tc>
+                  <a:txBody>
+                    <a:bodyPr/>
+                    <a:lstStyle/>
+                    <a:p>
+                      <a:pPr algn="ctr"/>
+                      <a:r>
+                        <a:rPr lang="en-IN" dirty="0" smtClean="0">
+                          <a:solidFill>
+                            <a:srgbClr val="FF0000"/>
+                          </a:solidFill>
+                        </a:rPr>
+                        <a:t>A</a:t>
+                      </a:r>
+                      <a:endParaRPr lang="en-IN" dirty="0"/>
+                    </a:p>
+                  </a:txBody>
+                  <a:tcPr/>
+                </a:tc>
+                <a:tc>
+                  <a:txBody>
+                    <a:bodyPr/>
+                    <a:lstStyle/>
+                    <a:p>
+                      <a:pPr algn="ctr"/>
+                      <a:r>
+                        <a:rPr lang="en-IN" dirty="0" smtClean="0"/>
+                        <a:t>-</a:t>
+                      </a:r>
+                      <a:endParaRPr lang="en-IN" dirty="0"/>
+                    </a:p>
+                  </a:txBody>
+                  <a:tcPr/>
+                </a:tc>
+              </a:tr>
+              <a:tr h="483507">
+                <a:tc>
+                  <a:txBody>
+                    <a:bodyPr/>
+                    <a:lstStyle/>
+                    <a:p>
+                      <a:pPr algn="ctr"/>
+                      <a:r>
+                        <a:rPr lang="en-IN" dirty="0" smtClean="0"/>
+                        <a:t>↔</a:t>
+                      </a:r>
+                      <a:endParaRPr lang="en-IN" dirty="0"/>
+                    </a:p>
+                  </a:txBody>
+                  <a:tcPr/>
+                </a:tc>
+                <a:tc>
+                  <a:txBody>
+                    <a:bodyPr/>
+                    <a:lstStyle/>
+                    <a:p>
+                      <a:pPr algn="ctr"/>
+                      <a:r>
+                        <a:rPr lang="en-IN" dirty="0" smtClean="0">
+                          <a:solidFill>
+                            <a:srgbClr val="FF0000"/>
+                          </a:solidFill>
+                        </a:rPr>
+                        <a:t>A</a:t>
+                      </a:r>
+                      <a:endParaRPr lang="en-IN" dirty="0"/>
+                    </a:p>
+                  </a:txBody>
+                  <a:tcPr/>
+                </a:tc>
+                <a:tc>
+                  <a:txBody>
+                    <a:bodyPr/>
+                    <a:lstStyle/>
+                    <a:p>
+                      <a:pPr algn="ctr"/>
+                      <a:r>
+                        <a:rPr lang="en-IN" dirty="0" smtClean="0"/>
+                        <a:t>-</a:t>
+                      </a:r>
+                      <a:endParaRPr lang="en-IN" dirty="0"/>
+                    </a:p>
+                  </a:txBody>
+                  <a:tcPr/>
+                </a:tc>
+                <a:tc>
+                  <a:txBody>
+                    <a:bodyPr/>
+                    <a:lstStyle/>
+                    <a:p>
+                      <a:pPr algn="ctr"/>
+                      <a:r>
+                        <a:rPr lang="en-IN" dirty="0" smtClean="0"/>
+                        <a:t>-</a:t>
+                      </a:r>
+                      <a:endParaRPr lang="en-IN" dirty="0"/>
+                    </a:p>
+                  </a:txBody>
+                  <a:tcPr/>
+                </a:tc>
+              </a:tr>
+              <a:tr h="483507">
+                <a:tc>
+                  <a:txBody>
+                    <a:bodyPr/>
+                    <a:lstStyle/>
+                    <a:p>
+                      <a:pPr algn="ctr"/>
+                      <a:r>
+                        <a:rPr lang="en-IN" dirty="0" smtClean="0"/>
+                        <a:t>↓</a:t>
+                      </a:r>
+                      <a:endParaRPr lang="en-IN" dirty="0"/>
+                    </a:p>
+                  </a:txBody>
+                  <a:tcPr/>
+                </a:tc>
+                <a:tc>
+                  <a:txBody>
+                    <a:bodyPr/>
+                    <a:lstStyle/>
+                    <a:p>
+                      <a:pPr algn="ctr"/>
+                      <a:r>
+                        <a:rPr lang="en-IN" dirty="0" smtClean="0"/>
+                        <a:t>-</a:t>
+                      </a:r>
+                      <a:endParaRPr lang="en-IN" dirty="0"/>
+                    </a:p>
+                  </a:txBody>
+                  <a:tcPr/>
+                </a:tc>
+                <a:tc>
+                  <a:txBody>
+                    <a:bodyPr/>
+                    <a:lstStyle/>
+                    <a:p>
+                      <a:pPr algn="ctr"/>
+                      <a:r>
+                        <a:rPr lang="en-IN" dirty="0" smtClean="0"/>
+                        <a:t>-</a:t>
+                      </a:r>
+                      <a:endParaRPr lang="en-IN" dirty="0"/>
+                    </a:p>
+                  </a:txBody>
+                  <a:tcPr/>
+                </a:tc>
+                <a:tc>
+                  <a:txBody>
+                    <a:bodyPr/>
+                    <a:lstStyle/>
+                    <a:p>
+                      <a:pPr algn="ctr"/>
+                      <a:r>
+                        <a:rPr lang="en-IN" dirty="0" smtClean="0"/>
+                        <a:t>-</a:t>
+                      </a:r>
+                      <a:endParaRPr lang="en-IN" dirty="0"/>
+                    </a:p>
+                  </a:txBody>
+                  <a:tcPr/>
+                </a:tc>
+              </a:tr>
+            </a:tbl>
+          </a:graphicData>
+        </a:graphic>
+      </p:graphicFrame>
+      <p:graphicFrame>
+        <p:nvGraphicFramePr>
+          <p:cNvPr id="7" name="Content Placeholder 3"/>
+          <p:cNvGraphicFramePr>
+            <a:graphicFrameLocks/>
+          </p:cNvGraphicFramePr>
+          <p:nvPr>
+            <p:extLst>
+              <p:ext uri="{D42A27DB-BD31-4B8C-83A1-F6EECF244321}">
+                <p14:modId xmlns:p14="http://schemas.microsoft.com/office/powerpoint/2010/main" val="3600684925"/>
+              </p:ext>
+            </p:extLst>
+          </p:nvPr>
+        </p:nvGraphicFramePr>
+        <p:xfrm>
+          <a:off x="6355626" y="4424807"/>
+          <a:ext cx="3733800" cy="2215481"/>
+        </p:xfrm>
+        <a:graphic>
+          <a:graphicData uri="http://schemas.openxmlformats.org/drawingml/2006/table">
+            <a:tbl>
+              <a:tblPr firstRow="1" bandRow="1">
+                <a:tableStyleId>{5C22544A-7EE6-4342-B048-85BDC9FD1C3A}</a:tableStyleId>
+              </a:tblPr>
+              <a:tblGrid>
+                <a:gridCol w="1905726"/>
+                <a:gridCol w="547914"/>
+                <a:gridCol w="535577"/>
+                <a:gridCol w="744583"/>
+              </a:tblGrid>
+              <a:tr h="764960">
+                <a:tc>
+                  <a:txBody>
+                    <a:bodyPr/>
+                    <a:lstStyle/>
+                    <a:p>
+                      <a:pPr algn="ctr"/>
+                      <a:r>
+                        <a:rPr lang="en-IN" dirty="0" smtClean="0"/>
+                        <a:t>Retail\Average-Retail</a:t>
+                      </a:r>
+                      <a:endParaRPr lang="en-IN" dirty="0"/>
+                    </a:p>
+                  </a:txBody>
+                  <a:tcPr/>
+                </a:tc>
+                <a:tc>
+                  <a:txBody>
+                    <a:bodyPr/>
+                    <a:lstStyle/>
+                    <a:p>
+                      <a:pPr algn="ctr"/>
+                      <a:r>
+                        <a:rPr lang="en-IN" dirty="0" smtClean="0"/>
+                        <a:t>↑</a:t>
+                      </a:r>
+                      <a:endParaRPr lang="en-IN" dirty="0"/>
+                    </a:p>
+                  </a:txBody>
+                  <a:tcPr/>
+                </a:tc>
+                <a:tc>
+                  <a:txBody>
+                    <a:bodyPr/>
+                    <a:lstStyle/>
+                    <a:p>
+                      <a:pPr algn="ctr"/>
+                      <a:r>
+                        <a:rPr lang="en-IN" dirty="0" smtClean="0"/>
+                        <a:t>↔</a:t>
+                      </a:r>
+                      <a:endParaRPr lang="en-IN" dirty="0"/>
+                    </a:p>
+                  </a:txBody>
+                  <a:tcPr/>
+                </a:tc>
+                <a:tc>
+                  <a:txBody>
+                    <a:bodyPr/>
+                    <a:lstStyle/>
+                    <a:p>
+                      <a:pPr algn="ctr"/>
+                      <a:r>
+                        <a:rPr lang="en-IN" dirty="0" smtClean="0"/>
+                        <a:t>↓</a:t>
+                      </a:r>
+                      <a:endParaRPr lang="en-IN" dirty="0"/>
+                    </a:p>
+                  </a:txBody>
+                  <a:tcPr/>
+                </a:tc>
+              </a:tr>
+              <a:tr h="483507">
+                <a:tc>
+                  <a:txBody>
+                    <a:bodyPr/>
+                    <a:lstStyle/>
+                    <a:p>
+                      <a:pPr algn="ctr"/>
+                      <a:r>
+                        <a:rPr lang="en-IN" dirty="0" smtClean="0"/>
+                        <a:t>↑</a:t>
+                      </a:r>
+                      <a:endParaRPr lang="en-IN" dirty="0"/>
+                    </a:p>
+                  </a:txBody>
+                  <a:tcPr/>
+                </a:tc>
+                <a:tc>
+                  <a:txBody>
+                    <a:bodyPr/>
+                    <a:lstStyle/>
+                    <a:p>
+                      <a:pPr algn="ctr"/>
+                      <a:r>
+                        <a:rPr lang="en-IN" dirty="0" smtClean="0"/>
+                        <a:t>-</a:t>
+                      </a:r>
+                      <a:endParaRPr lang="en-IN" dirty="0"/>
+                    </a:p>
+                  </a:txBody>
+                  <a:tcPr/>
+                </a:tc>
+                <a:tc>
+                  <a:txBody>
+                    <a:bodyPr/>
+                    <a:lstStyle/>
+                    <a:p>
+                      <a:pPr algn="ctr"/>
+                      <a:r>
+                        <a:rPr lang="en-IN" dirty="0" smtClean="0">
+                          <a:solidFill>
+                            <a:srgbClr val="FF0000"/>
+                          </a:solidFill>
+                        </a:rPr>
+                        <a:t>A</a:t>
+                      </a:r>
+                      <a:endParaRPr lang="en-IN" dirty="0">
+                        <a:solidFill>
+                          <a:srgbClr val="FF0000"/>
+                        </a:solidFill>
+                      </a:endParaRPr>
+                    </a:p>
+                  </a:txBody>
+                  <a:tcPr/>
+                </a:tc>
+                <a:tc>
+                  <a:txBody>
+                    <a:bodyPr/>
+                    <a:lstStyle/>
+                    <a:p>
+                      <a:pPr marL="0" marR="0" indent="0" algn="ctr" defTabSz="914400" rtl="0" eaLnBrk="1" fontAlgn="auto" latinLnBrk="0" hangingPunct="1">
+                        <a:lnSpc>
+                          <a:spcPct val="100000"/>
+                        </a:lnSpc>
+                        <a:spcBef>
+                          <a:spcPts val="0"/>
+                        </a:spcBef>
+                        <a:spcAft>
+                          <a:spcPts val="0"/>
+                        </a:spcAft>
+                        <a:buClrTx/>
+                        <a:buSzTx/>
+                        <a:buFontTx/>
+                        <a:buNone/>
+                        <a:tabLst/>
+                        <a:defRPr/>
+                      </a:pPr>
+                      <a:r>
+                        <a:rPr lang="en-IN" dirty="0" smtClean="0">
+                          <a:solidFill>
+                            <a:srgbClr val="FF0000"/>
+                          </a:solidFill>
+                        </a:rPr>
+                        <a:t>A</a:t>
+                      </a:r>
+                      <a:endParaRPr lang="en-IN" dirty="0"/>
+                    </a:p>
+                  </a:txBody>
+                  <a:tcPr/>
+                </a:tc>
+              </a:tr>
+              <a:tr h="483507">
+                <a:tc>
+                  <a:txBody>
+                    <a:bodyPr/>
+                    <a:lstStyle/>
+                    <a:p>
+                      <a:pPr algn="ctr"/>
+                      <a:r>
+                        <a:rPr lang="en-IN" dirty="0" smtClean="0"/>
+                        <a:t>↔</a:t>
+                      </a:r>
+                      <a:endParaRPr lang="en-IN" dirty="0"/>
+                    </a:p>
+                  </a:txBody>
+                  <a:tcPr/>
+                </a:tc>
+                <a:tc>
+                  <a:txBody>
+                    <a:bodyPr/>
+                    <a:lstStyle/>
+                    <a:p>
+                      <a:pPr algn="ctr"/>
+                      <a:r>
+                        <a:rPr lang="en-IN" dirty="0" smtClean="0"/>
+                        <a:t>-</a:t>
+                      </a:r>
+                      <a:endParaRPr lang="en-IN" dirty="0"/>
+                    </a:p>
+                  </a:txBody>
+                  <a:tcPr/>
+                </a:tc>
+                <a:tc>
+                  <a:txBody>
+                    <a:bodyPr/>
+                    <a:lstStyle/>
+                    <a:p>
+                      <a:pPr algn="ctr"/>
+                      <a:r>
+                        <a:rPr lang="en-IN" dirty="0" smtClean="0"/>
+                        <a:t>-</a:t>
+                      </a:r>
+                      <a:endParaRPr lang="en-IN" dirty="0"/>
+                    </a:p>
+                  </a:txBody>
+                  <a:tcPr/>
+                </a:tc>
+                <a:tc>
+                  <a:txBody>
+                    <a:bodyPr/>
+                    <a:lstStyle/>
+                    <a:p>
+                      <a:pPr marL="0" marR="0" indent="0" algn="ctr" defTabSz="914400" rtl="0" eaLnBrk="1" fontAlgn="auto" latinLnBrk="0" hangingPunct="1">
+                        <a:lnSpc>
+                          <a:spcPct val="100000"/>
+                        </a:lnSpc>
+                        <a:spcBef>
+                          <a:spcPts val="0"/>
+                        </a:spcBef>
+                        <a:spcAft>
+                          <a:spcPts val="0"/>
+                        </a:spcAft>
+                        <a:buClrTx/>
+                        <a:buSzTx/>
+                        <a:buFontTx/>
+                        <a:buNone/>
+                        <a:tabLst/>
+                        <a:defRPr/>
+                      </a:pPr>
+                      <a:r>
+                        <a:rPr lang="en-IN" dirty="0" smtClean="0">
+                          <a:solidFill>
+                            <a:srgbClr val="FF0000"/>
+                          </a:solidFill>
+                        </a:rPr>
+                        <a:t>A</a:t>
+                      </a:r>
+                    </a:p>
+                  </a:txBody>
+                  <a:tcPr/>
+                </a:tc>
+              </a:tr>
+              <a:tr h="483507">
+                <a:tc>
+                  <a:txBody>
+                    <a:bodyPr/>
+                    <a:lstStyle/>
+                    <a:p>
+                      <a:pPr algn="ctr"/>
+                      <a:r>
+                        <a:rPr lang="en-IN" dirty="0" smtClean="0"/>
+                        <a:t>↓</a:t>
+                      </a:r>
+                      <a:endParaRPr lang="en-IN" dirty="0"/>
+                    </a:p>
+                  </a:txBody>
+                  <a:tcPr/>
+                </a:tc>
+                <a:tc>
+                  <a:txBody>
+                    <a:bodyPr/>
+                    <a:lstStyle/>
+                    <a:p>
+                      <a:pPr algn="ctr"/>
+                      <a:r>
+                        <a:rPr lang="en-IN" dirty="0" smtClean="0"/>
+                        <a:t>-</a:t>
+                      </a:r>
+                      <a:endParaRPr lang="en-IN" dirty="0"/>
+                    </a:p>
+                  </a:txBody>
+                  <a:tcPr/>
+                </a:tc>
+                <a:tc>
+                  <a:txBody>
+                    <a:bodyPr/>
+                    <a:lstStyle/>
+                    <a:p>
+                      <a:pPr algn="ctr"/>
+                      <a:r>
+                        <a:rPr lang="en-IN" dirty="0" smtClean="0"/>
+                        <a:t>-</a:t>
+                      </a:r>
+                      <a:endParaRPr lang="en-IN" dirty="0"/>
+                    </a:p>
+                  </a:txBody>
+                  <a:tcPr/>
+                </a:tc>
+                <a:tc>
+                  <a:txBody>
+                    <a:bodyPr/>
+                    <a:lstStyle/>
+                    <a:p>
+                      <a:pPr algn="ctr"/>
+                      <a:r>
+                        <a:rPr lang="en-IN" dirty="0" smtClean="0"/>
+                        <a:t>-</a:t>
+                      </a:r>
+                      <a:endParaRPr lang="en-IN" dirty="0"/>
+                    </a:p>
+                  </a:txBody>
+                  <a:tcPr/>
+                </a:tc>
+              </a:tr>
+            </a:tbl>
+          </a:graphicData>
+        </a:graphic>
+      </p:graphicFrame>
+      <p:graphicFrame>
+        <p:nvGraphicFramePr>
+          <p:cNvPr id="8" name="Content Placeholder 3"/>
+          <p:cNvGraphicFramePr>
+            <a:graphicFrameLocks/>
+          </p:cNvGraphicFramePr>
+          <p:nvPr>
+            <p:extLst>
+              <p:ext uri="{D42A27DB-BD31-4B8C-83A1-F6EECF244321}">
+                <p14:modId xmlns:p14="http://schemas.microsoft.com/office/powerpoint/2010/main" val="3746597124"/>
+              </p:ext>
+            </p:extLst>
+          </p:nvPr>
+        </p:nvGraphicFramePr>
+        <p:xfrm>
+          <a:off x="1169126" y="4429533"/>
+          <a:ext cx="3733800" cy="2215481"/>
+        </p:xfrm>
+        <a:graphic>
+          <a:graphicData uri="http://schemas.openxmlformats.org/drawingml/2006/table">
+            <a:tbl>
+              <a:tblPr firstRow="1" bandRow="1">
+                <a:tableStyleId>{5C22544A-7EE6-4342-B048-85BDC9FD1C3A}</a:tableStyleId>
+              </a:tblPr>
+              <a:tblGrid>
+                <a:gridCol w="1905726"/>
+                <a:gridCol w="547914"/>
+                <a:gridCol w="535577"/>
+                <a:gridCol w="744583"/>
+              </a:tblGrid>
+              <a:tr h="764960">
+                <a:tc>
+                  <a:txBody>
+                    <a:bodyPr/>
+                    <a:lstStyle/>
+                    <a:p>
+                      <a:pPr algn="ctr"/>
+                      <a:r>
+                        <a:rPr lang="en-IN" dirty="0" smtClean="0"/>
+                        <a:t>Retail\Arrival</a:t>
+                      </a:r>
+                      <a:endParaRPr lang="en-IN" dirty="0"/>
+                    </a:p>
+                  </a:txBody>
+                  <a:tcPr/>
+                </a:tc>
+                <a:tc>
+                  <a:txBody>
+                    <a:bodyPr/>
+                    <a:lstStyle/>
+                    <a:p>
+                      <a:pPr algn="ctr"/>
+                      <a:r>
+                        <a:rPr lang="en-IN" dirty="0" smtClean="0"/>
+                        <a:t>↑</a:t>
+                      </a:r>
+                      <a:endParaRPr lang="en-IN" dirty="0"/>
+                    </a:p>
+                  </a:txBody>
+                  <a:tcPr/>
+                </a:tc>
+                <a:tc>
+                  <a:txBody>
+                    <a:bodyPr/>
+                    <a:lstStyle/>
+                    <a:p>
+                      <a:pPr algn="ctr"/>
+                      <a:r>
+                        <a:rPr lang="en-IN" dirty="0" smtClean="0"/>
+                        <a:t>↔</a:t>
+                      </a:r>
+                      <a:endParaRPr lang="en-IN" dirty="0"/>
+                    </a:p>
+                  </a:txBody>
+                  <a:tcPr/>
+                </a:tc>
+                <a:tc>
+                  <a:txBody>
+                    <a:bodyPr/>
+                    <a:lstStyle/>
+                    <a:p>
+                      <a:pPr algn="ctr"/>
+                      <a:r>
+                        <a:rPr lang="en-IN" dirty="0" smtClean="0"/>
+                        <a:t>↓</a:t>
+                      </a:r>
+                      <a:endParaRPr lang="en-IN" dirty="0"/>
+                    </a:p>
+                  </a:txBody>
+                  <a:tcPr/>
+                </a:tc>
+              </a:tr>
+              <a:tr h="483507">
+                <a:tc>
+                  <a:txBody>
+                    <a:bodyPr/>
+                    <a:lstStyle/>
+                    <a:p>
+                      <a:pPr algn="ctr"/>
+                      <a:r>
+                        <a:rPr lang="en-IN" dirty="0" smtClean="0"/>
+                        <a:t>↑</a:t>
+                      </a:r>
+                      <a:endParaRPr lang="en-IN" dirty="0"/>
+                    </a:p>
+                  </a:txBody>
+                  <a:tcPr/>
+                </a:tc>
+                <a:tc>
+                  <a:txBody>
+                    <a:bodyPr/>
+                    <a:lstStyle/>
+                    <a:p>
+                      <a:pPr algn="ctr"/>
+                      <a:r>
+                        <a:rPr lang="en-IN" dirty="0" smtClean="0">
+                          <a:solidFill>
+                            <a:srgbClr val="FF0000"/>
+                          </a:solidFill>
+                        </a:rPr>
+                        <a:t>A</a:t>
+                      </a:r>
+                      <a:endParaRPr lang="en-IN" dirty="0"/>
+                    </a:p>
+                  </a:txBody>
+                  <a:tcPr/>
+                </a:tc>
+                <a:tc>
+                  <a:txBody>
+                    <a:bodyPr/>
+                    <a:lstStyle/>
+                    <a:p>
+                      <a:pPr algn="ctr"/>
+                      <a:r>
+                        <a:rPr lang="en-IN" dirty="0" smtClean="0">
+                          <a:solidFill>
+                            <a:srgbClr val="FF0000"/>
+                          </a:solidFill>
+                        </a:rPr>
+                        <a:t>A</a:t>
+                      </a:r>
+                      <a:endParaRPr lang="en-IN" dirty="0"/>
+                    </a:p>
+                  </a:txBody>
+                  <a:tcPr/>
+                </a:tc>
+                <a:tc>
+                  <a:txBody>
+                    <a:bodyPr/>
+                    <a:lstStyle/>
+                    <a:p>
+                      <a:pPr algn="ctr"/>
+                      <a:r>
+                        <a:rPr lang="en-IN" dirty="0" smtClean="0"/>
+                        <a:t>-</a:t>
+                      </a:r>
+                      <a:endParaRPr lang="en-IN" dirty="0"/>
+                    </a:p>
+                  </a:txBody>
+                  <a:tcPr/>
+                </a:tc>
+              </a:tr>
+              <a:tr h="483507">
+                <a:tc>
+                  <a:txBody>
+                    <a:bodyPr/>
+                    <a:lstStyle/>
+                    <a:p>
+                      <a:pPr algn="ctr"/>
+                      <a:r>
+                        <a:rPr lang="en-IN" dirty="0" smtClean="0"/>
+                        <a:t>↔</a:t>
+                      </a:r>
+                      <a:endParaRPr lang="en-IN" dirty="0"/>
+                    </a:p>
+                  </a:txBody>
+                  <a:tcPr/>
+                </a:tc>
+                <a:tc>
+                  <a:txBody>
+                    <a:bodyPr/>
+                    <a:lstStyle/>
+                    <a:p>
+                      <a:pPr algn="ctr"/>
+                      <a:r>
+                        <a:rPr lang="en-IN" dirty="0" smtClean="0">
+                          <a:solidFill>
+                            <a:srgbClr val="FF0000"/>
+                          </a:solidFill>
+                        </a:rPr>
+                        <a:t>A</a:t>
+                      </a:r>
+                      <a:endParaRPr lang="en-IN" dirty="0"/>
+                    </a:p>
+                  </a:txBody>
+                  <a:tcPr/>
+                </a:tc>
+                <a:tc>
+                  <a:txBody>
+                    <a:bodyPr/>
+                    <a:lstStyle/>
+                    <a:p>
+                      <a:pPr algn="ctr"/>
+                      <a:r>
+                        <a:rPr lang="en-IN" dirty="0" smtClean="0"/>
+                        <a:t>-</a:t>
+                      </a:r>
+                      <a:endParaRPr lang="en-IN" dirty="0"/>
+                    </a:p>
+                  </a:txBody>
+                  <a:tcPr/>
+                </a:tc>
+                <a:tc>
+                  <a:txBody>
+                    <a:bodyPr/>
+                    <a:lstStyle/>
+                    <a:p>
+                      <a:pPr algn="ctr"/>
+                      <a:r>
+                        <a:rPr lang="en-IN" dirty="0" smtClean="0"/>
+                        <a:t>-</a:t>
+                      </a:r>
+                      <a:endParaRPr lang="en-IN" dirty="0"/>
+                    </a:p>
+                  </a:txBody>
+                  <a:tcPr/>
+                </a:tc>
+              </a:tr>
+              <a:tr h="483507">
+                <a:tc>
+                  <a:txBody>
+                    <a:bodyPr/>
+                    <a:lstStyle/>
+                    <a:p>
+                      <a:pPr algn="ctr"/>
+                      <a:r>
+                        <a:rPr lang="en-IN" dirty="0" smtClean="0"/>
+                        <a:t>↓</a:t>
+                      </a:r>
+                      <a:endParaRPr lang="en-IN" dirty="0"/>
+                    </a:p>
+                  </a:txBody>
+                  <a:tcPr/>
+                </a:tc>
+                <a:tc>
+                  <a:txBody>
+                    <a:bodyPr/>
+                    <a:lstStyle/>
+                    <a:p>
+                      <a:pPr algn="ctr"/>
+                      <a:r>
+                        <a:rPr lang="en-IN" dirty="0" smtClean="0"/>
+                        <a:t>-</a:t>
+                      </a:r>
+                      <a:endParaRPr lang="en-IN" dirty="0"/>
+                    </a:p>
+                  </a:txBody>
+                  <a:tcPr/>
+                </a:tc>
+                <a:tc>
+                  <a:txBody>
+                    <a:bodyPr/>
+                    <a:lstStyle/>
+                    <a:p>
+                      <a:pPr algn="ctr"/>
+                      <a:r>
+                        <a:rPr lang="en-IN" dirty="0" smtClean="0"/>
+                        <a:t>-</a:t>
+                      </a:r>
+                      <a:endParaRPr lang="en-IN" dirty="0"/>
+                    </a:p>
+                  </a:txBody>
+                  <a:tcPr/>
+                </a:tc>
+                <a:tc>
+                  <a:txBody>
+                    <a:bodyPr/>
+                    <a:lstStyle/>
+                    <a:p>
+                      <a:pPr algn="ctr"/>
+                      <a:r>
+                        <a:rPr lang="en-IN" dirty="0" smtClean="0"/>
+                        <a:t>-</a:t>
+                      </a:r>
+                      <a:endParaRPr lang="en-IN" dirty="0"/>
+                    </a:p>
+                  </a:txBody>
+                  <a:tcPr/>
+                </a:tc>
+              </a:tr>
+            </a:tbl>
+          </a:graphicData>
+        </a:graphic>
+      </p:graphicFrame>
     </p:spTree>
     <p:extLst>
       <p:ext uri="{BB962C8B-B14F-4D97-AF65-F5344CB8AC3E}">
-        <p14:creationId xmlns:p14="http://schemas.microsoft.com/office/powerpoint/2010/main" val="1001609864"/>
+        <p14:creationId xmlns:p14="http://schemas.microsoft.com/office/powerpoint/2010/main" val="749446485"/>
       </p:ext>
     </p:extLst>
   </p:cSld>
